--- a/FakeNewsDetection.pptx
+++ b/FakeNewsDetection.pptx
@@ -5,14 +5,14 @@
     <p:sldMasterId id="2147483648" r:id="rId1"/>
   </p:sldMasterIdLst>
   <p:notesMasterIdLst>
-    <p:notesMasterId r:id="rId30"/>
+    <p:notesMasterId r:id="rId34"/>
   </p:notesMasterIdLst>
   <p:handoutMasterIdLst>
-    <p:handoutMasterId r:id="rId31"/>
+    <p:handoutMasterId r:id="rId35"/>
   </p:handoutMasterIdLst>
   <p:sldIdLst>
     <p:sldId id="256" r:id="rId2"/>
-    <p:sldId id="257" r:id="rId3"/>
+    <p:sldId id="258" r:id="rId3"/>
     <p:sldId id="391" r:id="rId4"/>
     <p:sldId id="366" r:id="rId5"/>
     <p:sldId id="389" r:id="rId6"/>
@@ -37,8 +37,12 @@
     <p:sldId id="409" r:id="rId25"/>
     <p:sldId id="411" r:id="rId26"/>
     <p:sldId id="410" r:id="rId27"/>
-    <p:sldId id="387" r:id="rId28"/>
-    <p:sldId id="368" r:id="rId29"/>
+    <p:sldId id="414" r:id="rId28"/>
+    <p:sldId id="413" r:id="rId29"/>
+    <p:sldId id="415" r:id="rId30"/>
+    <p:sldId id="387" r:id="rId31"/>
+    <p:sldId id="416" r:id="rId32"/>
+    <p:sldId id="412" r:id="rId33"/>
   </p:sldIdLst>
   <p:sldSz cx="9144000" cy="5143500" type="screen16x9"/>
   <p:notesSz cx="7099300" cy="10234613"/>
@@ -246,7 +250,7 @@
           <a:p>
             <a:fld id="{72CE52FD-EEC5-4B15-8F5D-7ED48CDD5B6D}" type="datetimeFigureOut">
               <a:rPr lang="en-US" smtClean="0"/>
-              <a:t>6/25/2019</a:t>
+              <a:t>6/26/2019</a:t>
             </a:fld>
             <a:endParaRPr lang="en-US" dirty="0"/>
           </a:p>
@@ -919,61 +923,14 @@
           <a:bodyPr/>
           <a:lstStyle/>
           <a:p>
-            <a:r>
-              <a:rPr lang="en-US" dirty="0"/>
-              <a:t>Hyperledger fabric provides a sample network and shell scripts for using </a:t>
-            </a:r>
-            <a:r>
-              <a:rPr lang="en-US" dirty="0" err="1"/>
-              <a:t>hyperledger</a:t>
-            </a:r>
-            <a:r>
-              <a:rPr lang="en-US" dirty="0"/>
-              <a:t> fabric. </a:t>
-            </a:r>
-          </a:p>
-          <a:p>
-            <a:r>
-              <a:rPr lang="en-US" dirty="0"/>
-              <a:t>Fabric ca server will be responsible for enrolling users and generating certificate on the fly </a:t>
-            </a:r>
-          </a:p>
-          <a:p>
-            <a:endParaRPr lang="en-US" dirty="0"/>
-          </a:p>
-          <a:p>
-            <a:endParaRPr lang="en-US" dirty="0"/>
-          </a:p>
-        </p:txBody>
-      </p:sp>
-      <p:sp>
-        <p:nvSpPr>
-          <p:cNvPr id="4" name="Slide Number Placeholder 3"/>
-          <p:cNvSpPr>
-            <a:spLocks noGrp="1"/>
-          </p:cNvSpPr>
-          <p:nvPr>
-            <p:ph type="sldNum" sz="quarter" idx="5"/>
-          </p:nvPr>
-        </p:nvSpPr>
-        <p:spPr/>
-        <p:txBody>
-          <a:bodyPr/>
-          <a:lstStyle/>
-          <a:p>
-            <a:fld id="{E4AA6088-1FF0-4E53-845C-EFEDD1C948F8}" type="slidenum">
-              <a:rPr lang="de-DE" smtClean="0"/>
-              <a:pPr/>
-              <a:t>12</a:t>
-            </a:fld>
-            <a:endParaRPr lang="de-DE"/>
+            <a:endParaRPr lang="en-US"/>
           </a:p>
         </p:txBody>
       </p:sp>
     </p:spTree>
     <p:extLst>
       <p:ext uri="{BB962C8B-B14F-4D97-AF65-F5344CB8AC3E}">
-        <p14:creationId xmlns:p14="http://schemas.microsoft.com/office/powerpoint/2010/main" val="1234370662"/>
+        <p14:creationId xmlns:p14="http://schemas.microsoft.com/office/powerpoint/2010/main" val="2938898476"/>
       </p:ext>
     </p:extLst>
   </p:cSld>
@@ -1029,16 +986,39 @@
           <a:p>
             <a:r>
               <a:rPr lang="en-US" dirty="0"/>
-              <a:t>Using </a:t>
+              <a:t>Hyperledger fabric provides a sample network and shell scripts for using </a:t>
             </a:r>
             <a:r>
               <a:rPr lang="en-US" dirty="0" err="1"/>
-              <a:t>cryptogen</a:t>
-            </a:r>
-            <a:r>
-              <a:rPr lang="en-US" dirty="0"/>
-              <a:t> tool certs and signing keys for different network entities. </a:t>
-            </a:r>
+              <a:t>hyperledger</a:t>
+            </a:r>
+            <a:r>
+              <a:rPr lang="en-US" dirty="0"/>
+              <a:t> fabric. </a:t>
+            </a:r>
+          </a:p>
+          <a:p>
+            <a:r>
+              <a:rPr lang="en-US" dirty="0"/>
+              <a:t>Fabric ca server will be responsible for enrolling users and generating certificate on the fly </a:t>
+            </a:r>
+          </a:p>
+          <a:p>
+            <a:r>
+              <a:rPr lang="en-US" dirty="0"/>
+              <a:t>Solo </a:t>
+            </a:r>
+            <a:r>
+              <a:rPr lang="en-US" dirty="0" err="1"/>
+              <a:t>orderer</a:t>
+            </a:r>
+            <a:r>
+              <a:rPr lang="en-US" dirty="0"/>
+              <a:t> not in production </a:t>
+            </a:r>
+          </a:p>
+          <a:p>
+            <a:endParaRPr lang="en-US" dirty="0"/>
           </a:p>
           <a:p>
             <a:endParaRPr lang="en-US" dirty="0"/>
@@ -1063,7 +1043,7 @@
             <a:fld id="{E4AA6088-1FF0-4E53-845C-EFEDD1C948F8}" type="slidenum">
               <a:rPr lang="de-DE" smtClean="0"/>
               <a:pPr/>
-              <a:t>13</a:t>
+              <a:t>12</a:t>
             </a:fld>
             <a:endParaRPr lang="de-DE"/>
           </a:p>
@@ -1072,7 +1052,7 @@
     </p:spTree>
     <p:extLst>
       <p:ext uri="{BB962C8B-B14F-4D97-AF65-F5344CB8AC3E}">
-        <p14:creationId xmlns:p14="http://schemas.microsoft.com/office/powerpoint/2010/main" val="2884573991"/>
+        <p14:creationId xmlns:p14="http://schemas.microsoft.com/office/powerpoint/2010/main" val="1234370662"/>
       </p:ext>
     </p:extLst>
   </p:cSld>
@@ -1162,7 +1142,7 @@
             <a:fld id="{E4AA6088-1FF0-4E53-845C-EFEDD1C948F8}" type="slidenum">
               <a:rPr lang="de-DE" smtClean="0"/>
               <a:pPr/>
-              <a:t>15</a:t>
+              <a:t>13</a:t>
             </a:fld>
             <a:endParaRPr lang="de-DE"/>
           </a:p>
@@ -1171,7 +1151,7 @@
     </p:spTree>
     <p:extLst>
       <p:ext uri="{BB962C8B-B14F-4D97-AF65-F5344CB8AC3E}">
-        <p14:creationId xmlns:p14="http://schemas.microsoft.com/office/powerpoint/2010/main" val="2618764658"/>
+        <p14:creationId xmlns:p14="http://schemas.microsoft.com/office/powerpoint/2010/main" val="2884573991"/>
       </p:ext>
     </p:extLst>
   </p:cSld>
@@ -1227,21 +1207,118 @@
           <a:p>
             <a:r>
               <a:rPr lang="en-US" dirty="0"/>
+              <a:t>Using </a:t>
+            </a:r>
+            <a:r>
+              <a:rPr lang="en-US" dirty="0" err="1"/>
+              <a:t>cryptogen</a:t>
+            </a:r>
+            <a:r>
+              <a:rPr lang="en-US" dirty="0"/>
+              <a:t> tool certs and signing keys for different network entities. </a:t>
+            </a:r>
+          </a:p>
+          <a:p>
+            <a:r>
+              <a:rPr lang="en-US" dirty="0"/>
+              <a:t>SDKs encapsulate all access to the ledger </a:t>
+            </a:r>
+          </a:p>
+          <a:p>
+            <a:endParaRPr lang="en-US" dirty="0"/>
+          </a:p>
+        </p:txBody>
+      </p:sp>
+      <p:sp>
+        <p:nvSpPr>
+          <p:cNvPr id="4" name="Slide Number Placeholder 3"/>
+          <p:cNvSpPr>
+            <a:spLocks noGrp="1"/>
+          </p:cNvSpPr>
+          <p:nvPr>
+            <p:ph type="sldNum" sz="quarter" idx="5"/>
+          </p:nvPr>
+        </p:nvSpPr>
+        <p:spPr/>
+        <p:txBody>
+          <a:bodyPr/>
+          <a:lstStyle/>
+          <a:p>
+            <a:fld id="{E4AA6088-1FF0-4E53-845C-EFEDD1C948F8}" type="slidenum">
+              <a:rPr lang="de-DE" smtClean="0"/>
+              <a:pPr/>
+              <a:t>15</a:t>
+            </a:fld>
+            <a:endParaRPr lang="de-DE"/>
+          </a:p>
+        </p:txBody>
+      </p:sp>
+    </p:spTree>
+    <p:extLst>
+      <p:ext uri="{BB962C8B-B14F-4D97-AF65-F5344CB8AC3E}">
+        <p14:creationId xmlns:p14="http://schemas.microsoft.com/office/powerpoint/2010/main" val="2618764658"/>
+      </p:ext>
+    </p:extLst>
+  </p:cSld>
+  <p:clrMapOvr>
+    <a:masterClrMapping/>
+  </p:clrMapOvr>
+</p:notes>
+</file>
+
+<file path=ppt/notesSlides/notesSlide14.xml><?xml version="1.0" encoding="utf-8"?>
+<p:notes xmlns:a="http://schemas.openxmlformats.org/drawingml/2006/main" xmlns:r="http://schemas.openxmlformats.org/officeDocument/2006/relationships" xmlns:p="http://schemas.openxmlformats.org/presentationml/2006/main">
+  <p:cSld>
+    <p:spTree>
+      <p:nvGrpSpPr>
+        <p:cNvPr id="1" name=""/>
+        <p:cNvGrpSpPr/>
+        <p:nvPr/>
+      </p:nvGrpSpPr>
+      <p:grpSpPr>
+        <a:xfrm>
+          <a:off x="0" y="0"/>
+          <a:ext cx="0" cy="0"/>
+          <a:chOff x="0" y="0"/>
+          <a:chExt cx="0" cy="0"/>
+        </a:xfrm>
+      </p:grpSpPr>
+      <p:sp>
+        <p:nvSpPr>
+          <p:cNvPr id="2" name="Slide Image Placeholder 1"/>
+          <p:cNvSpPr>
+            <a:spLocks noGrp="1" noRot="1" noChangeAspect="1"/>
+          </p:cNvSpPr>
+          <p:nvPr>
+            <p:ph type="sldImg"/>
+          </p:nvPr>
+        </p:nvSpPr>
+        <p:spPr/>
+      </p:sp>
+      <p:sp>
+        <p:nvSpPr>
+          <p:cNvPr id="3" name="Notes Placeholder 2"/>
+          <p:cNvSpPr>
+            <a:spLocks noGrp="1"/>
+          </p:cNvSpPr>
+          <p:nvPr>
+            <p:ph type="body" idx="1"/>
+          </p:nvPr>
+        </p:nvSpPr>
+        <p:spPr/>
+        <p:txBody>
+          <a:bodyPr/>
+          <a:lstStyle/>
+          <a:p>
+            <a:r>
+              <a:rPr lang="en-US" dirty="0"/>
               <a:t>Users will first authenticate with email and password using  traditional database. </a:t>
             </a:r>
           </a:p>
           <a:p>
             <a:r>
               <a:rPr lang="en-US" dirty="0"/>
-              <a:t>Then they will request to enroll and join the network every user has a </a:t>
-            </a:r>
-            <a:r>
-              <a:rPr lang="en-US" dirty="0" err="1"/>
-              <a:t>unqiue</a:t>
-            </a:r>
-            <a:r>
-              <a:rPr lang="en-US" dirty="0"/>
-              <a:t> email and password and the app will generate a JSON </a:t>
+              <a:t>Then they will request to enroll and join the network every user has a unique email and password and the app will generate a JSON </a:t>
             </a:r>
             <a:r>
               <a:rPr lang="en-US" dirty="0" err="1"/>
@@ -1302,6 +1379,190 @@
     <p:extLst>
       <p:ext uri="{BB962C8B-B14F-4D97-AF65-F5344CB8AC3E}">
         <p14:creationId xmlns:p14="http://schemas.microsoft.com/office/powerpoint/2010/main" val="29270278"/>
+      </p:ext>
+    </p:extLst>
+  </p:cSld>
+  <p:clrMapOvr>
+    <a:masterClrMapping/>
+  </p:clrMapOvr>
+</p:notes>
+</file>
+
+<file path=ppt/notesSlides/notesSlide15.xml><?xml version="1.0" encoding="utf-8"?>
+<p:notes xmlns:a="http://schemas.openxmlformats.org/drawingml/2006/main" xmlns:r="http://schemas.openxmlformats.org/officeDocument/2006/relationships" xmlns:p="http://schemas.openxmlformats.org/presentationml/2006/main">
+  <p:cSld>
+    <p:spTree>
+      <p:nvGrpSpPr>
+        <p:cNvPr id="1" name=""/>
+        <p:cNvGrpSpPr/>
+        <p:nvPr/>
+      </p:nvGrpSpPr>
+      <p:grpSpPr>
+        <a:xfrm>
+          <a:off x="0" y="0"/>
+          <a:ext cx="0" cy="0"/>
+          <a:chOff x="0" y="0"/>
+          <a:chExt cx="0" cy="0"/>
+        </a:xfrm>
+      </p:grpSpPr>
+      <p:sp>
+        <p:nvSpPr>
+          <p:cNvPr id="2" name="Slide Image Placeholder 1"/>
+          <p:cNvSpPr>
+            <a:spLocks noGrp="1" noRot="1" noChangeAspect="1"/>
+          </p:cNvSpPr>
+          <p:nvPr>
+            <p:ph type="sldImg"/>
+          </p:nvPr>
+        </p:nvSpPr>
+        <p:spPr/>
+      </p:sp>
+      <p:sp>
+        <p:nvSpPr>
+          <p:cNvPr id="3" name="Notes Placeholder 2"/>
+          <p:cNvSpPr>
+            <a:spLocks noGrp="1"/>
+          </p:cNvSpPr>
+          <p:nvPr>
+            <p:ph type="body" idx="1"/>
+          </p:nvPr>
+        </p:nvSpPr>
+        <p:spPr/>
+        <p:txBody>
+          <a:bodyPr/>
+          <a:lstStyle/>
+          <a:p>
+            <a:r>
+              <a:rPr lang="en-US" dirty="0"/>
+              <a:t>Enforcing the business logic using the </a:t>
+            </a:r>
+            <a:r>
+              <a:rPr lang="en-US" dirty="0" err="1"/>
+              <a:t>chaincode</a:t>
+            </a:r>
+            <a:r>
+              <a:rPr lang="en-US" dirty="0"/>
+              <a:t>.</a:t>
+            </a:r>
+          </a:p>
+          <a:p>
+            <a:endParaRPr lang="en-US" dirty="0"/>
+          </a:p>
+        </p:txBody>
+      </p:sp>
+      <p:sp>
+        <p:nvSpPr>
+          <p:cNvPr id="4" name="Slide Number Placeholder 3"/>
+          <p:cNvSpPr>
+            <a:spLocks noGrp="1"/>
+          </p:cNvSpPr>
+          <p:nvPr>
+            <p:ph type="sldNum" sz="quarter" idx="5"/>
+          </p:nvPr>
+        </p:nvSpPr>
+        <p:spPr/>
+        <p:txBody>
+          <a:bodyPr/>
+          <a:lstStyle/>
+          <a:p>
+            <a:fld id="{E4AA6088-1FF0-4E53-845C-EFEDD1C948F8}" type="slidenum">
+              <a:rPr lang="de-DE" smtClean="0"/>
+              <a:pPr/>
+              <a:t>25</a:t>
+            </a:fld>
+            <a:endParaRPr lang="de-DE" dirty="0"/>
+          </a:p>
+        </p:txBody>
+      </p:sp>
+    </p:spTree>
+    <p:extLst>
+      <p:ext uri="{BB962C8B-B14F-4D97-AF65-F5344CB8AC3E}">
+        <p14:creationId xmlns:p14="http://schemas.microsoft.com/office/powerpoint/2010/main" val="1328856830"/>
+      </p:ext>
+    </p:extLst>
+  </p:cSld>
+  <p:clrMapOvr>
+    <a:masterClrMapping/>
+  </p:clrMapOvr>
+</p:notes>
+</file>
+
+<file path=ppt/notesSlides/notesSlide16.xml><?xml version="1.0" encoding="utf-8"?>
+<p:notes xmlns:a="http://schemas.openxmlformats.org/drawingml/2006/main" xmlns:r="http://schemas.openxmlformats.org/officeDocument/2006/relationships" xmlns:p="http://schemas.openxmlformats.org/presentationml/2006/main">
+  <p:cSld>
+    <p:spTree>
+      <p:nvGrpSpPr>
+        <p:cNvPr id="1" name=""/>
+        <p:cNvGrpSpPr/>
+        <p:nvPr/>
+      </p:nvGrpSpPr>
+      <p:grpSpPr>
+        <a:xfrm>
+          <a:off x="0" y="0"/>
+          <a:ext cx="0" cy="0"/>
+          <a:chOff x="0" y="0"/>
+          <a:chExt cx="0" cy="0"/>
+        </a:xfrm>
+      </p:grpSpPr>
+      <p:sp>
+        <p:nvSpPr>
+          <p:cNvPr id="2" name="Slide Image Placeholder 1"/>
+          <p:cNvSpPr>
+            <a:spLocks noGrp="1" noRot="1" noChangeAspect="1"/>
+          </p:cNvSpPr>
+          <p:nvPr>
+            <p:ph type="sldImg"/>
+          </p:nvPr>
+        </p:nvSpPr>
+        <p:spPr/>
+      </p:sp>
+      <p:sp>
+        <p:nvSpPr>
+          <p:cNvPr id="3" name="Notes Placeholder 2"/>
+          <p:cNvSpPr>
+            <a:spLocks noGrp="1"/>
+          </p:cNvSpPr>
+          <p:nvPr>
+            <p:ph type="body" idx="1"/>
+          </p:nvPr>
+        </p:nvSpPr>
+        <p:spPr/>
+        <p:txBody>
+          <a:bodyPr/>
+          <a:lstStyle/>
+          <a:p>
+            <a:endParaRPr lang="en-US" dirty="0"/>
+          </a:p>
+        </p:txBody>
+      </p:sp>
+      <p:sp>
+        <p:nvSpPr>
+          <p:cNvPr id="4" name="Slide Number Placeholder 3"/>
+          <p:cNvSpPr>
+            <a:spLocks noGrp="1"/>
+          </p:cNvSpPr>
+          <p:nvPr>
+            <p:ph type="sldNum" sz="quarter" idx="5"/>
+          </p:nvPr>
+        </p:nvSpPr>
+        <p:spPr/>
+        <p:txBody>
+          <a:bodyPr/>
+          <a:lstStyle/>
+          <a:p>
+            <a:fld id="{E4AA6088-1FF0-4E53-845C-EFEDD1C948F8}" type="slidenum">
+              <a:rPr lang="de-DE" smtClean="0"/>
+              <a:pPr/>
+              <a:t>31</a:t>
+            </a:fld>
+            <a:endParaRPr lang="de-DE" dirty="0"/>
+          </a:p>
+        </p:txBody>
+      </p:sp>
+    </p:spTree>
+    <p:extLst>
+      <p:ext uri="{BB962C8B-B14F-4D97-AF65-F5344CB8AC3E}">
+        <p14:creationId xmlns:p14="http://schemas.microsoft.com/office/powerpoint/2010/main" val="1166132585"/>
       </p:ext>
     </p:extLst>
   </p:cSld>
@@ -1362,7 +1623,7 @@
     </p:spTree>
     <p:extLst>
       <p:ext uri="{BB962C8B-B14F-4D97-AF65-F5344CB8AC3E}">
-        <p14:creationId xmlns:p14="http://schemas.microsoft.com/office/powerpoint/2010/main" val="679030185"/>
+        <p14:creationId xmlns:p14="http://schemas.microsoft.com/office/powerpoint/2010/main" val="3362578870"/>
       </p:ext>
     </p:extLst>
   </p:cSld>
@@ -1416,14 +1677,62 @@
           <a:bodyPr/>
           <a:lstStyle/>
           <a:p>
-            <a:endParaRPr lang="en-US"/>
+            <a:r>
+              <a:rPr lang="en-US" dirty="0"/>
+              <a:t>An Application that boosts our blockchain knowledge and gives us a profound understanding. of the technology  </a:t>
+            </a:r>
+          </a:p>
+          <a:p>
+            <a:r>
+              <a:rPr lang="en-US" dirty="0"/>
+              <a:t>The best way is to learn by doing </a:t>
+            </a:r>
+          </a:p>
+          <a:p>
+            <a:r>
+              <a:rPr lang="en-US" dirty="0"/>
+              <a:t>Proposed a mobile application that allow users to share media events and upload them and other people in the area could view and interact. </a:t>
+            </a:r>
+          </a:p>
+          <a:p>
+            <a:endParaRPr lang="en-US" dirty="0"/>
+          </a:p>
+          <a:p>
+            <a:r>
+              <a:rPr lang="en-US" dirty="0"/>
+              <a:t>Here comes the question </a:t>
+            </a:r>
+          </a:p>
+        </p:txBody>
+      </p:sp>
+      <p:sp>
+        <p:nvSpPr>
+          <p:cNvPr id="4" name="Slide Number Placeholder 3"/>
+          <p:cNvSpPr>
+            <a:spLocks noGrp="1"/>
+          </p:cNvSpPr>
+          <p:nvPr>
+            <p:ph type="sldNum" sz="quarter" idx="5"/>
+          </p:nvPr>
+        </p:nvSpPr>
+        <p:spPr/>
+        <p:txBody>
+          <a:bodyPr/>
+          <a:lstStyle/>
+          <a:p>
+            <a:fld id="{E4AA6088-1FF0-4E53-845C-EFEDD1C948F8}" type="slidenum">
+              <a:rPr lang="de-DE" smtClean="0"/>
+              <a:pPr/>
+              <a:t>4</a:t>
+            </a:fld>
+            <a:endParaRPr lang="de-DE" dirty="0"/>
           </a:p>
         </p:txBody>
       </p:sp>
     </p:spTree>
     <p:extLst>
       <p:ext uri="{BB962C8B-B14F-4D97-AF65-F5344CB8AC3E}">
-        <p14:creationId xmlns:p14="http://schemas.microsoft.com/office/powerpoint/2010/main" val="3362578870"/>
+        <p14:creationId xmlns:p14="http://schemas.microsoft.com/office/powerpoint/2010/main" val="4029378021"/>
       </p:ext>
     </p:extLst>
   </p:cSld>
@@ -1539,28 +1848,35 @@
           <a:lstStyle/>
           <a:p>
             <a:r>
+              <a:rPr lang="en-US" dirty="0"/>
+              <a:t>One of the most hyped technology trends</a:t>
+            </a:r>
+          </a:p>
+          <a:p>
+            <a:r>
+              <a:rPr lang="en-US" dirty="0"/>
+              <a:t>Someone has to have access to servers and </a:t>
+            </a:r>
+            <a:r>
               <a:rPr lang="en-US" dirty="0" err="1"/>
-              <a:t>Permssioned</a:t>
-            </a:r>
-            <a:r>
-              <a:rPr lang="en-US" dirty="0"/>
-              <a:t> blockchain unlike bitcoin not everyone could just simply join the network.</a:t>
-            </a:r>
-          </a:p>
-          <a:p>
-            <a:r>
-              <a:rPr lang="en-US" dirty="0"/>
-              <a:t>You have to have the right certificate to join the network.</a:t>
+              <a:t>and</a:t>
+            </a:r>
+            <a:r>
+              <a:rPr lang="en-US" dirty="0"/>
+              <a:t> update the event change or delete the data if it’s stored in normal database. </a:t>
+            </a:r>
+          </a:p>
+          <a:p>
+            <a:r>
+              <a:rPr lang="en-US" dirty="0"/>
+              <a:t>All business record will be managed via blockchain to hack you have to attack all the peers one by one to change the data . </a:t>
             </a:r>
           </a:p>
           <a:p>
             <a:endParaRPr lang="en-US" dirty="0"/>
           </a:p>
           <a:p>
-            <a:r>
-              <a:rPr lang="en-US" dirty="0"/>
-              <a:t> </a:t>
-            </a:r>
+            <a:endParaRPr lang="en-US" dirty="0"/>
           </a:p>
         </p:txBody>
       </p:sp>
@@ -1582,16 +1898,16 @@
             <a:fld id="{E4AA6088-1FF0-4E53-845C-EFEDD1C948F8}" type="slidenum">
               <a:rPr lang="de-DE" smtClean="0"/>
               <a:pPr/>
-              <a:t>7</a:t>
+              <a:t>6</a:t>
             </a:fld>
-            <a:endParaRPr lang="de-DE"/>
+            <a:endParaRPr lang="de-DE" dirty="0"/>
           </a:p>
         </p:txBody>
       </p:sp>
     </p:spTree>
     <p:extLst>
       <p:ext uri="{BB962C8B-B14F-4D97-AF65-F5344CB8AC3E}">
-        <p14:creationId xmlns:p14="http://schemas.microsoft.com/office/powerpoint/2010/main" val="2576657442"/>
+        <p14:creationId xmlns:p14="http://schemas.microsoft.com/office/powerpoint/2010/main" val="420126623"/>
       </p:ext>
     </p:extLst>
   </p:cSld>
@@ -1646,13 +1962,35 @@
           <a:lstStyle/>
           <a:p>
             <a:r>
-              <a:rPr lang="en-US" dirty="0"/>
-              <a:t>Blockchain a transaction log that records </a:t>
-            </a:r>
-            <a:r>
-              <a:rPr lang="en-US"/>
-              <a:t>all </a:t>
-            </a:r>
+              <a:rPr lang="en-US" dirty="0" err="1"/>
+              <a:t>Permssioned</a:t>
+            </a:r>
+            <a:r>
+              <a:rPr lang="en-US" dirty="0"/>
+              <a:t> blockchain unlike bitcoin not everyone could just simply join the network.</a:t>
+            </a:r>
+          </a:p>
+          <a:p>
+            <a:r>
+              <a:rPr lang="en-US" dirty="0"/>
+              <a:t>Hosted by the </a:t>
+            </a:r>
+            <a:r>
+              <a:rPr lang="en-US" dirty="0" err="1"/>
+              <a:t>linux</a:t>
+            </a:r>
+            <a:r>
+              <a:rPr lang="en-US" dirty="0"/>
+              <a:t> foundation.  One the most well known and growing framework. </a:t>
+            </a:r>
+          </a:p>
+          <a:p>
+            <a:r>
+              <a:rPr lang="en-US" dirty="0"/>
+              <a:t>You have to have the right certificate to join the network.</a:t>
+            </a:r>
+          </a:p>
+          <a:p>
             <a:endParaRPr lang="en-US" dirty="0"/>
           </a:p>
           <a:p>
@@ -1681,7 +2019,7 @@
             <a:fld id="{E4AA6088-1FF0-4E53-845C-EFEDD1C948F8}" type="slidenum">
               <a:rPr lang="de-DE" smtClean="0"/>
               <a:pPr/>
-              <a:t>8</a:t>
+              <a:t>7</a:t>
             </a:fld>
             <a:endParaRPr lang="de-DE"/>
           </a:p>
@@ -1690,7 +2028,7 @@
     </p:spTree>
     <p:extLst>
       <p:ext uri="{BB962C8B-B14F-4D97-AF65-F5344CB8AC3E}">
-        <p14:creationId xmlns:p14="http://schemas.microsoft.com/office/powerpoint/2010/main" val="1531073197"/>
+        <p14:creationId xmlns:p14="http://schemas.microsoft.com/office/powerpoint/2010/main" val="2576657442"/>
       </p:ext>
     </p:extLst>
   </p:cSld>
@@ -1746,30 +2084,12 @@
           <a:p>
             <a:r>
               <a:rPr lang="en-US" dirty="0"/>
-              <a:t>Blockchain a transaction log that records all</a:t>
-            </a:r>
-          </a:p>
-          <a:p>
-            <a:r>
-              <a:rPr lang="en-US" dirty="0"/>
-              <a:t>Order unique concept is a special node for ordering the transaction put them in order and create the block and sends it to the </a:t>
-            </a:r>
-            <a:r>
-              <a:rPr lang="en-US" dirty="0" err="1"/>
-              <a:t>commiting</a:t>
-            </a:r>
-            <a:r>
-              <a:rPr lang="en-US" dirty="0"/>
-              <a:t> peers to write it to the ledger. </a:t>
-            </a:r>
-          </a:p>
-          <a:p>
-            <a:r>
-              <a:rPr lang="en-US" dirty="0"/>
-              <a:t>By this they are eliminating the mining concept. </a:t>
-            </a:r>
-          </a:p>
-          <a:p>
+              <a:t>Blockchain a transaction log that records </a:t>
+            </a:r>
+            <a:r>
+              <a:rPr lang="en-US"/>
+              <a:t>all </a:t>
+            </a:r>
             <a:endParaRPr lang="en-US" dirty="0"/>
           </a:p>
           <a:p>
@@ -1798,7 +2118,7 @@
             <a:fld id="{E4AA6088-1FF0-4E53-845C-EFEDD1C948F8}" type="slidenum">
               <a:rPr lang="de-DE" smtClean="0"/>
               <a:pPr/>
-              <a:t>9</a:t>
+              <a:t>8</a:t>
             </a:fld>
             <a:endParaRPr lang="de-DE"/>
           </a:p>
@@ -1807,7 +2127,7 @@
     </p:spTree>
     <p:extLst>
       <p:ext uri="{BB962C8B-B14F-4D97-AF65-F5344CB8AC3E}">
-        <p14:creationId xmlns:p14="http://schemas.microsoft.com/office/powerpoint/2010/main" val="3927545947"/>
+        <p14:creationId xmlns:p14="http://schemas.microsoft.com/office/powerpoint/2010/main" val="1531073197"/>
       </p:ext>
     </p:extLst>
   </p:cSld>
@@ -1863,126 +2183,27 @@
           <a:p>
             <a:r>
               <a:rPr lang="en-US" dirty="0"/>
-              <a:t>SDK wants to make a transaction SDK makes a transaction proposal  invoke a method on the </a:t>
+              <a:t>Blockchain a transaction log that records all</a:t>
+            </a:r>
+          </a:p>
+          <a:p>
+            <a:r>
+              <a:rPr lang="en-US" dirty="0"/>
+              <a:t>Order unique concept is a special node for ordering the transaction put them in order and create the block and sends it to the </a:t>
             </a:r>
             <a:r>
               <a:rPr lang="en-US" dirty="0" err="1"/>
-              <a:t>chaincode</a:t>
-            </a:r>
-            <a:r>
-              <a:rPr lang="en-US" dirty="0"/>
-              <a:t> and pass this parameters.</a:t>
-            </a:r>
-          </a:p>
-          <a:p>
-            <a:r>
-              <a:rPr lang="en-US" dirty="0"/>
-              <a:t>Then sending it to the peers and apply the endorsement policy to add a  transaction two peers from two different org must sign the transaction or one from </a:t>
-            </a:r>
-          </a:p>
-          <a:p>
-            <a:r>
-              <a:rPr lang="en-US" dirty="0"/>
-              <a:t>Org 1 whatever you want it’s adaptable. </a:t>
-            </a:r>
-          </a:p>
-          <a:p>
-            <a:r>
-              <a:rPr lang="en-US" dirty="0"/>
-              <a:t>Peers receive the proposal they simulate the </a:t>
-            </a:r>
-            <a:r>
-              <a:rPr lang="en-US" dirty="0" err="1"/>
-              <a:t>transactione</a:t>
-            </a:r>
-            <a:r>
-              <a:rPr lang="en-US" dirty="0"/>
-              <a:t> </a:t>
-            </a:r>
-            <a:r>
-              <a:rPr lang="en-US" dirty="0" err="1"/>
-              <a:t>xecute</a:t>
-            </a:r>
-            <a:r>
-              <a:rPr lang="en-US" dirty="0"/>
-              <a:t> the </a:t>
-            </a:r>
-            <a:r>
-              <a:rPr lang="en-US" dirty="0" err="1"/>
-              <a:t>chaincode</a:t>
-            </a:r>
-            <a:r>
-              <a:rPr lang="en-US" dirty="0"/>
-              <a:t> so read values and write new values nothing changed.</a:t>
-            </a:r>
-          </a:p>
-          <a:p>
-            <a:r>
-              <a:rPr lang="en-US" dirty="0"/>
-              <a:t>Once done they add read write sets and sign the response and send it back to </a:t>
-            </a:r>
-            <a:r>
-              <a:rPr lang="en-US" dirty="0" err="1"/>
-              <a:t>sdk</a:t>
-            </a:r>
-            <a:r>
-              <a:rPr lang="en-US" dirty="0"/>
-              <a:t>.</a:t>
-            </a:r>
-          </a:p>
-          <a:p>
-            <a:r>
-              <a:rPr lang="en-US" dirty="0" err="1"/>
-              <a:t>Sdk</a:t>
-            </a:r>
-            <a:r>
-              <a:rPr lang="en-US" dirty="0"/>
-              <a:t> collects all responses from different peers must be the same. </a:t>
-            </a:r>
-          </a:p>
-          <a:p>
-            <a:r>
-              <a:rPr lang="en-US" dirty="0"/>
-              <a:t>Next step send it to the </a:t>
-            </a:r>
-            <a:r>
-              <a:rPr lang="en-US" dirty="0" err="1"/>
-              <a:t>orderer</a:t>
-            </a:r>
-            <a:r>
-              <a:rPr lang="en-US" dirty="0"/>
-              <a:t> will validate the transaction it will  wait for a block is full or a timeout passed then send </a:t>
-            </a:r>
-            <a:r>
-              <a:rPr lang="en-US" dirty="0" err="1"/>
-              <a:t>ti</a:t>
-            </a:r>
-            <a:r>
-              <a:rPr lang="en-US" dirty="0"/>
-              <a:t> to peers and the peers will add It to the ledger and update the world state. </a:t>
-            </a:r>
-          </a:p>
-          <a:p>
-            <a:r>
-              <a:rPr lang="en-US" dirty="0"/>
-              <a:t>The peer broadcast the event which </a:t>
-            </a:r>
-            <a:r>
-              <a:rPr lang="en-US" dirty="0" err="1"/>
-              <a:t>sdk</a:t>
-            </a:r>
-            <a:r>
-              <a:rPr lang="en-US" dirty="0"/>
-              <a:t> listens to it that the transaction approved or rejected. </a:t>
-            </a:r>
-          </a:p>
-          <a:p>
-            <a:endParaRPr lang="en-US" dirty="0"/>
-          </a:p>
-          <a:p>
-            <a:r>
-              <a:rPr lang="en-US" dirty="0"/>
-              <a:t> </a:t>
+              <a:t>commiting</a:t>
+            </a:r>
+            <a:r>
+              <a:rPr lang="en-US" dirty="0"/>
+              <a:t> peers to write it to the ledger. </a:t>
+            </a:r>
+          </a:p>
+          <a:p>
+            <a:r>
+              <a:rPr lang="en-US" dirty="0"/>
+              <a:t>By this they are eliminating the mining concept. </a:t>
             </a:r>
           </a:p>
           <a:p>
@@ -2014,7 +2235,7 @@
             <a:fld id="{E4AA6088-1FF0-4E53-845C-EFEDD1C948F8}" type="slidenum">
               <a:rPr lang="de-DE" smtClean="0"/>
               <a:pPr/>
-              <a:t>10</a:t>
+              <a:t>9</a:t>
             </a:fld>
             <a:endParaRPr lang="de-DE"/>
           </a:p>
@@ -2023,7 +2244,7 @@
     </p:spTree>
     <p:extLst>
       <p:ext uri="{BB962C8B-B14F-4D97-AF65-F5344CB8AC3E}">
-        <p14:creationId xmlns:p14="http://schemas.microsoft.com/office/powerpoint/2010/main" val="531815917"/>
+        <p14:creationId xmlns:p14="http://schemas.microsoft.com/office/powerpoint/2010/main" val="3927545947"/>
       </p:ext>
     </p:extLst>
   </p:cSld>
@@ -2077,14 +2298,222 @@
           <a:bodyPr/>
           <a:lstStyle/>
           <a:p>
-            <a:endParaRPr lang="en-US"/>
+            <a:endParaRPr lang="en-US" dirty="0"/>
+          </a:p>
+          <a:p>
+            <a:pPr marL="342900" indent="-342900">
+              <a:buFont typeface="+mj-lt"/>
+              <a:buAutoNum type="arabicPeriod"/>
+            </a:pPr>
+            <a:r>
+              <a:rPr lang="en-US" sz="1200" dirty="0"/>
+              <a:t>Using APIs available in the SDK, sends a request.</a:t>
+            </a:r>
+          </a:p>
+          <a:p>
+            <a:pPr marL="342900" indent="-342900">
+              <a:buFont typeface="+mj-lt"/>
+              <a:buAutoNum type="arabicPeriod"/>
+            </a:pPr>
+            <a:r>
+              <a:rPr lang="en-US" sz="1200" dirty="0"/>
+              <a:t>SDK makes it a transaction proposal and sends it to the peers.</a:t>
+            </a:r>
+          </a:p>
+          <a:p>
+            <a:pPr marL="342900" indent="-342900">
+              <a:buFont typeface="+mj-lt"/>
+              <a:buAutoNum type="arabicPeriod"/>
+            </a:pPr>
+            <a:r>
+              <a:rPr lang="en-US" sz="1200" dirty="0"/>
+              <a:t>Peers simulate the transaction and sends back responses to the SDK.</a:t>
+            </a:r>
+          </a:p>
+          <a:p>
+            <a:pPr marL="342900" indent="-342900">
+              <a:buFont typeface="+mj-lt"/>
+              <a:buAutoNum type="arabicPeriod"/>
+            </a:pPr>
+            <a:r>
+              <a:rPr lang="en-US" sz="1200" dirty="0"/>
+              <a:t>SDK collects responses and sends them to the </a:t>
+            </a:r>
+            <a:r>
+              <a:rPr lang="en-US" sz="1200" dirty="0" err="1"/>
+              <a:t>orderer</a:t>
+            </a:r>
+            <a:r>
+              <a:rPr lang="en-US" sz="1200" dirty="0"/>
+              <a:t>. </a:t>
+            </a:r>
+          </a:p>
+          <a:p>
+            <a:pPr marL="342900" indent="-342900">
+              <a:buFont typeface="+mj-lt"/>
+              <a:buAutoNum type="arabicPeriod"/>
+            </a:pPr>
+            <a:r>
+              <a:rPr lang="en-US" sz="1200" dirty="0" err="1"/>
+              <a:t>Orderer</a:t>
+            </a:r>
+            <a:r>
+              <a:rPr lang="en-US" sz="1200" dirty="0"/>
+              <a:t> sends the block to the committing peers. </a:t>
+            </a:r>
+            <a:endParaRPr lang="en-US" dirty="0"/>
+          </a:p>
+          <a:p>
+            <a:endParaRPr lang="en-US" dirty="0"/>
+          </a:p>
+          <a:p>
+            <a:r>
+              <a:rPr lang="en-US" dirty="0"/>
+              <a:t>SDK wants to make a transaction SDK makes a transaction proposal  invoke a method on the </a:t>
+            </a:r>
+            <a:r>
+              <a:rPr lang="en-US" dirty="0" err="1"/>
+              <a:t>chaincode</a:t>
+            </a:r>
+            <a:r>
+              <a:rPr lang="en-US" dirty="0"/>
+              <a:t> and pass this parameters.</a:t>
+            </a:r>
+          </a:p>
+          <a:p>
+            <a:r>
+              <a:rPr lang="en-US" dirty="0"/>
+              <a:t>Then sending it to the peers and apply the endorsement policy to add a  transaction two peers from two different org must sign the transaction or one from </a:t>
+            </a:r>
+          </a:p>
+          <a:p>
+            <a:r>
+              <a:rPr lang="en-US" dirty="0"/>
+              <a:t>Org 1 whatever you want it’s adaptable. </a:t>
+            </a:r>
+          </a:p>
+          <a:p>
+            <a:r>
+              <a:rPr lang="en-US" dirty="0"/>
+              <a:t>Peers receive the proposal they simulate the transaction execute the </a:t>
+            </a:r>
+            <a:r>
+              <a:rPr lang="en-US" dirty="0" err="1"/>
+              <a:t>chaincode</a:t>
+            </a:r>
+            <a:r>
+              <a:rPr lang="en-US" dirty="0"/>
+              <a:t> so read values and write new values nothing changed.</a:t>
+            </a:r>
+          </a:p>
+          <a:p>
+            <a:r>
+              <a:rPr lang="en-US" dirty="0"/>
+              <a:t>Once done they add read write sets and sign the response and send it back to </a:t>
+            </a:r>
+            <a:r>
+              <a:rPr lang="en-US" dirty="0" err="1"/>
+              <a:t>sdk</a:t>
+            </a:r>
+            <a:r>
+              <a:rPr lang="en-US" dirty="0"/>
+              <a:t>.</a:t>
+            </a:r>
+          </a:p>
+          <a:p>
+            <a:r>
+              <a:rPr lang="en-US" dirty="0" err="1"/>
+              <a:t>Sdk</a:t>
+            </a:r>
+            <a:r>
+              <a:rPr lang="en-US" dirty="0"/>
+              <a:t> collects all responses from different peers must be the same. </a:t>
+            </a:r>
+          </a:p>
+          <a:p>
+            <a:r>
+              <a:rPr lang="en-US" dirty="0"/>
+              <a:t>Next step send it to the </a:t>
+            </a:r>
+            <a:r>
+              <a:rPr lang="en-US" dirty="0" err="1"/>
+              <a:t>orderer</a:t>
+            </a:r>
+            <a:r>
+              <a:rPr lang="en-US" dirty="0"/>
+              <a:t> will validate the transaction it will  wait for a block is full or a timeout passed then send </a:t>
+            </a:r>
+            <a:r>
+              <a:rPr lang="en-US" dirty="0" err="1"/>
+              <a:t>ti</a:t>
+            </a:r>
+            <a:r>
+              <a:rPr lang="en-US" dirty="0"/>
+              <a:t> to peers and the peers will add It to the ledger and update the world state. </a:t>
+            </a:r>
+          </a:p>
+          <a:p>
+            <a:r>
+              <a:rPr lang="en-US" dirty="0"/>
+              <a:t>The peer broadcast the event which </a:t>
+            </a:r>
+            <a:r>
+              <a:rPr lang="en-US" dirty="0" err="1"/>
+              <a:t>sdk</a:t>
+            </a:r>
+            <a:r>
+              <a:rPr lang="en-US" dirty="0"/>
+              <a:t> listens to it that the transaction approved or rejected. </a:t>
+            </a:r>
+          </a:p>
+          <a:p>
+            <a:endParaRPr lang="en-US" dirty="0"/>
+          </a:p>
+          <a:p>
+            <a:r>
+              <a:rPr lang="en-US" dirty="0"/>
+              <a:t> </a:t>
+            </a:r>
+          </a:p>
+          <a:p>
+            <a:endParaRPr lang="en-US" dirty="0"/>
+          </a:p>
+          <a:p>
+            <a:r>
+              <a:rPr lang="en-US" dirty="0"/>
+              <a:t> </a:t>
+            </a:r>
+          </a:p>
+        </p:txBody>
+      </p:sp>
+      <p:sp>
+        <p:nvSpPr>
+          <p:cNvPr id="4" name="Slide Number Placeholder 3"/>
+          <p:cNvSpPr>
+            <a:spLocks noGrp="1"/>
+          </p:cNvSpPr>
+          <p:nvPr>
+            <p:ph type="sldNum" sz="quarter" idx="5"/>
+          </p:nvPr>
+        </p:nvSpPr>
+        <p:spPr/>
+        <p:txBody>
+          <a:bodyPr/>
+          <a:lstStyle/>
+          <a:p>
+            <a:fld id="{E4AA6088-1FF0-4E53-845C-EFEDD1C948F8}" type="slidenum">
+              <a:rPr lang="de-DE" smtClean="0"/>
+              <a:pPr/>
+              <a:t>10</a:t>
+            </a:fld>
+            <a:endParaRPr lang="de-DE"/>
           </a:p>
         </p:txBody>
       </p:sp>
     </p:spTree>
     <p:extLst>
       <p:ext uri="{BB962C8B-B14F-4D97-AF65-F5344CB8AC3E}">
-        <p14:creationId xmlns:p14="http://schemas.microsoft.com/office/powerpoint/2010/main" val="2938898476"/>
+        <p14:creationId xmlns:p14="http://schemas.microsoft.com/office/powerpoint/2010/main" val="531815917"/>
       </p:ext>
     </p:extLst>
   </p:cSld>
@@ -3603,6 +4032,119 @@
 </p:sldLayout>
 </file>
 
+<file path=ppt/slideLayouts/slideLayout9.xml><?xml version="1.0" encoding="utf-8"?>
+<p:sldLayout xmlns:a="http://schemas.openxmlformats.org/drawingml/2006/main" xmlns:r="http://schemas.openxmlformats.org/officeDocument/2006/relationships" xmlns:p="http://schemas.openxmlformats.org/presentationml/2006/main" type="blank">
+  <p:cSld name="Blank">
+    <p:spTree>
+      <p:nvGrpSpPr>
+        <p:cNvPr id="1" name=""/>
+        <p:cNvGrpSpPr/>
+        <p:nvPr/>
+      </p:nvGrpSpPr>
+      <p:grpSpPr>
+        <a:xfrm>
+          <a:off x="0" y="0"/>
+          <a:ext cx="0" cy="0"/>
+          <a:chOff x="0" y="0"/>
+          <a:chExt cx="0" cy="0"/>
+        </a:xfrm>
+      </p:grpSpPr>
+      <p:sp>
+        <p:nvSpPr>
+          <p:cNvPr id="2" name="Date Placeholder 1">
+            <a:extLst>
+              <a:ext uri="{FF2B5EF4-FFF2-40B4-BE49-F238E27FC236}">
+                <a16:creationId xmlns:a16="http://schemas.microsoft.com/office/drawing/2014/main" id="{6640D658-E7FE-43B4-B9BD-AE012B69D8AF}"/>
+              </a:ext>
+            </a:extLst>
+          </p:cNvPr>
+          <p:cNvSpPr>
+            <a:spLocks noGrp="1"/>
+          </p:cNvSpPr>
+          <p:nvPr>
+            <p:ph type="dt" sz="half" idx="10"/>
+          </p:nvPr>
+        </p:nvSpPr>
+        <p:spPr/>
+        <p:txBody>
+          <a:bodyPr/>
+          <a:lstStyle/>
+          <a:p>
+            <a:fld id="{0B460F1A-09A3-453D-8113-CDDCFA249950}" type="datetimeFigureOut">
+              <a:rPr lang="en-US" smtClean="0"/>
+              <a:t>6/26/2019</a:t>
+            </a:fld>
+            <a:endParaRPr lang="en-US"/>
+          </a:p>
+        </p:txBody>
+      </p:sp>
+      <p:sp>
+        <p:nvSpPr>
+          <p:cNvPr id="3" name="Footer Placeholder 2">
+            <a:extLst>
+              <a:ext uri="{FF2B5EF4-FFF2-40B4-BE49-F238E27FC236}">
+                <a16:creationId xmlns:a16="http://schemas.microsoft.com/office/drawing/2014/main" id="{D691AE5E-DCF9-4BD6-BA12-3BCA781B95B6}"/>
+              </a:ext>
+            </a:extLst>
+          </p:cNvPr>
+          <p:cNvSpPr>
+            <a:spLocks noGrp="1"/>
+          </p:cNvSpPr>
+          <p:nvPr>
+            <p:ph type="ftr" sz="quarter" idx="11"/>
+          </p:nvPr>
+        </p:nvSpPr>
+        <p:spPr/>
+        <p:txBody>
+          <a:bodyPr/>
+          <a:lstStyle/>
+          <a:p>
+            <a:endParaRPr lang="en-US"/>
+          </a:p>
+        </p:txBody>
+      </p:sp>
+      <p:sp>
+        <p:nvSpPr>
+          <p:cNvPr id="4" name="Slide Number Placeholder 3">
+            <a:extLst>
+              <a:ext uri="{FF2B5EF4-FFF2-40B4-BE49-F238E27FC236}">
+                <a16:creationId xmlns:a16="http://schemas.microsoft.com/office/drawing/2014/main" id="{2B2E3E32-04B7-4830-B067-DEE1F34F16F2}"/>
+              </a:ext>
+            </a:extLst>
+          </p:cNvPr>
+          <p:cNvSpPr>
+            <a:spLocks noGrp="1"/>
+          </p:cNvSpPr>
+          <p:nvPr>
+            <p:ph type="sldNum" sz="quarter" idx="12"/>
+          </p:nvPr>
+        </p:nvSpPr>
+        <p:spPr/>
+        <p:txBody>
+          <a:bodyPr/>
+          <a:lstStyle/>
+          <a:p>
+            <a:fld id="{E5FCFA98-65A1-4C44-86BB-307E9F67FD39}" type="slidenum">
+              <a:rPr lang="en-US" smtClean="0"/>
+              <a:t>‹#›</a:t>
+            </a:fld>
+            <a:endParaRPr lang="en-US"/>
+          </a:p>
+        </p:txBody>
+      </p:sp>
+    </p:spTree>
+    <p:extLst>
+      <p:ext uri="{BB962C8B-B14F-4D97-AF65-F5344CB8AC3E}">
+        <p14:creationId xmlns:p14="http://schemas.microsoft.com/office/powerpoint/2010/main" val="1854364578"/>
+      </p:ext>
+    </p:extLst>
+  </p:cSld>
+  <p:clrMapOvr>
+    <a:masterClrMapping/>
+  </p:clrMapOvr>
+</p:sldLayout>
+</file>
+
 <file path=ppt/slideMasters/slideMaster1.xml><?xml version="1.0" encoding="utf-8"?>
 <p:sldMaster xmlns:a="http://schemas.openxmlformats.org/drawingml/2006/main" xmlns:r="http://schemas.openxmlformats.org/officeDocument/2006/relationships" xmlns:p="http://schemas.openxmlformats.org/presentationml/2006/main">
   <p:cSld>
@@ -3786,7 +4328,7 @@
           <p:nvPr/>
         </p:nvPicPr>
         <p:blipFill>
-          <a:blip r:embed="rId10" cstate="print"/>
+          <a:blip r:embed="rId11" cstate="print"/>
           <a:srcRect/>
           <a:stretch>
             <a:fillRect/>
@@ -3908,6 +4450,7 @@
     <p:sldLayoutId id="2147483661" r:id="rId6"/>
     <p:sldLayoutId id="2147483664" r:id="rId7"/>
     <p:sldLayoutId id="2147483650" r:id="rId8"/>
+    <p:sldLayoutId id="2147483665" r:id="rId9"/>
   </p:sldLayoutIdLst>
   <p:hf sldNum="0" hdr="0" ftr="0" dt="0"/>
   <p:txStyles>
@@ -4470,7 +5013,7 @@
         <p:spPr>
           <a:xfrm>
             <a:off x="431800" y="83344"/>
-            <a:ext cx="8375650" cy="544190"/>
+            <a:ext cx="8375650" cy="328166"/>
           </a:xfrm>
         </p:spPr>
         <p:txBody>
@@ -4497,74 +5040,12 @@
         <p:spPr>
           <a:xfrm>
             <a:off x="107504" y="915566"/>
-            <a:ext cx="3312368" cy="3333853"/>
+            <a:ext cx="3240360" cy="3333853"/>
           </a:xfrm>
         </p:spPr>
         <p:txBody>
           <a:bodyPr/>
           <a:lstStyle/>
-          <a:p>
-            <a:pPr marL="342900" indent="-342900">
-              <a:buFont typeface="+mj-lt"/>
-              <a:buAutoNum type="arabicPeriod"/>
-            </a:pPr>
-            <a:r>
-              <a:rPr lang="en-US" sz="1400" dirty="0"/>
-              <a:t>Using APIs available in the SDK, sends a request.</a:t>
-            </a:r>
-          </a:p>
-          <a:p>
-            <a:pPr marL="342900" indent="-342900">
-              <a:buFont typeface="+mj-lt"/>
-              <a:buAutoNum type="arabicPeriod"/>
-            </a:pPr>
-            <a:r>
-              <a:rPr lang="en-US" sz="1400" dirty="0"/>
-              <a:t>SDK makes it a transaction proposal and sends it to the peers.</a:t>
-            </a:r>
-          </a:p>
-          <a:p>
-            <a:pPr marL="342900" indent="-342900">
-              <a:buFont typeface="+mj-lt"/>
-              <a:buAutoNum type="arabicPeriod"/>
-            </a:pPr>
-            <a:r>
-              <a:rPr lang="en-US" sz="1400" dirty="0"/>
-              <a:t>Peers simulate the transaction and sends back responses to the SDK.</a:t>
-            </a:r>
-          </a:p>
-          <a:p>
-            <a:pPr marL="342900" indent="-342900">
-              <a:buFont typeface="+mj-lt"/>
-              <a:buAutoNum type="arabicPeriod"/>
-            </a:pPr>
-            <a:r>
-              <a:rPr lang="en-US" sz="1400" dirty="0"/>
-              <a:t>SDK collects responses and sends them to the </a:t>
-            </a:r>
-            <a:r>
-              <a:rPr lang="en-US" sz="1400" dirty="0" err="1"/>
-              <a:t>orderer</a:t>
-            </a:r>
-            <a:r>
-              <a:rPr lang="en-US" sz="1400" dirty="0"/>
-              <a:t>. </a:t>
-            </a:r>
-          </a:p>
-          <a:p>
-            <a:pPr marL="342900" indent="-342900">
-              <a:buFont typeface="+mj-lt"/>
-              <a:buAutoNum type="arabicPeriod"/>
-            </a:pPr>
-            <a:r>
-              <a:rPr lang="en-US" sz="1400" dirty="0" err="1"/>
-              <a:t>Orderer</a:t>
-            </a:r>
-            <a:r>
-              <a:rPr lang="en-US" sz="1400" dirty="0"/>
-              <a:t> sends the block to the committing peers. </a:t>
-            </a:r>
-          </a:p>
           <a:p>
             <a:endParaRPr lang="en-US" sz="1400" dirty="0"/>
           </a:p>
@@ -4595,8 +5076,8 @@
         </p:blipFill>
         <p:spPr>
           <a:xfrm>
-            <a:off x="3347864" y="699543"/>
-            <a:ext cx="5688632" cy="3672408"/>
+            <a:off x="1115616" y="943777"/>
+            <a:ext cx="6552728" cy="3230834"/>
           </a:xfrm>
           <a:prstGeom prst="rect">
             <a:avLst/>
@@ -4617,7 +5098,7 @@
         </p:nvSpPr>
         <p:spPr>
           <a:xfrm>
-            <a:off x="3203848" y="4264229"/>
+            <a:off x="1331640" y="4673964"/>
             <a:ext cx="6264696" cy="215444"/>
           </a:xfrm>
           <a:prstGeom prst="rect">
@@ -4812,7 +5293,7 @@
                 </a:solidFill>
                 <a:latin typeface="Century Gothic" panose="020B0502020202020204" pitchFamily="34" charset="0"/>
               </a:rPr>
-              <a:t>3 The Infrastructure</a:t>
+              <a:t>3- The Infrastructure</a:t>
             </a:r>
           </a:p>
           <a:p>
@@ -5372,7 +5853,7 @@
         <p:spPr>
           <a:xfrm>
             <a:off x="431800" y="900000"/>
-            <a:ext cx="2916064" cy="3420000"/>
+            <a:ext cx="3492128" cy="3420000"/>
           </a:xfrm>
         </p:spPr>
         <p:txBody>
@@ -5384,8 +5865,8 @@
               <a:buChar char="•"/>
             </a:pPr>
             <a:r>
-              <a:rPr lang="en-US" dirty="0"/>
-              <a:t>Will responsible for enrolling users.</a:t>
+              <a:rPr lang="en-US" sz="1800" dirty="0"/>
+              <a:t>Fabric CA Server Will be responsible for enrolling users.</a:t>
             </a:r>
           </a:p>
           <a:p>
@@ -5394,23 +5875,23 @@
               <a:buChar char="•"/>
             </a:pPr>
             <a:r>
-              <a:rPr lang="en-US" dirty="0"/>
+              <a:rPr lang="en-US" sz="1800" dirty="0"/>
               <a:t>Also, it will dynamically generate the </a:t>
             </a:r>
             <a:r>
-              <a:rPr lang="en-US" dirty="0" err="1"/>
-              <a:t>ecert</a:t>
-            </a:r>
-            <a:r>
-              <a:rPr lang="en-US" dirty="0"/>
+              <a:rPr lang="en-US" sz="1800" dirty="0" err="1"/>
+              <a:t>ecerts</a:t>
+            </a:r>
+            <a:r>
+              <a:rPr lang="en-US" sz="1800" dirty="0"/>
               <a:t>, users private key and </a:t>
             </a:r>
             <a:r>
-              <a:rPr lang="en-US" dirty="0" err="1"/>
+              <a:rPr lang="en-US" sz="1800" dirty="0" err="1"/>
               <a:t>cacert</a:t>
             </a:r>
             <a:r>
-              <a:rPr lang="en-US" dirty="0"/>
+              <a:rPr lang="en-US" sz="1800" dirty="0"/>
               <a:t> chain PEM files. </a:t>
             </a:r>
           </a:p>
@@ -5501,7 +5982,7 @@
           <a:p>
             <a:r>
               <a:rPr lang="en-US" dirty="0"/>
-              <a:t>Hyperledger Fabric Client SDK for Node.js</a:t>
+              <a:t>Hyperledger Fabric Client SDK using Node.js</a:t>
             </a:r>
           </a:p>
         </p:txBody>
@@ -5601,20 +6082,13 @@
             </a:pPr>
             <a:r>
               <a:rPr lang="en-US" sz="1600" b="1" dirty="0"/>
-              <a:t>Fabric sample</a:t>
+              <a:t>SDKs</a:t>
             </a:r>
             <a:r>
               <a:rPr lang="en-US" sz="1600" dirty="0"/>
-              <a:t>: is a sample Node.js app to demonstrate </a:t>
-            </a:r>
-            <a:r>
-              <a:rPr lang="en-US" sz="1600" b="1" dirty="0"/>
-              <a:t>fabric-client, fabric-ca-client, </a:t>
-            </a:r>
-            <a:r>
-              <a:rPr lang="en-US" sz="1600" dirty="0"/>
-              <a:t>and Node.js SDK APIs.</a:t>
-            </a:r>
+              <a:t> encapsulate all access to the ledger by allowing an application to communicate with smart contracts, run queries, or receive ledger updates.</a:t>
+            </a:r>
+            <a:endParaRPr lang="en-US" sz="1600" b="1" dirty="0"/>
           </a:p>
           <a:p>
             <a:pPr marL="285750" indent="-285750">
@@ -5754,12 +6228,8 @@
           <a:lstStyle/>
           <a:p>
             <a:r>
-              <a:rPr lang="en-US" dirty="0" err="1"/>
-              <a:t>Node.Js</a:t>
-            </a:r>
-            <a:r>
-              <a:rPr lang="en-US" dirty="0"/>
-              <a:t> App </a:t>
+              <a:rPr lang="en-US" dirty="0"/>
+              <a:t>Balance transfer Node.js APP</a:t>
             </a:r>
           </a:p>
         </p:txBody>
@@ -5790,11 +6260,21 @@
           <a:bodyPr/>
           <a:lstStyle/>
           <a:p>
-            <a:pPr marL="285750" indent="-285750">
-              <a:buFont typeface="Arial" panose="020B0604020202020204" pitchFamily="34" charset="0"/>
-              <a:buChar char="•"/>
-            </a:pPr>
             <a:endParaRPr lang="en-US" dirty="0"/>
+          </a:p>
+          <a:p>
+            <a:r>
+              <a:rPr lang="en-US" dirty="0"/>
+              <a:t>is a sample Node.js app to demonstrate </a:t>
+            </a:r>
+            <a:r>
+              <a:rPr lang="en-US" b="1" dirty="0"/>
+              <a:t>fabric-client, fabric-ca-client, </a:t>
+            </a:r>
+            <a:r>
+              <a:rPr lang="en-US" dirty="0"/>
+              <a:t>and Node.js SDK APIs.</a:t>
+            </a:r>
           </a:p>
           <a:p>
             <a:pPr marL="285750" indent="-285750">
@@ -6194,15 +6674,7 @@
             </a:pPr>
             <a:r>
               <a:rPr lang="en-US" dirty="0"/>
-              <a:t>Calling the </a:t>
-            </a:r>
-            <a:r>
-              <a:rPr lang="en-US" dirty="0" err="1"/>
-              <a:t>url</a:t>
-            </a:r>
-            <a:r>
-              <a:rPr lang="en-US" dirty="0"/>
-              <a:t> endpoint and passing the </a:t>
+              <a:t>Calling the URL endpoint and passing the </a:t>
             </a:r>
             <a:r>
               <a:rPr lang="en-US" dirty="0" err="1"/>
@@ -6220,15 +6692,7 @@
             </a:pPr>
             <a:r>
               <a:rPr lang="en-US" dirty="0"/>
-              <a:t>We are passing JWT in the request header and the </a:t>
-            </a:r>
-            <a:r>
-              <a:rPr lang="en-US" dirty="0" err="1"/>
-              <a:t>sdk</a:t>
-            </a:r>
-            <a:r>
-              <a:rPr lang="en-US" dirty="0"/>
-              <a:t> validates the authorization.</a:t>
+              <a:t>We are passing JWT in the request header and the SDK validates the authorization.</a:t>
             </a:r>
           </a:p>
           <a:p>
@@ -6456,7 +6920,7 @@
                 </a:solidFill>
                 <a:latin typeface="Century Gothic" panose="020B0502020202020204" pitchFamily="34" charset="0"/>
               </a:rPr>
-              <a:t>4 The application Development</a:t>
+              <a:t>4- The Application Development</a:t>
             </a:r>
           </a:p>
           <a:p>
@@ -6679,132 +7143,1684 @@
           <a:chExt cx="0" cy="0"/>
         </a:xfrm>
       </p:grpSpPr>
-      <p:sp>
-        <p:nvSpPr>
-          <p:cNvPr id="20485" name="Rectangle 5"/>
-          <p:cNvSpPr>
-            <a:spLocks noGrp="1" noChangeArrowheads="1"/>
-          </p:cNvSpPr>
-          <p:nvPr>
-            <p:ph type="title"/>
-          </p:nvPr>
-        </p:nvSpPr>
-        <p:spPr/>
-        <p:txBody>
-          <a:bodyPr/>
-          <a:lstStyle/>
-          <a:p>
-            <a:r>
-              <a:rPr lang="de-DE" dirty="0"/>
-              <a:t>Road </a:t>
-            </a:r>
-            <a:r>
-              <a:rPr lang="de-DE" dirty="0" err="1"/>
-              <a:t>Map</a:t>
-            </a:r>
-            <a:endParaRPr lang="de-DE" dirty="0"/>
-          </a:p>
-        </p:txBody>
-      </p:sp>
-      <p:sp>
-        <p:nvSpPr>
-          <p:cNvPr id="8" name="Text Placeholder 7"/>
-          <p:cNvSpPr>
-            <a:spLocks noGrp="1"/>
-          </p:cNvSpPr>
-          <p:nvPr>
-            <p:ph type="body" idx="1"/>
-          </p:nvPr>
-        </p:nvSpPr>
+      <p:pic>
+        <p:nvPicPr>
+          <p:cNvPr id="3" name="Picture 2" descr="A view of a tall building&#10;&#10;Description generated with very high confidence">
+            <a:extLst>
+              <a:ext uri="{FF2B5EF4-FFF2-40B4-BE49-F238E27FC236}">
+                <a16:creationId xmlns:a16="http://schemas.microsoft.com/office/drawing/2014/main" id="{6B898519-259E-4810-99AB-62A8275C6DC3}"/>
+              </a:ext>
+            </a:extLst>
+          </p:cNvPr>
+          <p:cNvPicPr>
+            <a:picLocks noChangeAspect="1"/>
+          </p:cNvPicPr>
+          <p:nvPr/>
+        </p:nvPicPr>
+        <p:blipFill>
+          <a:blip r:embed="rId2">
+            <a:extLst>
+              <a:ext uri="{28A0092B-C50C-407E-A947-70E740481C1C}">
+                <a14:useLocalDpi xmlns:a14="http://schemas.microsoft.com/office/drawing/2010/main" val="0"/>
+              </a:ext>
+            </a:extLst>
+          </a:blip>
+          <a:stretch>
+            <a:fillRect/>
+          </a:stretch>
+        </p:blipFill>
         <p:spPr>
           <a:xfrm>
-            <a:off x="427038" y="1131590"/>
-            <a:ext cx="8375650" cy="3168352"/>
+            <a:off x="0" y="0"/>
+            <a:ext cx="3000375" cy="4371950"/>
           </a:xfrm>
+          <a:prstGeom prst="rect">
+            <a:avLst/>
+          </a:prstGeom>
+          <a:ln>
+            <a:noFill/>
+          </a:ln>
+          <a:effectLst>
+            <a:softEdge rad="112500"/>
+          </a:effectLst>
         </p:spPr>
-        <p:txBody>
-          <a:bodyPr/>
-          <a:lstStyle/>
-          <a:p>
-            <a:pPr marL="285750" indent="-285750">
-              <a:buFont typeface="Arial"/>
-              <a:buChar char="•"/>
-            </a:pPr>
-            <a:r>
-              <a:rPr lang="en-US" dirty="0"/>
-              <a:t>Introduction </a:t>
-            </a:r>
-          </a:p>
-          <a:p>
-            <a:pPr marL="285750" indent="-285750">
-              <a:buFont typeface="Arial"/>
-              <a:buChar char="•"/>
-            </a:pPr>
-            <a:r>
-              <a:rPr lang="en-US" dirty="0"/>
+      </p:pic>
+      <p:sp>
+        <p:nvSpPr>
+          <p:cNvPr id="5" name="Rectangle 4">
+            <a:extLst>
+              <a:ext uri="{FF2B5EF4-FFF2-40B4-BE49-F238E27FC236}">
+                <a16:creationId xmlns:a16="http://schemas.microsoft.com/office/drawing/2014/main" id="{E1A6E70D-AD7D-4BE6-81FB-39FB0227B339}"/>
+              </a:ext>
+            </a:extLst>
+          </p:cNvPr>
+          <p:cNvSpPr/>
+          <p:nvPr/>
+        </p:nvSpPr>
+        <p:spPr>
+          <a:xfrm>
+            <a:off x="168031" y="2040411"/>
+            <a:ext cx="2380502" cy="1062678"/>
+          </a:xfrm>
+          <a:prstGeom prst="rect">
+            <a:avLst/>
+          </a:prstGeom>
+          <a:solidFill>
+            <a:schemeClr val="tx1"/>
+          </a:solidFill>
+          <a:ln>
+            <a:noFill/>
+          </a:ln>
+        </p:spPr>
+        <p:style>
+          <a:lnRef idx="2">
+            <a:schemeClr val="accent1">
+              <a:shade val="50000"/>
+            </a:schemeClr>
+          </a:lnRef>
+          <a:fillRef idx="1">
+            <a:schemeClr val="accent1"/>
+          </a:fillRef>
+          <a:effectRef idx="0">
+            <a:schemeClr val="accent1"/>
+          </a:effectRef>
+          <a:fontRef idx="minor">
+            <a:schemeClr val="lt1"/>
+          </a:fontRef>
+        </p:style>
+        <p:txBody>
+          <a:bodyPr rtlCol="0" anchor="ctr"/>
+          <a:lstStyle/>
+          <a:p>
+            <a:pPr algn="ctr"/>
+            <a:endParaRPr lang="en-US"/>
+          </a:p>
+        </p:txBody>
+      </p:sp>
+      <p:sp>
+        <p:nvSpPr>
+          <p:cNvPr id="4" name="TextBox 3">
+            <a:extLst>
+              <a:ext uri="{FF2B5EF4-FFF2-40B4-BE49-F238E27FC236}">
+                <a16:creationId xmlns:a16="http://schemas.microsoft.com/office/drawing/2014/main" id="{241EBB81-211C-4D3E-8B99-0D2202DE5D57}"/>
+              </a:ext>
+            </a:extLst>
+          </p:cNvPr>
+          <p:cNvSpPr txBox="1"/>
+          <p:nvPr/>
+        </p:nvSpPr>
+        <p:spPr>
+          <a:xfrm>
+            <a:off x="168032" y="2260126"/>
+            <a:ext cx="2380501" cy="646331"/>
+          </a:xfrm>
+          <a:prstGeom prst="rect">
+            <a:avLst/>
+          </a:prstGeom>
+          <a:noFill/>
+        </p:spPr>
+        <p:txBody>
+          <a:bodyPr wrap="square" rtlCol="0">
+            <a:spAutoFit/>
+          </a:bodyPr>
+          <a:lstStyle/>
+          <a:p>
+            <a:pPr algn="ctr"/>
+            <a:r>
+              <a:rPr lang="en-US" sz="3600" b="1" dirty="0">
+                <a:ln w="10160">
+                  <a:solidFill>
+                    <a:schemeClr val="accent5"/>
+                  </a:solidFill>
+                  <a:prstDash val="solid"/>
+                </a:ln>
+                <a:solidFill>
+                  <a:srgbClr val="FFFFFF"/>
+                </a:solidFill>
+                <a:effectLst>
+                  <a:outerShdw blurRad="38100" dist="22860" dir="5400000" algn="tl" rotWithShape="0">
+                    <a:srgbClr val="000000">
+                      <a:alpha val="30000"/>
+                    </a:srgbClr>
+                  </a:outerShdw>
+                </a:effectLst>
+                <a:latin typeface="Century Gothic" panose="020B0502020202020204" pitchFamily="34" charset="0"/>
+              </a:rPr>
+              <a:t>Roadmap</a:t>
+            </a:r>
+          </a:p>
+        </p:txBody>
+      </p:sp>
+      <p:sp>
+        <p:nvSpPr>
+          <p:cNvPr id="6" name="Oval 5">
+            <a:extLst>
+              <a:ext uri="{FF2B5EF4-FFF2-40B4-BE49-F238E27FC236}">
+                <a16:creationId xmlns:a16="http://schemas.microsoft.com/office/drawing/2014/main" id="{D11F8E7E-544B-419D-A7CD-7D4FB48B964A}"/>
+              </a:ext>
+            </a:extLst>
+          </p:cNvPr>
+          <p:cNvSpPr/>
+          <p:nvPr/>
+        </p:nvSpPr>
+        <p:spPr>
+          <a:xfrm>
+            <a:off x="2734694" y="155785"/>
+            <a:ext cx="567928" cy="567928"/>
+          </a:xfrm>
+          <a:prstGeom prst="ellipse">
+            <a:avLst/>
+          </a:prstGeom>
+          <a:ln w="76200">
+            <a:solidFill>
+              <a:schemeClr val="bg1"/>
+            </a:solidFill>
+          </a:ln>
+        </p:spPr>
+        <p:style>
+          <a:lnRef idx="2">
+            <a:schemeClr val="accent1">
+              <a:shade val="50000"/>
+            </a:schemeClr>
+          </a:lnRef>
+          <a:fillRef idx="1">
+            <a:schemeClr val="accent1"/>
+          </a:fillRef>
+          <a:effectRef idx="0">
+            <a:schemeClr val="accent1"/>
+          </a:effectRef>
+          <a:fontRef idx="minor">
+            <a:schemeClr val="lt1"/>
+          </a:fontRef>
+        </p:style>
+        <p:txBody>
+          <a:bodyPr rtlCol="0" anchor="ctr"/>
+          <a:lstStyle/>
+          <a:p>
+            <a:pPr algn="ctr"/>
+            <a:endParaRPr lang="en-US"/>
+          </a:p>
+        </p:txBody>
+      </p:sp>
+      <p:sp>
+        <p:nvSpPr>
+          <p:cNvPr id="7" name="TextBox 6">
+            <a:extLst>
+              <a:ext uri="{FF2B5EF4-FFF2-40B4-BE49-F238E27FC236}">
+                <a16:creationId xmlns:a16="http://schemas.microsoft.com/office/drawing/2014/main" id="{74812946-0AC9-41EA-9751-1F06C4E9D6EF}"/>
+              </a:ext>
+            </a:extLst>
+          </p:cNvPr>
+          <p:cNvSpPr txBox="1"/>
+          <p:nvPr/>
+        </p:nvSpPr>
+        <p:spPr>
+          <a:xfrm>
+            <a:off x="3588584" y="255083"/>
+            <a:ext cx="5183579" cy="830997"/>
+          </a:xfrm>
+          <a:prstGeom prst="rect">
+            <a:avLst/>
+          </a:prstGeom>
+          <a:noFill/>
+        </p:spPr>
+        <p:txBody>
+          <a:bodyPr wrap="square" rtlCol="0">
+            <a:spAutoFit/>
+          </a:bodyPr>
+          <a:lstStyle/>
+          <a:p>
+            <a:r>
+              <a:rPr lang="en-US" b="1" dirty="0">
+                <a:solidFill>
+                  <a:srgbClr val="C00000"/>
+                </a:solidFill>
+                <a:latin typeface="+mn-lt"/>
+              </a:rPr>
+              <a:t>Introduction</a:t>
+            </a:r>
+          </a:p>
+          <a:p>
+            <a:r>
+              <a:rPr lang="en-US" sz="1200" dirty="0">
+                <a:latin typeface="Century Gothic" panose="020B0502020202020204" pitchFamily="34" charset="0"/>
+              </a:rPr>
+              <a:t>The main idea and the application work flow</a:t>
+            </a:r>
+          </a:p>
+          <a:p>
+            <a:endParaRPr lang="en-US" b="1" dirty="0">
+              <a:solidFill>
+                <a:srgbClr val="C00000"/>
+              </a:solidFill>
+              <a:latin typeface="+mn-lt"/>
+            </a:endParaRPr>
+          </a:p>
+        </p:txBody>
+      </p:sp>
+      <p:sp>
+        <p:nvSpPr>
+          <p:cNvPr id="8" name="Oval 7">
+            <a:extLst>
+              <a:ext uri="{FF2B5EF4-FFF2-40B4-BE49-F238E27FC236}">
+                <a16:creationId xmlns:a16="http://schemas.microsoft.com/office/drawing/2014/main" id="{B6B0502A-1113-4966-8158-970CAB58C91B}"/>
+              </a:ext>
+            </a:extLst>
+          </p:cNvPr>
+          <p:cNvSpPr/>
+          <p:nvPr/>
+        </p:nvSpPr>
+        <p:spPr>
+          <a:xfrm>
+            <a:off x="2734694" y="844506"/>
+            <a:ext cx="567928" cy="567928"/>
+          </a:xfrm>
+          <a:prstGeom prst="ellipse">
+            <a:avLst/>
+          </a:prstGeom>
+          <a:solidFill>
+            <a:srgbClr val="7030A0"/>
+          </a:solidFill>
+          <a:ln w="76200">
+            <a:solidFill>
+              <a:schemeClr val="bg1"/>
+            </a:solidFill>
+          </a:ln>
+        </p:spPr>
+        <p:style>
+          <a:lnRef idx="2">
+            <a:schemeClr val="accent1">
+              <a:shade val="50000"/>
+            </a:schemeClr>
+          </a:lnRef>
+          <a:fillRef idx="1">
+            <a:schemeClr val="accent1"/>
+          </a:fillRef>
+          <a:effectRef idx="0">
+            <a:schemeClr val="accent1"/>
+          </a:effectRef>
+          <a:fontRef idx="minor">
+            <a:schemeClr val="lt1"/>
+          </a:fontRef>
+        </p:style>
+        <p:txBody>
+          <a:bodyPr rtlCol="0" anchor="ctr"/>
+          <a:lstStyle/>
+          <a:p>
+            <a:pPr algn="ctr"/>
+            <a:endParaRPr lang="en-US"/>
+          </a:p>
+        </p:txBody>
+      </p:sp>
+      <p:sp>
+        <p:nvSpPr>
+          <p:cNvPr id="9" name="TextBox 8">
+            <a:extLst>
+              <a:ext uri="{FF2B5EF4-FFF2-40B4-BE49-F238E27FC236}">
+                <a16:creationId xmlns:a16="http://schemas.microsoft.com/office/drawing/2014/main" id="{142CE6F3-CD18-4BC9-AA0C-2C876473474A}"/>
+              </a:ext>
+            </a:extLst>
+          </p:cNvPr>
+          <p:cNvSpPr txBox="1"/>
+          <p:nvPr/>
+        </p:nvSpPr>
+        <p:spPr>
+          <a:xfrm>
+            <a:off x="3588583" y="950417"/>
+            <a:ext cx="5592165" cy="553998"/>
+          </a:xfrm>
+          <a:prstGeom prst="rect">
+            <a:avLst/>
+          </a:prstGeom>
+          <a:noFill/>
+        </p:spPr>
+        <p:txBody>
+          <a:bodyPr wrap="square" rtlCol="0">
+            <a:spAutoFit/>
+          </a:bodyPr>
+          <a:lstStyle/>
+          <a:p>
+            <a:r>
+              <a:rPr lang="en-US" b="1" dirty="0">
+                <a:solidFill>
+                  <a:srgbClr val="7030A0"/>
+                </a:solidFill>
+                <a:latin typeface="Century Gothic" panose="020B0502020202020204" pitchFamily="34" charset="0"/>
+              </a:rPr>
               <a:t>Blockchain and Hyperledger Fabric Background</a:t>
             </a:r>
           </a:p>
           <a:p>
-            <a:pPr marL="285750" indent="-285750">
-              <a:buFont typeface="Arial"/>
-              <a:buChar char="•"/>
-            </a:pPr>
-            <a:r>
-              <a:rPr lang="en-US" dirty="0"/>
+            <a:r>
+              <a:rPr lang="en-US" sz="1200" dirty="0">
+                <a:latin typeface="Century Gothic" panose="020B0502020202020204" pitchFamily="34" charset="0"/>
+              </a:rPr>
+              <a:t>Discussing the prerequisite background knowledge</a:t>
+            </a:r>
+          </a:p>
+        </p:txBody>
+      </p:sp>
+      <p:sp>
+        <p:nvSpPr>
+          <p:cNvPr id="22" name="Oval 21">
+            <a:extLst>
+              <a:ext uri="{FF2B5EF4-FFF2-40B4-BE49-F238E27FC236}">
+                <a16:creationId xmlns:a16="http://schemas.microsoft.com/office/drawing/2014/main" id="{A280C8B5-2DBD-40A1-8602-DEE853CA69A2}"/>
+              </a:ext>
+            </a:extLst>
+          </p:cNvPr>
+          <p:cNvSpPr/>
+          <p:nvPr/>
+        </p:nvSpPr>
+        <p:spPr>
+          <a:xfrm>
+            <a:off x="2771800" y="1502063"/>
+            <a:ext cx="567928" cy="567928"/>
+          </a:xfrm>
+          <a:prstGeom prst="ellipse">
+            <a:avLst/>
+          </a:prstGeom>
+          <a:solidFill>
+            <a:srgbClr val="00B050"/>
+          </a:solidFill>
+          <a:ln w="76200">
+            <a:solidFill>
+              <a:schemeClr val="bg1"/>
+            </a:solidFill>
+          </a:ln>
+        </p:spPr>
+        <p:style>
+          <a:lnRef idx="2">
+            <a:schemeClr val="accent1">
+              <a:shade val="50000"/>
+            </a:schemeClr>
+          </a:lnRef>
+          <a:fillRef idx="1">
+            <a:schemeClr val="accent1"/>
+          </a:fillRef>
+          <a:effectRef idx="0">
+            <a:schemeClr val="accent1"/>
+          </a:effectRef>
+          <a:fontRef idx="minor">
+            <a:schemeClr val="lt1"/>
+          </a:fontRef>
+        </p:style>
+        <p:txBody>
+          <a:bodyPr rtlCol="0" anchor="ctr"/>
+          <a:lstStyle/>
+          <a:p>
+            <a:pPr algn="ctr"/>
+            <a:endParaRPr lang="en-US"/>
+          </a:p>
+        </p:txBody>
+      </p:sp>
+      <p:sp>
+        <p:nvSpPr>
+          <p:cNvPr id="23" name="TextBox 22">
+            <a:extLst>
+              <a:ext uri="{FF2B5EF4-FFF2-40B4-BE49-F238E27FC236}">
+                <a16:creationId xmlns:a16="http://schemas.microsoft.com/office/drawing/2014/main" id="{3035979F-C10B-44B3-A1CE-425358D2D555}"/>
+              </a:ext>
+            </a:extLst>
+          </p:cNvPr>
+          <p:cNvSpPr txBox="1"/>
+          <p:nvPr/>
+        </p:nvSpPr>
+        <p:spPr>
+          <a:xfrm>
+            <a:off x="3588583" y="1564792"/>
+            <a:ext cx="5592165" cy="800219"/>
+          </a:xfrm>
+          <a:prstGeom prst="rect">
+            <a:avLst/>
+          </a:prstGeom>
+          <a:noFill/>
+        </p:spPr>
+        <p:txBody>
+          <a:bodyPr wrap="square" rtlCol="0">
+            <a:spAutoFit/>
+          </a:bodyPr>
+          <a:lstStyle/>
+          <a:p>
+            <a:r>
+              <a:rPr lang="en-US" b="1" dirty="0">
+                <a:solidFill>
+                  <a:srgbClr val="00B050"/>
+                </a:solidFill>
+                <a:latin typeface="Century Gothic" panose="020B0502020202020204" pitchFamily="34" charset="0"/>
+              </a:rPr>
               <a:t>The Infrastructure</a:t>
             </a:r>
           </a:p>
           <a:p>
-            <a:pPr marL="285750" indent="-285750">
-              <a:buFont typeface="Arial"/>
-              <a:buChar char="•"/>
-            </a:pPr>
-            <a:r>
-              <a:rPr lang="en-US" dirty="0"/>
-              <a:t>The Application Development </a:t>
-            </a:r>
-          </a:p>
-          <a:p>
-            <a:pPr marL="285750" indent="-285750">
-              <a:buFont typeface="Arial"/>
-              <a:buChar char="•"/>
-            </a:pPr>
-            <a:r>
-              <a:rPr lang="en-US" dirty="0"/>
-              <a:t>Results, Issues, and Future work </a:t>
-            </a:r>
-          </a:p>
-          <a:p>
-            <a:pPr marL="285750" indent="-285750">
-              <a:buFont typeface="Arial"/>
-              <a:buChar char="•"/>
-            </a:pPr>
-            <a:r>
-              <a:rPr lang="en-US" dirty="0"/>
-              <a:t>Demo</a:t>
-            </a:r>
-          </a:p>
-          <a:p>
-            <a:pPr marL="285750" indent="-285750">
-              <a:buFont typeface="Arial"/>
-              <a:buChar char="•"/>
-            </a:pPr>
-            <a:r>
-              <a:rPr lang="en-US" dirty="0"/>
-              <a:t>Conclusion and Discussion</a:t>
-            </a:r>
+            <a:r>
+              <a:rPr lang="en-US" sz="1000" dirty="0">
+                <a:latin typeface="Century Gothic" panose="020B0502020202020204" pitchFamily="34" charset="0"/>
+              </a:rPr>
+              <a:t>Discussing the application infrastructure, Docker Container nodes, and node.js SDK</a:t>
+            </a:r>
+          </a:p>
+          <a:p>
+            <a:endParaRPr lang="en-US" b="1" dirty="0">
+              <a:solidFill>
+                <a:srgbClr val="00B050"/>
+              </a:solidFill>
+              <a:latin typeface="Century Gothic" panose="020B0502020202020204" pitchFamily="34" charset="0"/>
+            </a:endParaRPr>
+          </a:p>
+        </p:txBody>
+      </p:sp>
+      <p:sp>
+        <p:nvSpPr>
+          <p:cNvPr id="24" name="Oval 23">
+            <a:extLst>
+              <a:ext uri="{FF2B5EF4-FFF2-40B4-BE49-F238E27FC236}">
+                <a16:creationId xmlns:a16="http://schemas.microsoft.com/office/drawing/2014/main" id="{49304781-2D37-4FF7-8A97-B035028E8824}"/>
+              </a:ext>
+            </a:extLst>
+          </p:cNvPr>
+          <p:cNvSpPr/>
+          <p:nvPr/>
+        </p:nvSpPr>
+        <p:spPr>
+          <a:xfrm>
+            <a:off x="2771800" y="2176099"/>
+            <a:ext cx="567928" cy="567928"/>
+          </a:xfrm>
+          <a:prstGeom prst="ellipse">
+            <a:avLst/>
+          </a:prstGeom>
+          <a:solidFill>
+            <a:srgbClr val="C00000"/>
+          </a:solidFill>
+          <a:ln w="76200">
+            <a:solidFill>
+              <a:schemeClr val="bg1"/>
+            </a:solidFill>
+          </a:ln>
+        </p:spPr>
+        <p:style>
+          <a:lnRef idx="2">
+            <a:schemeClr val="accent1">
+              <a:shade val="50000"/>
+            </a:schemeClr>
+          </a:lnRef>
+          <a:fillRef idx="1">
+            <a:schemeClr val="accent1"/>
+          </a:fillRef>
+          <a:effectRef idx="0">
+            <a:schemeClr val="accent1"/>
+          </a:effectRef>
+          <a:fontRef idx="minor">
+            <a:schemeClr val="lt1"/>
+          </a:fontRef>
+        </p:style>
+        <p:txBody>
+          <a:bodyPr rtlCol="0" anchor="ctr"/>
+          <a:lstStyle/>
+          <a:p>
+            <a:pPr algn="ctr"/>
+            <a:endParaRPr lang="en-US"/>
+          </a:p>
+        </p:txBody>
+      </p:sp>
+      <p:sp>
+        <p:nvSpPr>
+          <p:cNvPr id="25" name="TextBox 24">
+            <a:extLst>
+              <a:ext uri="{FF2B5EF4-FFF2-40B4-BE49-F238E27FC236}">
+                <a16:creationId xmlns:a16="http://schemas.microsoft.com/office/drawing/2014/main" id="{AB591A64-D655-407A-9F8F-C7FFB46F14F6}"/>
+              </a:ext>
+            </a:extLst>
+          </p:cNvPr>
+          <p:cNvSpPr txBox="1"/>
+          <p:nvPr/>
+        </p:nvSpPr>
+        <p:spPr>
+          <a:xfrm>
+            <a:off x="3562995" y="2260126"/>
+            <a:ext cx="5183579" cy="830997"/>
+          </a:xfrm>
+          <a:prstGeom prst="rect">
+            <a:avLst/>
+          </a:prstGeom>
+          <a:noFill/>
+        </p:spPr>
+        <p:txBody>
+          <a:bodyPr wrap="square" rtlCol="0">
+            <a:spAutoFit/>
+          </a:bodyPr>
+          <a:lstStyle/>
+          <a:p>
+            <a:r>
+              <a:rPr lang="en-US" b="1" dirty="0">
+                <a:solidFill>
+                  <a:srgbClr val="C00000"/>
+                </a:solidFill>
+                <a:latin typeface="Century Gothic" panose="020B0502020202020204" pitchFamily="34" charset="0"/>
+              </a:rPr>
+              <a:t>The Application Development</a:t>
+            </a:r>
+          </a:p>
+          <a:p>
+            <a:r>
+              <a:rPr lang="en-US" sz="1200" dirty="0">
+                <a:latin typeface="Century Gothic" panose="020B0502020202020204" pitchFamily="34" charset="0"/>
+              </a:rPr>
+              <a:t>The android application development in details</a:t>
+            </a:r>
+          </a:p>
+          <a:p>
+            <a:endParaRPr lang="en-US" b="1" dirty="0">
+              <a:solidFill>
+                <a:srgbClr val="C00000"/>
+              </a:solidFill>
+              <a:latin typeface="Century Gothic" panose="020B0502020202020204" pitchFamily="34" charset="0"/>
+            </a:endParaRPr>
+          </a:p>
+        </p:txBody>
+      </p:sp>
+      <p:sp>
+        <p:nvSpPr>
+          <p:cNvPr id="26" name="Oval 25">
+            <a:extLst>
+              <a:ext uri="{FF2B5EF4-FFF2-40B4-BE49-F238E27FC236}">
+                <a16:creationId xmlns:a16="http://schemas.microsoft.com/office/drawing/2014/main" id="{F343BDEA-F198-4BAB-947E-5CFDC2CF2BF9}"/>
+              </a:ext>
+            </a:extLst>
+          </p:cNvPr>
+          <p:cNvSpPr/>
+          <p:nvPr/>
+        </p:nvSpPr>
+        <p:spPr>
+          <a:xfrm>
+            <a:off x="2771800" y="2848341"/>
+            <a:ext cx="567928" cy="567928"/>
+          </a:xfrm>
+          <a:prstGeom prst="ellipse">
+            <a:avLst/>
+          </a:prstGeom>
+          <a:solidFill>
+            <a:schemeClr val="accent2">
+              <a:lumMod val="75000"/>
+            </a:schemeClr>
+          </a:solidFill>
+          <a:ln w="76200">
+            <a:solidFill>
+              <a:schemeClr val="bg1"/>
+            </a:solidFill>
+          </a:ln>
+        </p:spPr>
+        <p:style>
+          <a:lnRef idx="2">
+            <a:schemeClr val="accent1">
+              <a:shade val="50000"/>
+            </a:schemeClr>
+          </a:lnRef>
+          <a:fillRef idx="1">
+            <a:schemeClr val="accent1"/>
+          </a:fillRef>
+          <a:effectRef idx="0">
+            <a:schemeClr val="accent1"/>
+          </a:effectRef>
+          <a:fontRef idx="minor">
+            <a:schemeClr val="lt1"/>
+          </a:fontRef>
+        </p:style>
+        <p:txBody>
+          <a:bodyPr rtlCol="0" anchor="ctr"/>
+          <a:lstStyle/>
+          <a:p>
+            <a:pPr algn="ctr"/>
+            <a:endParaRPr lang="en-US"/>
+          </a:p>
+        </p:txBody>
+      </p:sp>
+      <p:sp>
+        <p:nvSpPr>
+          <p:cNvPr id="27" name="TextBox 26">
+            <a:extLst>
+              <a:ext uri="{FF2B5EF4-FFF2-40B4-BE49-F238E27FC236}">
+                <a16:creationId xmlns:a16="http://schemas.microsoft.com/office/drawing/2014/main" id="{92A3977D-B633-4AC4-8451-F2597CD9D513}"/>
+              </a:ext>
+            </a:extLst>
+          </p:cNvPr>
+          <p:cNvSpPr txBox="1"/>
+          <p:nvPr/>
+        </p:nvSpPr>
+        <p:spPr>
+          <a:xfrm>
+            <a:off x="3588582" y="2924632"/>
+            <a:ext cx="5183579" cy="969496"/>
+          </a:xfrm>
+          <a:prstGeom prst="rect">
+            <a:avLst/>
+          </a:prstGeom>
+          <a:noFill/>
+        </p:spPr>
+        <p:txBody>
+          <a:bodyPr wrap="square" rtlCol="0">
+            <a:spAutoFit/>
+          </a:bodyPr>
+          <a:lstStyle/>
+          <a:p>
+            <a:r>
+              <a:rPr lang="en-US" b="1" dirty="0">
+                <a:solidFill>
+                  <a:schemeClr val="accent2">
+                    <a:lumMod val="75000"/>
+                  </a:schemeClr>
+                </a:solidFill>
+                <a:latin typeface="Century Gothic" panose="020B0502020202020204" pitchFamily="34" charset="0"/>
+              </a:rPr>
+              <a:t>Issues, Future Work and Conclusion</a:t>
+            </a:r>
+          </a:p>
+          <a:p>
+            <a:r>
+              <a:rPr lang="en-US" sz="1200" dirty="0">
+                <a:latin typeface="Century Gothic" panose="020B0502020202020204" pitchFamily="34" charset="0"/>
+              </a:rPr>
+              <a:t>Warp up all what have been discussed, Issues and Future work.</a:t>
+            </a:r>
+          </a:p>
+          <a:p>
+            <a:endParaRPr lang="en-US" b="1" dirty="0">
+              <a:solidFill>
+                <a:schemeClr val="accent2">
+                  <a:lumMod val="75000"/>
+                </a:schemeClr>
+              </a:solidFill>
+              <a:latin typeface="Century Gothic" panose="020B0502020202020204" pitchFamily="34" charset="0"/>
+            </a:endParaRPr>
+          </a:p>
+          <a:p>
+            <a:endParaRPr lang="en-US" sz="900" dirty="0">
+              <a:latin typeface="Century Gothic" panose="020B0502020202020204" pitchFamily="34" charset="0"/>
+            </a:endParaRPr>
+          </a:p>
+        </p:txBody>
+      </p:sp>
+      <p:sp>
+        <p:nvSpPr>
+          <p:cNvPr id="15" name="Oval 14">
+            <a:extLst>
+              <a:ext uri="{FF2B5EF4-FFF2-40B4-BE49-F238E27FC236}">
+                <a16:creationId xmlns:a16="http://schemas.microsoft.com/office/drawing/2014/main" id="{5472F3DB-F8DD-42C1-A000-B24C84E92BB4}"/>
+              </a:ext>
+            </a:extLst>
+          </p:cNvPr>
+          <p:cNvSpPr/>
+          <p:nvPr/>
+        </p:nvSpPr>
+        <p:spPr>
+          <a:xfrm>
+            <a:off x="2771800" y="3520583"/>
+            <a:ext cx="567928" cy="567928"/>
+          </a:xfrm>
+          <a:prstGeom prst="ellipse">
+            <a:avLst/>
+          </a:prstGeom>
+          <a:solidFill>
+            <a:schemeClr val="accent4"/>
+          </a:solidFill>
+          <a:ln w="76200">
+            <a:solidFill>
+              <a:schemeClr val="bg1"/>
+            </a:solidFill>
+          </a:ln>
+        </p:spPr>
+        <p:style>
+          <a:lnRef idx="2">
+            <a:schemeClr val="accent1">
+              <a:shade val="50000"/>
+            </a:schemeClr>
+          </a:lnRef>
+          <a:fillRef idx="1">
+            <a:schemeClr val="accent1"/>
+          </a:fillRef>
+          <a:effectRef idx="0">
+            <a:schemeClr val="accent1"/>
+          </a:effectRef>
+          <a:fontRef idx="minor">
+            <a:schemeClr val="lt1"/>
+          </a:fontRef>
+        </p:style>
+        <p:txBody>
+          <a:bodyPr rtlCol="0" anchor="ctr"/>
+          <a:lstStyle/>
+          <a:p>
+            <a:pPr algn="ctr"/>
+            <a:endParaRPr lang="en-US" dirty="0"/>
+          </a:p>
+        </p:txBody>
+      </p:sp>
+      <p:sp>
+        <p:nvSpPr>
+          <p:cNvPr id="16" name="TextBox 15">
+            <a:extLst>
+              <a:ext uri="{FF2B5EF4-FFF2-40B4-BE49-F238E27FC236}">
+                <a16:creationId xmlns:a16="http://schemas.microsoft.com/office/drawing/2014/main" id="{7CBE1739-FA6C-48EE-BE62-AF9B4F349A19}"/>
+              </a:ext>
+            </a:extLst>
+          </p:cNvPr>
+          <p:cNvSpPr txBox="1"/>
+          <p:nvPr/>
+        </p:nvSpPr>
+        <p:spPr>
+          <a:xfrm>
+            <a:off x="3593705" y="3619966"/>
+            <a:ext cx="5183579" cy="830997"/>
+          </a:xfrm>
+          <a:prstGeom prst="rect">
+            <a:avLst/>
+          </a:prstGeom>
+          <a:noFill/>
+        </p:spPr>
+        <p:txBody>
+          <a:bodyPr wrap="square" rtlCol="0">
+            <a:spAutoFit/>
+          </a:bodyPr>
+          <a:lstStyle/>
+          <a:p>
+            <a:r>
+              <a:rPr lang="en-US" b="1" dirty="0">
+                <a:solidFill>
+                  <a:srgbClr val="FA6E00"/>
+                </a:solidFill>
+                <a:latin typeface="Century Gothic" panose="020B0502020202020204" pitchFamily="34" charset="0"/>
+              </a:rPr>
+              <a:t>Demo </a:t>
+            </a:r>
+          </a:p>
+          <a:p>
+            <a:r>
+              <a:rPr lang="en-US" sz="1200" dirty="0">
+                <a:latin typeface="Century Gothic" panose="020B0502020202020204" pitchFamily="34" charset="0"/>
+              </a:rPr>
+              <a:t>A live demonstration for the application capability. </a:t>
+            </a:r>
+          </a:p>
+          <a:p>
+            <a:endParaRPr lang="en-US" b="1" dirty="0">
+              <a:solidFill>
+                <a:srgbClr val="FA6E00"/>
+              </a:solidFill>
+              <a:latin typeface="Century Gothic" panose="020B0502020202020204" pitchFamily="34" charset="0"/>
+            </a:endParaRPr>
           </a:p>
         </p:txBody>
       </p:sp>
     </p:spTree>
+    <p:extLst>
+      <p:ext uri="{BB962C8B-B14F-4D97-AF65-F5344CB8AC3E}">
+        <p14:creationId xmlns:p14="http://schemas.microsoft.com/office/powerpoint/2010/main" val="2300336196"/>
+      </p:ext>
+    </p:extLst>
   </p:cSld>
   <p:clrMapOvr>
     <a:masterClrMapping/>
   </p:clrMapOvr>
-  <p:transition spd="slow">
-    <p:wipe/>
-  </p:transition>
+  <p:timing>
+    <p:tnLst>
+      <p:par>
+        <p:cTn id="1" dur="indefinite" restart="never" nodeType="tmRoot">
+          <p:childTnLst>
+            <p:seq concurrent="1" nextAc="seek">
+              <p:cTn id="2" dur="indefinite" nodeType="mainSeq">
+                <p:childTnLst>
+                  <p:par>
+                    <p:cTn id="3" fill="hold">
+                      <p:stCondLst>
+                        <p:cond delay="indefinite"/>
+                        <p:cond evt="onBegin" delay="0">
+                          <p:tn val="2"/>
+                        </p:cond>
+                      </p:stCondLst>
+                      <p:childTnLst>
+                        <p:par>
+                          <p:cTn id="4" fill="hold">
+                            <p:stCondLst>
+                              <p:cond delay="0"/>
+                            </p:stCondLst>
+                            <p:childTnLst>
+                              <p:par>
+                                <p:cTn id="5" presetID="53" presetClass="entr" presetSubtype="16" fill="hold" grpId="0" nodeType="afterEffect">
+                                  <p:stCondLst>
+                                    <p:cond delay="0"/>
+                                  </p:stCondLst>
+                                  <p:childTnLst>
+                                    <p:set>
+                                      <p:cBhvr>
+                                        <p:cTn id="6" dur="1" fill="hold">
+                                          <p:stCondLst>
+                                            <p:cond delay="0"/>
+                                          </p:stCondLst>
+                                        </p:cTn>
+                                        <p:tgtEl>
+                                          <p:spTgt spid="6"/>
+                                        </p:tgtEl>
+                                        <p:attrNameLst>
+                                          <p:attrName>style.visibility</p:attrName>
+                                        </p:attrNameLst>
+                                      </p:cBhvr>
+                                      <p:to>
+                                        <p:strVal val="visible"/>
+                                      </p:to>
+                                    </p:set>
+                                    <p:anim calcmode="lin" valueType="num">
+                                      <p:cBhvr>
+                                        <p:cTn id="7" dur="500" fill="hold"/>
+                                        <p:tgtEl>
+                                          <p:spTgt spid="6"/>
+                                        </p:tgtEl>
+                                        <p:attrNameLst>
+                                          <p:attrName>ppt_w</p:attrName>
+                                        </p:attrNameLst>
+                                      </p:cBhvr>
+                                      <p:tavLst>
+                                        <p:tav tm="0">
+                                          <p:val>
+                                            <p:fltVal val="0"/>
+                                          </p:val>
+                                        </p:tav>
+                                        <p:tav tm="100000">
+                                          <p:val>
+                                            <p:strVal val="#ppt_w"/>
+                                          </p:val>
+                                        </p:tav>
+                                      </p:tavLst>
+                                    </p:anim>
+                                    <p:anim calcmode="lin" valueType="num">
+                                      <p:cBhvr>
+                                        <p:cTn id="8" dur="500" fill="hold"/>
+                                        <p:tgtEl>
+                                          <p:spTgt spid="6"/>
+                                        </p:tgtEl>
+                                        <p:attrNameLst>
+                                          <p:attrName>ppt_h</p:attrName>
+                                        </p:attrNameLst>
+                                      </p:cBhvr>
+                                      <p:tavLst>
+                                        <p:tav tm="0">
+                                          <p:val>
+                                            <p:fltVal val="0"/>
+                                          </p:val>
+                                        </p:tav>
+                                        <p:tav tm="100000">
+                                          <p:val>
+                                            <p:strVal val="#ppt_h"/>
+                                          </p:val>
+                                        </p:tav>
+                                      </p:tavLst>
+                                    </p:anim>
+                                    <p:animEffect transition="in" filter="fade">
+                                      <p:cBhvr>
+                                        <p:cTn id="9" dur="500"/>
+                                        <p:tgtEl>
+                                          <p:spTgt spid="6"/>
+                                        </p:tgtEl>
+                                      </p:cBhvr>
+                                    </p:animEffect>
+                                  </p:childTnLst>
+                                </p:cTn>
+                              </p:par>
+                            </p:childTnLst>
+                          </p:cTn>
+                        </p:par>
+                        <p:par>
+                          <p:cTn id="10" fill="hold">
+                            <p:stCondLst>
+                              <p:cond delay="500"/>
+                            </p:stCondLst>
+                            <p:childTnLst>
+                              <p:par>
+                                <p:cTn id="11" presetID="16" presetClass="entr" presetSubtype="21" fill="hold" grpId="0" nodeType="afterEffect">
+                                  <p:stCondLst>
+                                    <p:cond delay="0"/>
+                                  </p:stCondLst>
+                                  <p:childTnLst>
+                                    <p:set>
+                                      <p:cBhvr>
+                                        <p:cTn id="12" dur="1" fill="hold">
+                                          <p:stCondLst>
+                                            <p:cond delay="0"/>
+                                          </p:stCondLst>
+                                        </p:cTn>
+                                        <p:tgtEl>
+                                          <p:spTgt spid="7"/>
+                                        </p:tgtEl>
+                                        <p:attrNameLst>
+                                          <p:attrName>style.visibility</p:attrName>
+                                        </p:attrNameLst>
+                                      </p:cBhvr>
+                                      <p:to>
+                                        <p:strVal val="visible"/>
+                                      </p:to>
+                                    </p:set>
+                                    <p:animEffect transition="in" filter="barn(inVertical)">
+                                      <p:cBhvr>
+                                        <p:cTn id="13" dur="500"/>
+                                        <p:tgtEl>
+                                          <p:spTgt spid="7"/>
+                                        </p:tgtEl>
+                                      </p:cBhvr>
+                                    </p:animEffect>
+                                  </p:childTnLst>
+                                </p:cTn>
+                              </p:par>
+                            </p:childTnLst>
+                          </p:cTn>
+                        </p:par>
+                        <p:par>
+                          <p:cTn id="14" fill="hold">
+                            <p:stCondLst>
+                              <p:cond delay="1000"/>
+                            </p:stCondLst>
+                            <p:childTnLst>
+                              <p:par>
+                                <p:cTn id="15" presetID="53" presetClass="entr" presetSubtype="16" fill="hold" grpId="0" nodeType="afterEffect">
+                                  <p:stCondLst>
+                                    <p:cond delay="1000"/>
+                                  </p:stCondLst>
+                                  <p:childTnLst>
+                                    <p:set>
+                                      <p:cBhvr>
+                                        <p:cTn id="16" dur="1" fill="hold">
+                                          <p:stCondLst>
+                                            <p:cond delay="0"/>
+                                          </p:stCondLst>
+                                        </p:cTn>
+                                        <p:tgtEl>
+                                          <p:spTgt spid="8"/>
+                                        </p:tgtEl>
+                                        <p:attrNameLst>
+                                          <p:attrName>style.visibility</p:attrName>
+                                        </p:attrNameLst>
+                                      </p:cBhvr>
+                                      <p:to>
+                                        <p:strVal val="visible"/>
+                                      </p:to>
+                                    </p:set>
+                                    <p:anim calcmode="lin" valueType="num">
+                                      <p:cBhvr>
+                                        <p:cTn id="17" dur="500" fill="hold"/>
+                                        <p:tgtEl>
+                                          <p:spTgt spid="8"/>
+                                        </p:tgtEl>
+                                        <p:attrNameLst>
+                                          <p:attrName>ppt_w</p:attrName>
+                                        </p:attrNameLst>
+                                      </p:cBhvr>
+                                      <p:tavLst>
+                                        <p:tav tm="0">
+                                          <p:val>
+                                            <p:fltVal val="0"/>
+                                          </p:val>
+                                        </p:tav>
+                                        <p:tav tm="100000">
+                                          <p:val>
+                                            <p:strVal val="#ppt_w"/>
+                                          </p:val>
+                                        </p:tav>
+                                      </p:tavLst>
+                                    </p:anim>
+                                    <p:anim calcmode="lin" valueType="num">
+                                      <p:cBhvr>
+                                        <p:cTn id="18" dur="500" fill="hold"/>
+                                        <p:tgtEl>
+                                          <p:spTgt spid="8"/>
+                                        </p:tgtEl>
+                                        <p:attrNameLst>
+                                          <p:attrName>ppt_h</p:attrName>
+                                        </p:attrNameLst>
+                                      </p:cBhvr>
+                                      <p:tavLst>
+                                        <p:tav tm="0">
+                                          <p:val>
+                                            <p:fltVal val="0"/>
+                                          </p:val>
+                                        </p:tav>
+                                        <p:tav tm="100000">
+                                          <p:val>
+                                            <p:strVal val="#ppt_h"/>
+                                          </p:val>
+                                        </p:tav>
+                                      </p:tavLst>
+                                    </p:anim>
+                                    <p:animEffect transition="in" filter="fade">
+                                      <p:cBhvr>
+                                        <p:cTn id="19" dur="500"/>
+                                        <p:tgtEl>
+                                          <p:spTgt spid="8"/>
+                                        </p:tgtEl>
+                                      </p:cBhvr>
+                                    </p:animEffect>
+                                  </p:childTnLst>
+                                </p:cTn>
+                              </p:par>
+                            </p:childTnLst>
+                          </p:cTn>
+                        </p:par>
+                        <p:par>
+                          <p:cTn id="20" fill="hold">
+                            <p:stCondLst>
+                              <p:cond delay="2500"/>
+                            </p:stCondLst>
+                            <p:childTnLst>
+                              <p:par>
+                                <p:cTn id="21" presetID="16" presetClass="entr" presetSubtype="21" fill="hold" grpId="0" nodeType="afterEffect">
+                                  <p:stCondLst>
+                                    <p:cond delay="0"/>
+                                  </p:stCondLst>
+                                  <p:childTnLst>
+                                    <p:set>
+                                      <p:cBhvr>
+                                        <p:cTn id="22" dur="1" fill="hold">
+                                          <p:stCondLst>
+                                            <p:cond delay="0"/>
+                                          </p:stCondLst>
+                                        </p:cTn>
+                                        <p:tgtEl>
+                                          <p:spTgt spid="9"/>
+                                        </p:tgtEl>
+                                        <p:attrNameLst>
+                                          <p:attrName>style.visibility</p:attrName>
+                                        </p:attrNameLst>
+                                      </p:cBhvr>
+                                      <p:to>
+                                        <p:strVal val="visible"/>
+                                      </p:to>
+                                    </p:set>
+                                    <p:animEffect transition="in" filter="barn(inVertical)">
+                                      <p:cBhvr>
+                                        <p:cTn id="23" dur="500"/>
+                                        <p:tgtEl>
+                                          <p:spTgt spid="9"/>
+                                        </p:tgtEl>
+                                      </p:cBhvr>
+                                    </p:animEffect>
+                                  </p:childTnLst>
+                                </p:cTn>
+                              </p:par>
+                            </p:childTnLst>
+                          </p:cTn>
+                        </p:par>
+                        <p:par>
+                          <p:cTn id="24" fill="hold">
+                            <p:stCondLst>
+                              <p:cond delay="3000"/>
+                            </p:stCondLst>
+                            <p:childTnLst>
+                              <p:par>
+                                <p:cTn id="25" presetID="53" presetClass="entr" presetSubtype="16" fill="hold" grpId="0" nodeType="afterEffect">
+                                  <p:stCondLst>
+                                    <p:cond delay="1000"/>
+                                  </p:stCondLst>
+                                  <p:childTnLst>
+                                    <p:set>
+                                      <p:cBhvr>
+                                        <p:cTn id="26" dur="1" fill="hold">
+                                          <p:stCondLst>
+                                            <p:cond delay="0"/>
+                                          </p:stCondLst>
+                                        </p:cTn>
+                                        <p:tgtEl>
+                                          <p:spTgt spid="22"/>
+                                        </p:tgtEl>
+                                        <p:attrNameLst>
+                                          <p:attrName>style.visibility</p:attrName>
+                                        </p:attrNameLst>
+                                      </p:cBhvr>
+                                      <p:to>
+                                        <p:strVal val="visible"/>
+                                      </p:to>
+                                    </p:set>
+                                    <p:anim calcmode="lin" valueType="num">
+                                      <p:cBhvr>
+                                        <p:cTn id="27" dur="500" fill="hold"/>
+                                        <p:tgtEl>
+                                          <p:spTgt spid="22"/>
+                                        </p:tgtEl>
+                                        <p:attrNameLst>
+                                          <p:attrName>ppt_w</p:attrName>
+                                        </p:attrNameLst>
+                                      </p:cBhvr>
+                                      <p:tavLst>
+                                        <p:tav tm="0">
+                                          <p:val>
+                                            <p:fltVal val="0"/>
+                                          </p:val>
+                                        </p:tav>
+                                        <p:tav tm="100000">
+                                          <p:val>
+                                            <p:strVal val="#ppt_w"/>
+                                          </p:val>
+                                        </p:tav>
+                                      </p:tavLst>
+                                    </p:anim>
+                                    <p:anim calcmode="lin" valueType="num">
+                                      <p:cBhvr>
+                                        <p:cTn id="28" dur="500" fill="hold"/>
+                                        <p:tgtEl>
+                                          <p:spTgt spid="22"/>
+                                        </p:tgtEl>
+                                        <p:attrNameLst>
+                                          <p:attrName>ppt_h</p:attrName>
+                                        </p:attrNameLst>
+                                      </p:cBhvr>
+                                      <p:tavLst>
+                                        <p:tav tm="0">
+                                          <p:val>
+                                            <p:fltVal val="0"/>
+                                          </p:val>
+                                        </p:tav>
+                                        <p:tav tm="100000">
+                                          <p:val>
+                                            <p:strVal val="#ppt_h"/>
+                                          </p:val>
+                                        </p:tav>
+                                      </p:tavLst>
+                                    </p:anim>
+                                    <p:animEffect transition="in" filter="fade">
+                                      <p:cBhvr>
+                                        <p:cTn id="29" dur="500"/>
+                                        <p:tgtEl>
+                                          <p:spTgt spid="22"/>
+                                        </p:tgtEl>
+                                      </p:cBhvr>
+                                    </p:animEffect>
+                                  </p:childTnLst>
+                                </p:cTn>
+                              </p:par>
+                            </p:childTnLst>
+                          </p:cTn>
+                        </p:par>
+                        <p:par>
+                          <p:cTn id="30" fill="hold">
+                            <p:stCondLst>
+                              <p:cond delay="4500"/>
+                            </p:stCondLst>
+                            <p:childTnLst>
+                              <p:par>
+                                <p:cTn id="31" presetID="16" presetClass="entr" presetSubtype="21" fill="hold" grpId="0" nodeType="afterEffect">
+                                  <p:stCondLst>
+                                    <p:cond delay="0"/>
+                                  </p:stCondLst>
+                                  <p:childTnLst>
+                                    <p:set>
+                                      <p:cBhvr>
+                                        <p:cTn id="32" dur="1" fill="hold">
+                                          <p:stCondLst>
+                                            <p:cond delay="0"/>
+                                          </p:stCondLst>
+                                        </p:cTn>
+                                        <p:tgtEl>
+                                          <p:spTgt spid="23"/>
+                                        </p:tgtEl>
+                                        <p:attrNameLst>
+                                          <p:attrName>style.visibility</p:attrName>
+                                        </p:attrNameLst>
+                                      </p:cBhvr>
+                                      <p:to>
+                                        <p:strVal val="visible"/>
+                                      </p:to>
+                                    </p:set>
+                                    <p:animEffect transition="in" filter="barn(inVertical)">
+                                      <p:cBhvr>
+                                        <p:cTn id="33" dur="500"/>
+                                        <p:tgtEl>
+                                          <p:spTgt spid="23"/>
+                                        </p:tgtEl>
+                                      </p:cBhvr>
+                                    </p:animEffect>
+                                  </p:childTnLst>
+                                </p:cTn>
+                              </p:par>
+                            </p:childTnLst>
+                          </p:cTn>
+                        </p:par>
+                        <p:par>
+                          <p:cTn id="34" fill="hold">
+                            <p:stCondLst>
+                              <p:cond delay="5000"/>
+                            </p:stCondLst>
+                            <p:childTnLst>
+                              <p:par>
+                                <p:cTn id="35" presetID="53" presetClass="entr" presetSubtype="16" fill="hold" grpId="0" nodeType="afterEffect">
+                                  <p:stCondLst>
+                                    <p:cond delay="1000"/>
+                                  </p:stCondLst>
+                                  <p:childTnLst>
+                                    <p:set>
+                                      <p:cBhvr>
+                                        <p:cTn id="36" dur="1" fill="hold">
+                                          <p:stCondLst>
+                                            <p:cond delay="0"/>
+                                          </p:stCondLst>
+                                        </p:cTn>
+                                        <p:tgtEl>
+                                          <p:spTgt spid="24"/>
+                                        </p:tgtEl>
+                                        <p:attrNameLst>
+                                          <p:attrName>style.visibility</p:attrName>
+                                        </p:attrNameLst>
+                                      </p:cBhvr>
+                                      <p:to>
+                                        <p:strVal val="visible"/>
+                                      </p:to>
+                                    </p:set>
+                                    <p:anim calcmode="lin" valueType="num">
+                                      <p:cBhvr>
+                                        <p:cTn id="37" dur="500" fill="hold"/>
+                                        <p:tgtEl>
+                                          <p:spTgt spid="24"/>
+                                        </p:tgtEl>
+                                        <p:attrNameLst>
+                                          <p:attrName>ppt_w</p:attrName>
+                                        </p:attrNameLst>
+                                      </p:cBhvr>
+                                      <p:tavLst>
+                                        <p:tav tm="0">
+                                          <p:val>
+                                            <p:fltVal val="0"/>
+                                          </p:val>
+                                        </p:tav>
+                                        <p:tav tm="100000">
+                                          <p:val>
+                                            <p:strVal val="#ppt_w"/>
+                                          </p:val>
+                                        </p:tav>
+                                      </p:tavLst>
+                                    </p:anim>
+                                    <p:anim calcmode="lin" valueType="num">
+                                      <p:cBhvr>
+                                        <p:cTn id="38" dur="500" fill="hold"/>
+                                        <p:tgtEl>
+                                          <p:spTgt spid="24"/>
+                                        </p:tgtEl>
+                                        <p:attrNameLst>
+                                          <p:attrName>ppt_h</p:attrName>
+                                        </p:attrNameLst>
+                                      </p:cBhvr>
+                                      <p:tavLst>
+                                        <p:tav tm="0">
+                                          <p:val>
+                                            <p:fltVal val="0"/>
+                                          </p:val>
+                                        </p:tav>
+                                        <p:tav tm="100000">
+                                          <p:val>
+                                            <p:strVal val="#ppt_h"/>
+                                          </p:val>
+                                        </p:tav>
+                                      </p:tavLst>
+                                    </p:anim>
+                                    <p:animEffect transition="in" filter="fade">
+                                      <p:cBhvr>
+                                        <p:cTn id="39" dur="500"/>
+                                        <p:tgtEl>
+                                          <p:spTgt spid="24"/>
+                                        </p:tgtEl>
+                                      </p:cBhvr>
+                                    </p:animEffect>
+                                  </p:childTnLst>
+                                </p:cTn>
+                              </p:par>
+                            </p:childTnLst>
+                          </p:cTn>
+                        </p:par>
+                        <p:par>
+                          <p:cTn id="40" fill="hold">
+                            <p:stCondLst>
+                              <p:cond delay="6500"/>
+                            </p:stCondLst>
+                            <p:childTnLst>
+                              <p:par>
+                                <p:cTn id="41" presetID="16" presetClass="entr" presetSubtype="21" fill="hold" grpId="0" nodeType="afterEffect">
+                                  <p:stCondLst>
+                                    <p:cond delay="0"/>
+                                  </p:stCondLst>
+                                  <p:childTnLst>
+                                    <p:set>
+                                      <p:cBhvr>
+                                        <p:cTn id="42" dur="1" fill="hold">
+                                          <p:stCondLst>
+                                            <p:cond delay="0"/>
+                                          </p:stCondLst>
+                                        </p:cTn>
+                                        <p:tgtEl>
+                                          <p:spTgt spid="25"/>
+                                        </p:tgtEl>
+                                        <p:attrNameLst>
+                                          <p:attrName>style.visibility</p:attrName>
+                                        </p:attrNameLst>
+                                      </p:cBhvr>
+                                      <p:to>
+                                        <p:strVal val="visible"/>
+                                      </p:to>
+                                    </p:set>
+                                    <p:animEffect transition="in" filter="barn(inVertical)">
+                                      <p:cBhvr>
+                                        <p:cTn id="43" dur="500"/>
+                                        <p:tgtEl>
+                                          <p:spTgt spid="25"/>
+                                        </p:tgtEl>
+                                      </p:cBhvr>
+                                    </p:animEffect>
+                                  </p:childTnLst>
+                                </p:cTn>
+                              </p:par>
+                            </p:childTnLst>
+                          </p:cTn>
+                        </p:par>
+                        <p:par>
+                          <p:cTn id="44" fill="hold">
+                            <p:stCondLst>
+                              <p:cond delay="7000"/>
+                            </p:stCondLst>
+                            <p:childTnLst>
+                              <p:par>
+                                <p:cTn id="45" presetID="53" presetClass="entr" presetSubtype="16" fill="hold" grpId="0" nodeType="afterEffect">
+                                  <p:stCondLst>
+                                    <p:cond delay="1000"/>
+                                  </p:stCondLst>
+                                  <p:childTnLst>
+                                    <p:set>
+                                      <p:cBhvr>
+                                        <p:cTn id="46" dur="1" fill="hold">
+                                          <p:stCondLst>
+                                            <p:cond delay="0"/>
+                                          </p:stCondLst>
+                                        </p:cTn>
+                                        <p:tgtEl>
+                                          <p:spTgt spid="26"/>
+                                        </p:tgtEl>
+                                        <p:attrNameLst>
+                                          <p:attrName>style.visibility</p:attrName>
+                                        </p:attrNameLst>
+                                      </p:cBhvr>
+                                      <p:to>
+                                        <p:strVal val="visible"/>
+                                      </p:to>
+                                    </p:set>
+                                    <p:anim calcmode="lin" valueType="num">
+                                      <p:cBhvr>
+                                        <p:cTn id="47" dur="500" fill="hold"/>
+                                        <p:tgtEl>
+                                          <p:spTgt spid="26"/>
+                                        </p:tgtEl>
+                                        <p:attrNameLst>
+                                          <p:attrName>ppt_w</p:attrName>
+                                        </p:attrNameLst>
+                                      </p:cBhvr>
+                                      <p:tavLst>
+                                        <p:tav tm="0">
+                                          <p:val>
+                                            <p:fltVal val="0"/>
+                                          </p:val>
+                                        </p:tav>
+                                        <p:tav tm="100000">
+                                          <p:val>
+                                            <p:strVal val="#ppt_w"/>
+                                          </p:val>
+                                        </p:tav>
+                                      </p:tavLst>
+                                    </p:anim>
+                                    <p:anim calcmode="lin" valueType="num">
+                                      <p:cBhvr>
+                                        <p:cTn id="48" dur="500" fill="hold"/>
+                                        <p:tgtEl>
+                                          <p:spTgt spid="26"/>
+                                        </p:tgtEl>
+                                        <p:attrNameLst>
+                                          <p:attrName>ppt_h</p:attrName>
+                                        </p:attrNameLst>
+                                      </p:cBhvr>
+                                      <p:tavLst>
+                                        <p:tav tm="0">
+                                          <p:val>
+                                            <p:fltVal val="0"/>
+                                          </p:val>
+                                        </p:tav>
+                                        <p:tav tm="100000">
+                                          <p:val>
+                                            <p:strVal val="#ppt_h"/>
+                                          </p:val>
+                                        </p:tav>
+                                      </p:tavLst>
+                                    </p:anim>
+                                    <p:animEffect transition="in" filter="fade">
+                                      <p:cBhvr>
+                                        <p:cTn id="49" dur="500"/>
+                                        <p:tgtEl>
+                                          <p:spTgt spid="26"/>
+                                        </p:tgtEl>
+                                      </p:cBhvr>
+                                    </p:animEffect>
+                                  </p:childTnLst>
+                                </p:cTn>
+                              </p:par>
+                            </p:childTnLst>
+                          </p:cTn>
+                        </p:par>
+                        <p:par>
+                          <p:cTn id="50" fill="hold">
+                            <p:stCondLst>
+                              <p:cond delay="8500"/>
+                            </p:stCondLst>
+                            <p:childTnLst>
+                              <p:par>
+                                <p:cTn id="51" presetID="16" presetClass="entr" presetSubtype="21" fill="hold" grpId="0" nodeType="afterEffect">
+                                  <p:stCondLst>
+                                    <p:cond delay="0"/>
+                                  </p:stCondLst>
+                                  <p:childTnLst>
+                                    <p:set>
+                                      <p:cBhvr>
+                                        <p:cTn id="52" dur="1" fill="hold">
+                                          <p:stCondLst>
+                                            <p:cond delay="0"/>
+                                          </p:stCondLst>
+                                        </p:cTn>
+                                        <p:tgtEl>
+                                          <p:spTgt spid="27"/>
+                                        </p:tgtEl>
+                                        <p:attrNameLst>
+                                          <p:attrName>style.visibility</p:attrName>
+                                        </p:attrNameLst>
+                                      </p:cBhvr>
+                                      <p:to>
+                                        <p:strVal val="visible"/>
+                                      </p:to>
+                                    </p:set>
+                                    <p:animEffect transition="in" filter="barn(inVertical)">
+                                      <p:cBhvr>
+                                        <p:cTn id="53" dur="500"/>
+                                        <p:tgtEl>
+                                          <p:spTgt spid="27"/>
+                                        </p:tgtEl>
+                                      </p:cBhvr>
+                                    </p:animEffect>
+                                  </p:childTnLst>
+                                </p:cTn>
+                              </p:par>
+                            </p:childTnLst>
+                          </p:cTn>
+                        </p:par>
+                        <p:par>
+                          <p:cTn id="54" fill="hold">
+                            <p:stCondLst>
+                              <p:cond delay="9000"/>
+                            </p:stCondLst>
+                            <p:childTnLst>
+                              <p:par>
+                                <p:cTn id="55" presetID="53" presetClass="entr" presetSubtype="16" fill="hold" grpId="0" nodeType="afterEffect">
+                                  <p:stCondLst>
+                                    <p:cond delay="1000"/>
+                                  </p:stCondLst>
+                                  <p:childTnLst>
+                                    <p:set>
+                                      <p:cBhvr>
+                                        <p:cTn id="56" dur="1" fill="hold">
+                                          <p:stCondLst>
+                                            <p:cond delay="0"/>
+                                          </p:stCondLst>
+                                        </p:cTn>
+                                        <p:tgtEl>
+                                          <p:spTgt spid="15"/>
+                                        </p:tgtEl>
+                                        <p:attrNameLst>
+                                          <p:attrName>style.visibility</p:attrName>
+                                        </p:attrNameLst>
+                                      </p:cBhvr>
+                                      <p:to>
+                                        <p:strVal val="visible"/>
+                                      </p:to>
+                                    </p:set>
+                                    <p:anim calcmode="lin" valueType="num">
+                                      <p:cBhvr>
+                                        <p:cTn id="57" dur="500" fill="hold"/>
+                                        <p:tgtEl>
+                                          <p:spTgt spid="15"/>
+                                        </p:tgtEl>
+                                        <p:attrNameLst>
+                                          <p:attrName>ppt_w</p:attrName>
+                                        </p:attrNameLst>
+                                      </p:cBhvr>
+                                      <p:tavLst>
+                                        <p:tav tm="0">
+                                          <p:val>
+                                            <p:fltVal val="0"/>
+                                          </p:val>
+                                        </p:tav>
+                                        <p:tav tm="100000">
+                                          <p:val>
+                                            <p:strVal val="#ppt_w"/>
+                                          </p:val>
+                                        </p:tav>
+                                      </p:tavLst>
+                                    </p:anim>
+                                    <p:anim calcmode="lin" valueType="num">
+                                      <p:cBhvr>
+                                        <p:cTn id="58" dur="500" fill="hold"/>
+                                        <p:tgtEl>
+                                          <p:spTgt spid="15"/>
+                                        </p:tgtEl>
+                                        <p:attrNameLst>
+                                          <p:attrName>ppt_h</p:attrName>
+                                        </p:attrNameLst>
+                                      </p:cBhvr>
+                                      <p:tavLst>
+                                        <p:tav tm="0">
+                                          <p:val>
+                                            <p:fltVal val="0"/>
+                                          </p:val>
+                                        </p:tav>
+                                        <p:tav tm="100000">
+                                          <p:val>
+                                            <p:strVal val="#ppt_h"/>
+                                          </p:val>
+                                        </p:tav>
+                                      </p:tavLst>
+                                    </p:anim>
+                                    <p:animEffect transition="in" filter="fade">
+                                      <p:cBhvr>
+                                        <p:cTn id="59" dur="500"/>
+                                        <p:tgtEl>
+                                          <p:spTgt spid="15"/>
+                                        </p:tgtEl>
+                                      </p:cBhvr>
+                                    </p:animEffect>
+                                  </p:childTnLst>
+                                </p:cTn>
+                              </p:par>
+                            </p:childTnLst>
+                          </p:cTn>
+                        </p:par>
+                        <p:par>
+                          <p:cTn id="60" fill="hold">
+                            <p:stCondLst>
+                              <p:cond delay="10500"/>
+                            </p:stCondLst>
+                            <p:childTnLst>
+                              <p:par>
+                                <p:cTn id="61" presetID="16" presetClass="entr" presetSubtype="21" fill="hold" grpId="0" nodeType="afterEffect">
+                                  <p:stCondLst>
+                                    <p:cond delay="0"/>
+                                  </p:stCondLst>
+                                  <p:childTnLst>
+                                    <p:set>
+                                      <p:cBhvr>
+                                        <p:cTn id="62" dur="1" fill="hold">
+                                          <p:stCondLst>
+                                            <p:cond delay="0"/>
+                                          </p:stCondLst>
+                                        </p:cTn>
+                                        <p:tgtEl>
+                                          <p:spTgt spid="16"/>
+                                        </p:tgtEl>
+                                        <p:attrNameLst>
+                                          <p:attrName>style.visibility</p:attrName>
+                                        </p:attrNameLst>
+                                      </p:cBhvr>
+                                      <p:to>
+                                        <p:strVal val="visible"/>
+                                      </p:to>
+                                    </p:set>
+                                    <p:animEffect transition="in" filter="barn(inVertical)">
+                                      <p:cBhvr>
+                                        <p:cTn id="63" dur="500"/>
+                                        <p:tgtEl>
+                                          <p:spTgt spid="16"/>
+                                        </p:tgtEl>
+                                      </p:cBhvr>
+                                    </p:animEffect>
+                                  </p:childTnLst>
+                                </p:cTn>
+                              </p:par>
+                            </p:childTnLst>
+                          </p:cTn>
+                        </p:par>
+                      </p:childTnLst>
+                    </p:cTn>
+                  </p:par>
+                </p:childTnLst>
+              </p:cTn>
+              <p:prevCondLst>
+                <p:cond evt="onPrev" delay="0">
+                  <p:tgtEl>
+                    <p:sldTgt/>
+                  </p:tgtEl>
+                </p:cond>
+              </p:prevCondLst>
+              <p:nextCondLst>
+                <p:cond evt="onNext" delay="0">
+                  <p:tgtEl>
+                    <p:sldTgt/>
+                  </p:tgtEl>
+                </p:cond>
+              </p:nextCondLst>
+            </p:seq>
+          </p:childTnLst>
+        </p:cTn>
+      </p:par>
+    </p:tnLst>
+    <p:bldLst>
+      <p:bldP spid="6" grpId="0" animBg="1"/>
+      <p:bldP spid="7" grpId="0"/>
+      <p:bldP spid="8" grpId="0" animBg="1"/>
+      <p:bldP spid="9" grpId="0"/>
+      <p:bldP spid="22" grpId="0" animBg="1"/>
+      <p:bldP spid="23" grpId="0"/>
+      <p:bldP spid="24" grpId="0" animBg="1"/>
+      <p:bldP spid="25" grpId="0"/>
+      <p:bldP spid="26" grpId="0" animBg="1"/>
+      <p:bldP spid="27" grpId="0"/>
+      <p:bldP spid="15" grpId="0" animBg="1"/>
+      <p:bldP spid="16" grpId="0"/>
+    </p:bldLst>
+  </p:timing>
 </p:sld>
 </file>
 
@@ -6914,7 +8930,7 @@
             </a:pPr>
             <a:r>
               <a:rPr lang="en-US" dirty="0"/>
-              <a:t>Enroll user and store JWT.</a:t>
+              <a:t>Enroll user and store the JWT.</a:t>
             </a:r>
           </a:p>
           <a:p>
@@ -6924,15 +8940,7 @@
             </a:pPr>
             <a:r>
               <a:rPr lang="en-US" dirty="0"/>
-              <a:t>Fetch the nearby events based on the user location by querying the </a:t>
-            </a:r>
-            <a:r>
-              <a:rPr lang="en-US" dirty="0" err="1"/>
-              <a:t>chaincode</a:t>
-            </a:r>
-            <a:r>
-              <a:rPr lang="en-US" dirty="0"/>
-              <a:t>.</a:t>
+              <a:t>Fetch the nearby events based on the user location by querying the blockchain.</a:t>
             </a:r>
           </a:p>
           <a:p>
@@ -7174,7 +9182,12 @@
             <p:ph idx="1"/>
           </p:nvPr>
         </p:nvSpPr>
-        <p:spPr/>
+        <p:spPr>
+          <a:xfrm>
+            <a:off x="431800" y="900000"/>
+            <a:ext cx="7308552" cy="3420000"/>
+          </a:xfrm>
+        </p:spPr>
         <p:txBody>
           <a:bodyPr/>
           <a:lstStyle/>
@@ -7219,31 +9232,36 @@
           </a:p>
         </p:txBody>
       </p:sp>
-      <p:sp>
-        <p:nvSpPr>
-          <p:cNvPr id="4" name="Content Placeholder 3">
+      <p:pic>
+        <p:nvPicPr>
+          <p:cNvPr id="5" name="Picture 4">
             <a:extLst>
               <a:ext uri="{FF2B5EF4-FFF2-40B4-BE49-F238E27FC236}">
-                <a16:creationId xmlns:a16="http://schemas.microsoft.com/office/drawing/2014/main" id="{7AA0BF79-3205-4FEE-96BF-D05D6F52B1A4}"/>
+                <a16:creationId xmlns:a16="http://schemas.microsoft.com/office/drawing/2014/main" id="{14CA4A91-A704-46DC-85F3-37FA70A9D784}"/>
               </a:ext>
             </a:extLst>
           </p:cNvPr>
-          <p:cNvSpPr>
-            <a:spLocks noGrp="1"/>
-          </p:cNvSpPr>
-          <p:nvPr>
-            <p:ph idx="10"/>
-          </p:nvPr>
-        </p:nvSpPr>
-        <p:spPr/>
-        <p:txBody>
-          <a:bodyPr/>
-          <a:lstStyle/>
-          <a:p>
-            <a:endParaRPr lang="en-US" dirty="0"/>
-          </a:p>
-        </p:txBody>
-      </p:sp>
+          <p:cNvPicPr>
+            <a:picLocks noChangeAspect="1"/>
+          </p:cNvPicPr>
+          <p:nvPr/>
+        </p:nvPicPr>
+        <p:blipFill>
+          <a:blip r:embed="rId2"/>
+          <a:stretch>
+            <a:fillRect/>
+          </a:stretch>
+        </p:blipFill>
+        <p:spPr>
+          <a:xfrm>
+            <a:off x="539552" y="2211710"/>
+            <a:ext cx="7848872" cy="1723159"/>
+          </a:xfrm>
+          <a:prstGeom prst="rect">
+            <a:avLst/>
+          </a:prstGeom>
+        </p:spPr>
+      </p:pic>
     </p:spTree>
     <p:extLst>
       <p:ext uri="{BB962C8B-B14F-4D97-AF65-F5344CB8AC3E}">
@@ -7258,7 +9276,7 @@
 </file>
 
 <file path=ppt/slides/slide23.xml><?xml version="1.0" encoding="utf-8"?>
-<p:sld xmlns:a="http://schemas.openxmlformats.org/drawingml/2006/main" xmlns:r="http://schemas.openxmlformats.org/officeDocument/2006/relationships" xmlns:p="http://schemas.openxmlformats.org/presentationml/2006/main">
+<p:sld xmlns:a="http://schemas.openxmlformats.org/drawingml/2006/main" xmlns:r="http://schemas.openxmlformats.org/officeDocument/2006/relationships" xmlns:p="http://schemas.openxmlformats.org/presentationml/2006/main" show="0">
   <p:cSld>
     <p:spTree>
       <p:nvGrpSpPr>
@@ -7321,7 +9339,7 @@
         <p:spPr>
           <a:xfrm>
             <a:off x="431800" y="900000"/>
-            <a:ext cx="4284216" cy="3420000"/>
+            <a:ext cx="5004296" cy="3420000"/>
           </a:xfrm>
         </p:spPr>
         <p:txBody>
@@ -7335,6 +9353,16 @@
             <a:r>
               <a:rPr lang="en-US" dirty="0"/>
               <a:t>The main activity automatically fetches the events from the blockchain based on the location.</a:t>
+            </a:r>
+          </a:p>
+          <a:p>
+            <a:pPr marL="285750" indent="-285750">
+              <a:buFont typeface="Arial" panose="020B0604020202020204" pitchFamily="34" charset="0"/>
+              <a:buChar char="•"/>
+            </a:pPr>
+            <a:r>
+              <a:rPr lang="en-US" dirty="0"/>
+              <a:t>Data is fetched as JSON Object.</a:t>
             </a:r>
           </a:p>
           <a:p>
@@ -7374,31 +9402,38 @@
           </a:p>
         </p:txBody>
       </p:sp>
-      <p:sp>
-        <p:nvSpPr>
-          <p:cNvPr id="4" name="Content Placeholder 3">
+      <p:pic>
+        <p:nvPicPr>
+          <p:cNvPr id="5" name="Content Placeholder 4">
             <a:extLst>
               <a:ext uri="{FF2B5EF4-FFF2-40B4-BE49-F238E27FC236}">
-                <a16:creationId xmlns:a16="http://schemas.microsoft.com/office/drawing/2014/main" id="{2F2981B4-569F-4557-A204-21FD54694F48}"/>
+                <a16:creationId xmlns:a16="http://schemas.microsoft.com/office/drawing/2014/main" id="{A5B43905-FF36-4592-ACCB-684F64BCC784}"/>
               </a:ext>
             </a:extLst>
           </p:cNvPr>
-          <p:cNvSpPr>
-            <a:spLocks noGrp="1"/>
-          </p:cNvSpPr>
+          <p:cNvPicPr>
+            <a:picLocks noGrp="1" noChangeAspect="1"/>
+          </p:cNvPicPr>
           <p:nvPr>
             <p:ph idx="10"/>
           </p:nvPr>
-        </p:nvSpPr>
-        <p:spPr/>
-        <p:txBody>
-          <a:bodyPr/>
-          <a:lstStyle/>
-          <a:p>
-            <a:endParaRPr lang="en-US" dirty="0"/>
-          </a:p>
-        </p:txBody>
-      </p:sp>
+        </p:nvPicPr>
+        <p:blipFill>
+          <a:blip r:embed="rId2"/>
+          <a:stretch>
+            <a:fillRect/>
+          </a:stretch>
+        </p:blipFill>
+        <p:spPr>
+          <a:xfrm>
+            <a:off x="5868144" y="843559"/>
+            <a:ext cx="2026149" cy="3476030"/>
+          </a:xfrm>
+          <a:prstGeom prst="rect">
+            <a:avLst/>
+          </a:prstGeom>
+        </p:spPr>
+      </p:pic>
     </p:spTree>
     <p:extLst>
       <p:ext uri="{BB962C8B-B14F-4D97-AF65-F5344CB8AC3E}">
@@ -7489,7 +9524,17 @@
             </a:pPr>
             <a:r>
               <a:rPr lang="en-US" dirty="0"/>
-              <a:t>The user could simply rank the events by voting them up/down and adding photos with comments. </a:t>
+              <a:t>The users could simply rank the events by voting them up/down.</a:t>
+            </a:r>
+          </a:p>
+          <a:p>
+            <a:pPr marL="285750" indent="-285750">
+              <a:buFont typeface="Arial" panose="020B0604020202020204" pitchFamily="34" charset="0"/>
+              <a:buChar char="•"/>
+            </a:pPr>
+            <a:r>
+              <a:rPr lang="en-US" dirty="0"/>
+              <a:t>In addition, they could also add photos and comments. </a:t>
             </a:r>
           </a:p>
           <a:p>
@@ -7521,31 +9566,38 @@
           </a:p>
         </p:txBody>
       </p:sp>
-      <p:sp>
-        <p:nvSpPr>
-          <p:cNvPr id="4" name="Content Placeholder 3">
+      <p:pic>
+        <p:nvPicPr>
+          <p:cNvPr id="5" name="Content Placeholder 4">
             <a:extLst>
               <a:ext uri="{FF2B5EF4-FFF2-40B4-BE49-F238E27FC236}">
-                <a16:creationId xmlns:a16="http://schemas.microsoft.com/office/drawing/2014/main" id="{2F2981B4-569F-4557-A204-21FD54694F48}"/>
+                <a16:creationId xmlns:a16="http://schemas.microsoft.com/office/drawing/2014/main" id="{161C3ACF-A666-42BF-AB13-5263A4E46886}"/>
               </a:ext>
             </a:extLst>
           </p:cNvPr>
-          <p:cNvSpPr>
-            <a:spLocks noGrp="1"/>
-          </p:cNvSpPr>
+          <p:cNvPicPr>
+            <a:picLocks noGrp="1" noChangeAspect="1"/>
+          </p:cNvPicPr>
           <p:nvPr>
             <p:ph idx="10"/>
           </p:nvPr>
-        </p:nvSpPr>
-        <p:spPr/>
-        <p:txBody>
-          <a:bodyPr/>
-          <a:lstStyle/>
-          <a:p>
-            <a:endParaRPr lang="en-US" dirty="0"/>
-          </a:p>
-        </p:txBody>
-      </p:sp>
+        </p:nvPicPr>
+        <p:blipFill>
+          <a:blip r:embed="rId2"/>
+          <a:stretch>
+            <a:fillRect/>
+          </a:stretch>
+        </p:blipFill>
+        <p:spPr>
+          <a:xfrm>
+            <a:off x="5868144" y="875516"/>
+            <a:ext cx="1728192" cy="3419475"/>
+          </a:xfrm>
+          <a:prstGeom prst="rect">
+            <a:avLst/>
+          </a:prstGeom>
+        </p:spPr>
+      </p:pic>
     </p:spTree>
     <p:extLst>
       <p:ext uri="{BB962C8B-B14F-4D97-AF65-F5344CB8AC3E}">
@@ -7702,7 +9754,7 @@
           </p:nvPr>
         </p:nvPicPr>
         <p:blipFill>
-          <a:blip r:embed="rId2"/>
+          <a:blip r:embed="rId3"/>
           <a:stretch>
             <a:fillRect/>
           </a:stretch>
@@ -7847,7 +9899,7 @@
             </a:pPr>
             <a:r>
               <a:rPr lang="en-US" dirty="0"/>
-              <a:t>The algorithm considers the users rank and location trustworthiness. </a:t>
+              <a:t>The algorithm considers the users rank and location trustworthiness(How Close). </a:t>
             </a:r>
           </a:p>
           <a:p>
@@ -7857,7 +9909,7 @@
             </a:pPr>
             <a:r>
               <a:rPr lang="en-US" dirty="0"/>
-              <a:t>What easily influence the user’s reputation. Is getting good/bad reviews from the highly ranked users.</a:t>
+              <a:t>What easily influences the user’s reputation. Is getting good/bad reviews from the highly ranked users.</a:t>
             </a:r>
           </a:p>
           <a:p>
@@ -7954,188 +10006,10 @@
       </p:grpSpPr>
       <p:sp>
         <p:nvSpPr>
-          <p:cNvPr id="2" name="Title 1"/>
-          <p:cNvSpPr>
-            <a:spLocks noGrp="1"/>
-          </p:cNvSpPr>
-          <p:nvPr>
-            <p:ph type="title"/>
-          </p:nvPr>
-        </p:nvSpPr>
-        <p:spPr>
-          <a:xfrm>
-            <a:off x="431800" y="83344"/>
-            <a:ext cx="8375650" cy="544190"/>
-          </a:xfrm>
-        </p:spPr>
-        <p:txBody>
-          <a:bodyPr/>
-          <a:lstStyle/>
-          <a:p>
-            <a:r>
-              <a:rPr lang="en-US" dirty="0"/>
-              <a:t>Future Work</a:t>
-            </a:r>
-          </a:p>
-        </p:txBody>
-      </p:sp>
-      <p:sp>
-        <p:nvSpPr>
-          <p:cNvPr id="3" name="Content Placeholder 2"/>
-          <p:cNvSpPr>
-            <a:spLocks noGrp="1"/>
-          </p:cNvSpPr>
-          <p:nvPr>
-            <p:ph idx="1"/>
-          </p:nvPr>
-        </p:nvSpPr>
-        <p:spPr>
-          <a:xfrm>
-            <a:off x="323528" y="818244"/>
-            <a:ext cx="2736304" cy="3543016"/>
-          </a:xfrm>
-        </p:spPr>
-        <p:txBody>
-          <a:bodyPr/>
-          <a:lstStyle/>
-          <a:p>
-            <a:pPr marL="342900" indent="-342900">
-              <a:buFont typeface="+mj-lt"/>
-              <a:buAutoNum type="arabicPeriod"/>
-            </a:pPr>
-            <a:r>
-              <a:rPr lang="en-US" sz="1400" dirty="0"/>
-              <a:t>As it’s permissioned we could make a community and adding roles to the users. </a:t>
-            </a:r>
-          </a:p>
-          <a:p>
-            <a:pPr marL="342900" indent="-342900">
-              <a:buFont typeface="+mj-lt"/>
-              <a:buAutoNum type="arabicPeriod"/>
-            </a:pPr>
-            <a:r>
-              <a:rPr lang="en-US" sz="1400" dirty="0"/>
-              <a:t>Researchers verifiers, administrators. </a:t>
-            </a:r>
-          </a:p>
-          <a:p>
-            <a:pPr marL="342900" indent="-342900">
-              <a:buFont typeface="+mj-lt"/>
-              <a:buAutoNum type="arabicPeriod"/>
-            </a:pPr>
-            <a:r>
-              <a:rPr lang="en-US" sz="1400" dirty="0"/>
-              <a:t>Preventing users with bad reputation to post or vote. </a:t>
-            </a:r>
-          </a:p>
-          <a:p>
-            <a:pPr marL="342900" indent="-342900">
-              <a:buFont typeface="+mj-lt"/>
-              <a:buAutoNum type="arabicPeriod"/>
-            </a:pPr>
-            <a:r>
-              <a:rPr lang="en-US" sz="1400" dirty="0"/>
-              <a:t>Integrating machine learning more data and resources. </a:t>
-            </a:r>
-          </a:p>
-          <a:p>
-            <a:pPr marL="342900" indent="-342900">
-              <a:buFont typeface="+mj-lt"/>
-              <a:buAutoNum type="arabicPeriod"/>
-            </a:pPr>
-            <a:r>
-              <a:rPr lang="en-US" sz="1400" dirty="0"/>
-              <a:t>Making a community and based on the rank giving high privilege to the users, that they could delete posts or ban users. </a:t>
-            </a:r>
-          </a:p>
-          <a:p>
-            <a:endParaRPr lang="en-US" dirty="0"/>
-          </a:p>
-          <a:p>
-            <a:pPr marL="342900" indent="-342900">
-              <a:buFont typeface="+mj-lt"/>
-              <a:buAutoNum type="arabicPeriod"/>
-            </a:pPr>
-            <a:endParaRPr lang="en-US" dirty="0"/>
-          </a:p>
-          <a:p>
-            <a:endParaRPr lang="en-US" dirty="0"/>
-          </a:p>
-          <a:p>
-            <a:endParaRPr lang="en-US" dirty="0"/>
-          </a:p>
-        </p:txBody>
-      </p:sp>
-    </p:spTree>
-    <p:extLst>
-      <p:ext uri="{BB962C8B-B14F-4D97-AF65-F5344CB8AC3E}">
-        <p14:creationId xmlns:p14="http://schemas.microsoft.com/office/powerpoint/2010/main" val="2071561067"/>
-      </p:ext>
-    </p:extLst>
-  </p:cSld>
-  <p:clrMapOvr>
-    <a:masterClrMapping/>
-  </p:clrMapOvr>
-  <mc:AlternateContent xmlns:mc="http://schemas.openxmlformats.org/markup-compatibility/2006" xmlns:p14="http://schemas.microsoft.com/office/powerpoint/2010/main">
-    <mc:Choice Requires="p14">
-      <p:transition spd="med" p14:dur="700">
-        <p:fade/>
-      </p:transition>
-    </mc:Choice>
-    <mc:Fallback xmlns="">
-      <p:transition xmlns:p14="http://schemas.microsoft.com/office/powerpoint/2010/main" spd="med">
-        <p:fade/>
-      </p:transition>
-    </mc:Fallback>
-  </mc:AlternateContent>
-</p:sld>
-</file>
-
-<file path=ppt/slides/slide28.xml><?xml version="1.0" encoding="utf-8"?>
-<p:sld xmlns:a="http://schemas.openxmlformats.org/drawingml/2006/main" xmlns:r="http://schemas.openxmlformats.org/officeDocument/2006/relationships" xmlns:p="http://schemas.openxmlformats.org/presentationml/2006/main">
-  <p:cSld>
-    <p:spTree>
-      <p:nvGrpSpPr>
-        <p:cNvPr id="1" name=""/>
-        <p:cNvGrpSpPr/>
-        <p:nvPr/>
-      </p:nvGrpSpPr>
-      <p:grpSpPr>
-        <a:xfrm>
-          <a:off x="0" y="0"/>
-          <a:ext cx="0" cy="0"/>
-          <a:chOff x="0" y="0"/>
-          <a:chExt cx="0" cy="0"/>
-        </a:xfrm>
-      </p:grpSpPr>
-      <p:sp>
-        <p:nvSpPr>
-          <p:cNvPr id="2" name="Title 1"/>
-          <p:cNvSpPr>
-            <a:spLocks noGrp="1"/>
-          </p:cNvSpPr>
-          <p:nvPr>
-            <p:ph type="title"/>
-          </p:nvPr>
-        </p:nvSpPr>
-        <p:spPr/>
-        <p:txBody>
-          <a:bodyPr/>
-          <a:lstStyle/>
-          <a:p>
-            <a:r>
-              <a:rPr lang="en-US" dirty="0"/>
-              <a:t>Future work</a:t>
-            </a:r>
-          </a:p>
-        </p:txBody>
-      </p:sp>
-      <p:sp>
-        <p:nvSpPr>
-          <p:cNvPr id="4" name="Content Placeholder 3">
+          <p:cNvPr id="2" name="Title 1">
             <a:extLst>
               <a:ext uri="{FF2B5EF4-FFF2-40B4-BE49-F238E27FC236}">
-                <a16:creationId xmlns:a16="http://schemas.microsoft.com/office/drawing/2014/main" id="{7C7A97C7-1962-486F-892E-F4D256EDDA75}"/>
+                <a16:creationId xmlns:a16="http://schemas.microsoft.com/office/drawing/2014/main" id="{86CE09F2-5A5E-4765-8480-3BE94F36E133}"/>
               </a:ext>
             </a:extLst>
           </p:cNvPr>
@@ -8143,7 +10017,7 @@
             <a:spLocks noGrp="1"/>
           </p:cNvSpPr>
           <p:nvPr>
-            <p:ph idx="1"/>
+            <p:ph type="title"/>
           </p:nvPr>
         </p:nvSpPr>
         <p:spPr/>
@@ -8155,73 +10029,12 @@
           </a:p>
         </p:txBody>
       </p:sp>
-    </p:spTree>
-    <p:extLst>
-      <p:ext uri="{BB962C8B-B14F-4D97-AF65-F5344CB8AC3E}">
-        <p14:creationId xmlns:p14="http://schemas.microsoft.com/office/powerpoint/2010/main" val="1484138966"/>
-      </p:ext>
-    </p:extLst>
-  </p:cSld>
-  <p:clrMapOvr>
-    <a:masterClrMapping/>
-  </p:clrMapOvr>
-  <mc:AlternateContent xmlns:mc="http://schemas.openxmlformats.org/markup-compatibility/2006" xmlns:p14="http://schemas.microsoft.com/office/powerpoint/2010/main">
-    <mc:Choice Requires="p14">
-      <p:transition spd="med" p14:dur="700">
-        <p:fade/>
-      </p:transition>
-    </mc:Choice>
-    <mc:Fallback xmlns="">
-      <p:transition xmlns:p14="http://schemas.microsoft.com/office/powerpoint/2010/main" spd="med">
-        <p:fade/>
-      </p:transition>
-    </mc:Fallback>
-  </mc:AlternateContent>
-</p:sld>
-</file>
-
-<file path=ppt/slides/slide3.xml><?xml version="1.0" encoding="utf-8"?>
-<p:sld xmlns:a="http://schemas.openxmlformats.org/drawingml/2006/main" xmlns:r="http://schemas.openxmlformats.org/officeDocument/2006/relationships" xmlns:p="http://schemas.openxmlformats.org/presentationml/2006/main">
-  <p:cSld>
-    <p:spTree>
-      <p:nvGrpSpPr>
-        <p:cNvPr id="1" name=""/>
-        <p:cNvGrpSpPr/>
-        <p:nvPr/>
-      </p:nvGrpSpPr>
-      <p:grpSpPr>
-        <a:xfrm>
-          <a:off x="0" y="0"/>
-          <a:ext cx="0" cy="0"/>
-          <a:chOff x="0" y="0"/>
-          <a:chExt cx="0" cy="0"/>
-        </a:xfrm>
-      </p:grpSpPr>
-      <p:sp>
-        <p:nvSpPr>
-          <p:cNvPr id="20485" name="Rectangle 5"/>
-          <p:cNvSpPr>
-            <a:spLocks noGrp="1" noChangeArrowheads="1"/>
-          </p:cNvSpPr>
-          <p:nvPr>
-            <p:ph type="title"/>
-          </p:nvPr>
-        </p:nvSpPr>
-        <p:spPr/>
-        <p:txBody>
-          <a:bodyPr/>
-          <a:lstStyle/>
-          <a:p>
-            <a:endParaRPr lang="de-DE" dirty="0"/>
-          </a:p>
-        </p:txBody>
-      </p:sp>
-      <p:sp>
-        <p:nvSpPr>
-          <p:cNvPr id="3" name="Text Placeholder 2">
+      <p:sp>
+        <p:nvSpPr>
+          <p:cNvPr id="3" name="Content Placeholder 2">
             <a:extLst>
               <a:ext uri="{FF2B5EF4-FFF2-40B4-BE49-F238E27FC236}">
-                <a16:creationId xmlns:a16="http://schemas.microsoft.com/office/drawing/2014/main" id="{118B4F6B-2B85-4F93-9C9C-7E9179F16FA9}"/>
+                <a16:creationId xmlns:a16="http://schemas.microsoft.com/office/drawing/2014/main" id="{EEDA7EBA-8355-487D-BCD0-CB4F8498ACBF}"/>
               </a:ext>
             </a:extLst>
           </p:cNvPr>
@@ -8229,7 +10042,7 @@
             <a:spLocks noGrp="1"/>
           </p:cNvSpPr>
           <p:nvPr>
-            <p:ph type="body" idx="1"/>
+            <p:ph idx="1"/>
           </p:nvPr>
         </p:nvSpPr>
         <p:spPr/>
@@ -8243,10 +10056,10 @@
       </p:sp>
       <p:sp>
         <p:nvSpPr>
-          <p:cNvPr id="13" name="Oval 12">
+          <p:cNvPr id="4" name="Oval 3">
             <a:extLst>
               <a:ext uri="{FF2B5EF4-FFF2-40B4-BE49-F238E27FC236}">
-                <a16:creationId xmlns:a16="http://schemas.microsoft.com/office/drawing/2014/main" id="{BAF52EA8-5215-40EF-88FE-425A45601935}"/>
+                <a16:creationId xmlns:a16="http://schemas.microsoft.com/office/drawing/2014/main" id="{4849ECFB-C863-48E4-B2F3-E3B46333BD1A}"/>
               </a:ext>
             </a:extLst>
           </p:cNvPr>
@@ -8297,6 +10110,762 @@
       </p:sp>
       <p:sp>
         <p:nvSpPr>
+          <p:cNvPr id="5" name="TextBox 4">
+            <a:extLst>
+              <a:ext uri="{FF2B5EF4-FFF2-40B4-BE49-F238E27FC236}">
+                <a16:creationId xmlns:a16="http://schemas.microsoft.com/office/drawing/2014/main" id="{96F97057-EF6B-412D-A1DB-408189A51708}"/>
+              </a:ext>
+            </a:extLst>
+          </p:cNvPr>
+          <p:cNvSpPr txBox="1"/>
+          <p:nvPr/>
+        </p:nvSpPr>
+        <p:spPr>
+          <a:xfrm>
+            <a:off x="1648003" y="1916132"/>
+            <a:ext cx="6911439" cy="553998"/>
+          </a:xfrm>
+          <a:prstGeom prst="rect">
+            <a:avLst/>
+          </a:prstGeom>
+          <a:noFill/>
+        </p:spPr>
+        <p:txBody>
+          <a:bodyPr wrap="square" rtlCol="0">
+            <a:spAutoFit/>
+          </a:bodyPr>
+          <a:lstStyle/>
+          <a:p>
+            <a:r>
+              <a:rPr lang="en-US" b="1" dirty="0">
+                <a:solidFill>
+                  <a:srgbClr val="C00000"/>
+                </a:solidFill>
+                <a:latin typeface="Century Gothic" panose="020B0502020202020204" pitchFamily="34" charset="0"/>
+              </a:rPr>
+              <a:t>5- Issues, Future Work and Conclusion</a:t>
+            </a:r>
+          </a:p>
+          <a:p>
+            <a:r>
+              <a:rPr lang="en-US" sz="1200" dirty="0">
+                <a:latin typeface="Century Gothic" panose="020B0502020202020204" pitchFamily="34" charset="0"/>
+              </a:rPr>
+              <a:t>Warp up all what have been discussed, Issues and Future work.</a:t>
+            </a:r>
+          </a:p>
+        </p:txBody>
+      </p:sp>
+    </p:spTree>
+    <p:extLst>
+      <p:ext uri="{BB962C8B-B14F-4D97-AF65-F5344CB8AC3E}">
+        <p14:creationId xmlns:p14="http://schemas.microsoft.com/office/powerpoint/2010/main" val="3530877288"/>
+      </p:ext>
+    </p:extLst>
+  </p:cSld>
+  <p:clrMapOvr>
+    <a:masterClrMapping/>
+  </p:clrMapOvr>
+  <p:timing>
+    <p:tnLst>
+      <p:par>
+        <p:cTn id="1" dur="indefinite" restart="never" nodeType="tmRoot">
+          <p:childTnLst>
+            <p:seq concurrent="1" nextAc="seek">
+              <p:cTn id="2" dur="indefinite" nodeType="mainSeq">
+                <p:childTnLst>
+                  <p:par>
+                    <p:cTn id="3" fill="hold">
+                      <p:stCondLst>
+                        <p:cond delay="indefinite"/>
+                        <p:cond evt="onBegin" delay="0">
+                          <p:tn val="2"/>
+                        </p:cond>
+                      </p:stCondLst>
+                      <p:childTnLst>
+                        <p:par>
+                          <p:cTn id="4" fill="hold">
+                            <p:stCondLst>
+                              <p:cond delay="0"/>
+                            </p:stCondLst>
+                            <p:childTnLst>
+                              <p:par>
+                                <p:cTn id="5" presetID="53" presetClass="entr" presetSubtype="16" fill="hold" grpId="0" nodeType="afterEffect">
+                                  <p:stCondLst>
+                                    <p:cond delay="500"/>
+                                  </p:stCondLst>
+                                  <p:childTnLst>
+                                    <p:set>
+                                      <p:cBhvr>
+                                        <p:cTn id="6" dur="1" fill="hold">
+                                          <p:stCondLst>
+                                            <p:cond delay="0"/>
+                                          </p:stCondLst>
+                                        </p:cTn>
+                                        <p:tgtEl>
+                                          <p:spTgt spid="4"/>
+                                        </p:tgtEl>
+                                        <p:attrNameLst>
+                                          <p:attrName>style.visibility</p:attrName>
+                                        </p:attrNameLst>
+                                      </p:cBhvr>
+                                      <p:to>
+                                        <p:strVal val="visible"/>
+                                      </p:to>
+                                    </p:set>
+                                    <p:anim calcmode="lin" valueType="num">
+                                      <p:cBhvr>
+                                        <p:cTn id="7" dur="500" fill="hold"/>
+                                        <p:tgtEl>
+                                          <p:spTgt spid="4"/>
+                                        </p:tgtEl>
+                                        <p:attrNameLst>
+                                          <p:attrName>ppt_w</p:attrName>
+                                        </p:attrNameLst>
+                                      </p:cBhvr>
+                                      <p:tavLst>
+                                        <p:tav tm="0">
+                                          <p:val>
+                                            <p:fltVal val="0"/>
+                                          </p:val>
+                                        </p:tav>
+                                        <p:tav tm="100000">
+                                          <p:val>
+                                            <p:strVal val="#ppt_w"/>
+                                          </p:val>
+                                        </p:tav>
+                                      </p:tavLst>
+                                    </p:anim>
+                                    <p:anim calcmode="lin" valueType="num">
+                                      <p:cBhvr>
+                                        <p:cTn id="8" dur="500" fill="hold"/>
+                                        <p:tgtEl>
+                                          <p:spTgt spid="4"/>
+                                        </p:tgtEl>
+                                        <p:attrNameLst>
+                                          <p:attrName>ppt_h</p:attrName>
+                                        </p:attrNameLst>
+                                      </p:cBhvr>
+                                      <p:tavLst>
+                                        <p:tav tm="0">
+                                          <p:val>
+                                            <p:fltVal val="0"/>
+                                          </p:val>
+                                        </p:tav>
+                                        <p:tav tm="100000">
+                                          <p:val>
+                                            <p:strVal val="#ppt_h"/>
+                                          </p:val>
+                                        </p:tav>
+                                      </p:tavLst>
+                                    </p:anim>
+                                    <p:animEffect transition="in" filter="fade">
+                                      <p:cBhvr>
+                                        <p:cTn id="9" dur="500"/>
+                                        <p:tgtEl>
+                                          <p:spTgt spid="4"/>
+                                        </p:tgtEl>
+                                      </p:cBhvr>
+                                    </p:animEffect>
+                                  </p:childTnLst>
+                                </p:cTn>
+                              </p:par>
+                            </p:childTnLst>
+                          </p:cTn>
+                        </p:par>
+                        <p:par>
+                          <p:cTn id="10" fill="hold">
+                            <p:stCondLst>
+                              <p:cond delay="1000"/>
+                            </p:stCondLst>
+                            <p:childTnLst>
+                              <p:par>
+                                <p:cTn id="11" presetID="16" presetClass="entr" presetSubtype="21" fill="hold" grpId="0" nodeType="afterEffect">
+                                  <p:stCondLst>
+                                    <p:cond delay="0"/>
+                                  </p:stCondLst>
+                                  <p:childTnLst>
+                                    <p:set>
+                                      <p:cBhvr>
+                                        <p:cTn id="12" dur="1" fill="hold">
+                                          <p:stCondLst>
+                                            <p:cond delay="0"/>
+                                          </p:stCondLst>
+                                        </p:cTn>
+                                        <p:tgtEl>
+                                          <p:spTgt spid="5"/>
+                                        </p:tgtEl>
+                                        <p:attrNameLst>
+                                          <p:attrName>style.visibility</p:attrName>
+                                        </p:attrNameLst>
+                                      </p:cBhvr>
+                                      <p:to>
+                                        <p:strVal val="visible"/>
+                                      </p:to>
+                                    </p:set>
+                                    <p:animEffect transition="in" filter="barn(inVertical)">
+                                      <p:cBhvr>
+                                        <p:cTn id="13" dur="500"/>
+                                        <p:tgtEl>
+                                          <p:spTgt spid="5"/>
+                                        </p:tgtEl>
+                                      </p:cBhvr>
+                                    </p:animEffect>
+                                  </p:childTnLst>
+                                </p:cTn>
+                              </p:par>
+                            </p:childTnLst>
+                          </p:cTn>
+                        </p:par>
+                      </p:childTnLst>
+                    </p:cTn>
+                  </p:par>
+                </p:childTnLst>
+              </p:cTn>
+              <p:prevCondLst>
+                <p:cond evt="onPrev" delay="0">
+                  <p:tgtEl>
+                    <p:sldTgt/>
+                  </p:tgtEl>
+                </p:cond>
+              </p:prevCondLst>
+              <p:nextCondLst>
+                <p:cond evt="onNext" delay="0">
+                  <p:tgtEl>
+                    <p:sldTgt/>
+                  </p:tgtEl>
+                </p:cond>
+              </p:nextCondLst>
+            </p:seq>
+          </p:childTnLst>
+        </p:cTn>
+      </p:par>
+    </p:tnLst>
+    <p:bldLst>
+      <p:bldP spid="4" grpId="0" animBg="1"/>
+      <p:bldP spid="5" grpId="0"/>
+    </p:bldLst>
+  </p:timing>
+</p:sld>
+</file>
+
+<file path=ppt/slides/slide28.xml><?xml version="1.0" encoding="utf-8"?>
+<p:sld xmlns:a="http://schemas.openxmlformats.org/drawingml/2006/main" xmlns:r="http://schemas.openxmlformats.org/officeDocument/2006/relationships" xmlns:p="http://schemas.openxmlformats.org/presentationml/2006/main">
+  <p:cSld>
+    <p:spTree>
+      <p:nvGrpSpPr>
+        <p:cNvPr id="1" name=""/>
+        <p:cNvGrpSpPr/>
+        <p:nvPr/>
+      </p:nvGrpSpPr>
+      <p:grpSpPr>
+        <a:xfrm>
+          <a:off x="0" y="0"/>
+          <a:ext cx="0" cy="0"/>
+          <a:chOff x="0" y="0"/>
+          <a:chExt cx="0" cy="0"/>
+        </a:xfrm>
+      </p:grpSpPr>
+      <p:sp>
+        <p:nvSpPr>
+          <p:cNvPr id="2" name="Title 1">
+            <a:extLst>
+              <a:ext uri="{FF2B5EF4-FFF2-40B4-BE49-F238E27FC236}">
+                <a16:creationId xmlns:a16="http://schemas.microsoft.com/office/drawing/2014/main" id="{ABCDB526-C322-488B-A961-5CA2212BC649}"/>
+              </a:ext>
+            </a:extLst>
+          </p:cNvPr>
+          <p:cNvSpPr>
+            <a:spLocks noGrp="1"/>
+          </p:cNvSpPr>
+          <p:nvPr>
+            <p:ph type="title"/>
+          </p:nvPr>
+        </p:nvSpPr>
+        <p:spPr/>
+        <p:txBody>
+          <a:bodyPr/>
+          <a:lstStyle/>
+          <a:p>
+            <a:r>
+              <a:rPr lang="en-US" dirty="0"/>
+              <a:t>Issues and open question </a:t>
+            </a:r>
+          </a:p>
+        </p:txBody>
+      </p:sp>
+      <p:sp>
+        <p:nvSpPr>
+          <p:cNvPr id="3" name="Content Placeholder 2">
+            <a:extLst>
+              <a:ext uri="{FF2B5EF4-FFF2-40B4-BE49-F238E27FC236}">
+                <a16:creationId xmlns:a16="http://schemas.microsoft.com/office/drawing/2014/main" id="{45BEDB69-2FA4-451E-BF31-B39E316EAFE0}"/>
+              </a:ext>
+            </a:extLst>
+          </p:cNvPr>
+          <p:cNvSpPr>
+            <a:spLocks noGrp="1"/>
+          </p:cNvSpPr>
+          <p:nvPr>
+            <p:ph idx="1"/>
+          </p:nvPr>
+        </p:nvSpPr>
+        <p:spPr>
+          <a:xfrm>
+            <a:off x="431800" y="900000"/>
+            <a:ext cx="4284216" cy="3420000"/>
+          </a:xfrm>
+        </p:spPr>
+        <p:txBody>
+          <a:bodyPr/>
+          <a:lstStyle/>
+          <a:p>
+            <a:endParaRPr lang="en-US" dirty="0"/>
+          </a:p>
+          <a:p>
+            <a:pPr marL="285750" indent="-285750">
+              <a:buFont typeface="Arial" panose="020B0604020202020204" pitchFamily="34" charset="0"/>
+              <a:buChar char="•"/>
+            </a:pPr>
+            <a:endParaRPr lang="en-US" dirty="0"/>
+          </a:p>
+          <a:p>
+            <a:pPr marL="285750" indent="-285750">
+              <a:buFont typeface="Arial" panose="020B0604020202020204" pitchFamily="34" charset="0"/>
+              <a:buChar char="•"/>
+            </a:pPr>
+            <a:endParaRPr lang="en-US" dirty="0"/>
+          </a:p>
+          <a:p>
+            <a:pPr marL="285750" indent="-285750">
+              <a:buFont typeface="Arial" panose="020B0604020202020204" pitchFamily="34" charset="0"/>
+              <a:buChar char="•"/>
+            </a:pPr>
+            <a:endParaRPr lang="en-US" dirty="0"/>
+          </a:p>
+          <a:p>
+            <a:pPr marL="285750" indent="-285750">
+              <a:buFont typeface="Arial" panose="020B0604020202020204" pitchFamily="34" charset="0"/>
+              <a:buChar char="•"/>
+            </a:pPr>
+            <a:endParaRPr lang="en-US" dirty="0"/>
+          </a:p>
+        </p:txBody>
+      </p:sp>
+      <p:sp>
+        <p:nvSpPr>
+          <p:cNvPr id="6" name="Content Placeholder 5">
+            <a:extLst>
+              <a:ext uri="{FF2B5EF4-FFF2-40B4-BE49-F238E27FC236}">
+                <a16:creationId xmlns:a16="http://schemas.microsoft.com/office/drawing/2014/main" id="{4BCB34D0-989B-40EA-8F36-B4A4588FCB71}"/>
+              </a:ext>
+            </a:extLst>
+          </p:cNvPr>
+          <p:cNvSpPr>
+            <a:spLocks noGrp="1"/>
+          </p:cNvSpPr>
+          <p:nvPr>
+            <p:ph idx="10"/>
+          </p:nvPr>
+        </p:nvSpPr>
+        <p:spPr>
+          <a:xfrm>
+            <a:off x="755576" y="823500"/>
+            <a:ext cx="8136456" cy="3496500"/>
+          </a:xfrm>
+        </p:spPr>
+        <p:txBody>
+          <a:bodyPr/>
+          <a:lstStyle/>
+          <a:p>
+            <a:r>
+              <a:rPr lang="en-US" dirty="0"/>
+              <a:t>1- Where should the SDK be installed from Architecture?</a:t>
+            </a:r>
+          </a:p>
+          <a:p>
+            <a:pPr lvl="3"/>
+            <a:r>
+              <a:rPr lang="en-US" dirty="0"/>
+              <a:t>On the server side where the </a:t>
+            </a:r>
+            <a:r>
+              <a:rPr lang="en-US" dirty="0" err="1"/>
+              <a:t>hyperledger</a:t>
+            </a:r>
+            <a:r>
+              <a:rPr lang="en-US" dirty="0"/>
+              <a:t> fabric lives? </a:t>
+            </a:r>
+          </a:p>
+          <a:p>
+            <a:pPr lvl="3"/>
+            <a:r>
+              <a:rPr lang="en-US" dirty="0"/>
+              <a:t>On the Client side (Android) no official support for an android SDK only GO, </a:t>
+            </a:r>
+            <a:r>
+              <a:rPr lang="en-US" dirty="0" err="1"/>
+              <a:t>javascript</a:t>
+            </a:r>
+            <a:r>
+              <a:rPr lang="en-US" dirty="0"/>
+              <a:t> and java.</a:t>
+            </a:r>
+          </a:p>
+          <a:p>
+            <a:pPr lvl="3"/>
+            <a:endParaRPr lang="en-US" dirty="0"/>
+          </a:p>
+          <a:p>
+            <a:pPr lvl="3"/>
+            <a:endParaRPr lang="en-US" dirty="0"/>
+          </a:p>
+        </p:txBody>
+      </p:sp>
+      <p:pic>
+        <p:nvPicPr>
+          <p:cNvPr id="4" name="Picture 3">
+            <a:extLst>
+              <a:ext uri="{FF2B5EF4-FFF2-40B4-BE49-F238E27FC236}">
+                <a16:creationId xmlns:a16="http://schemas.microsoft.com/office/drawing/2014/main" id="{97FEE13B-B5F2-4DDA-892A-250B47FB4570}"/>
+              </a:ext>
+            </a:extLst>
+          </p:cNvPr>
+          <p:cNvPicPr>
+            <a:picLocks noChangeAspect="1"/>
+          </p:cNvPicPr>
+          <p:nvPr/>
+        </p:nvPicPr>
+        <p:blipFill>
+          <a:blip r:embed="rId2"/>
+          <a:stretch>
+            <a:fillRect/>
+          </a:stretch>
+        </p:blipFill>
+        <p:spPr>
+          <a:xfrm>
+            <a:off x="1997490" y="2060972"/>
+            <a:ext cx="5166798" cy="2182528"/>
+          </a:xfrm>
+          <a:prstGeom prst="rect">
+            <a:avLst/>
+          </a:prstGeom>
+        </p:spPr>
+      </p:pic>
+    </p:spTree>
+    <p:extLst>
+      <p:ext uri="{BB962C8B-B14F-4D97-AF65-F5344CB8AC3E}">
+        <p14:creationId xmlns:p14="http://schemas.microsoft.com/office/powerpoint/2010/main" val="1020981810"/>
+      </p:ext>
+    </p:extLst>
+  </p:cSld>
+  <p:clrMapOvr>
+    <a:masterClrMapping/>
+  </p:clrMapOvr>
+</p:sld>
+</file>
+
+<file path=ppt/slides/slide29.xml><?xml version="1.0" encoding="utf-8"?>
+<p:sld xmlns:a="http://schemas.openxmlformats.org/drawingml/2006/main" xmlns:r="http://schemas.openxmlformats.org/officeDocument/2006/relationships" xmlns:p="http://schemas.openxmlformats.org/presentationml/2006/main">
+  <p:cSld>
+    <p:spTree>
+      <p:nvGrpSpPr>
+        <p:cNvPr id="1" name=""/>
+        <p:cNvGrpSpPr/>
+        <p:nvPr/>
+      </p:nvGrpSpPr>
+      <p:grpSpPr>
+        <a:xfrm>
+          <a:off x="0" y="0"/>
+          <a:ext cx="0" cy="0"/>
+          <a:chOff x="0" y="0"/>
+          <a:chExt cx="0" cy="0"/>
+        </a:xfrm>
+      </p:grpSpPr>
+      <p:sp>
+        <p:nvSpPr>
+          <p:cNvPr id="2" name="Title 1">
+            <a:extLst>
+              <a:ext uri="{FF2B5EF4-FFF2-40B4-BE49-F238E27FC236}">
+                <a16:creationId xmlns:a16="http://schemas.microsoft.com/office/drawing/2014/main" id="{C14984C1-2E9D-4AB1-8E7E-58C3CA56DC5C}"/>
+              </a:ext>
+            </a:extLst>
+          </p:cNvPr>
+          <p:cNvSpPr>
+            <a:spLocks noGrp="1"/>
+          </p:cNvSpPr>
+          <p:nvPr>
+            <p:ph type="title"/>
+          </p:nvPr>
+        </p:nvSpPr>
+        <p:spPr/>
+        <p:txBody>
+          <a:bodyPr/>
+          <a:lstStyle/>
+          <a:p>
+            <a:r>
+              <a:rPr lang="en-US" dirty="0"/>
+              <a:t>Abstracting The Network  </a:t>
+            </a:r>
+          </a:p>
+        </p:txBody>
+      </p:sp>
+      <p:sp>
+        <p:nvSpPr>
+          <p:cNvPr id="3" name="Content Placeholder 2">
+            <a:extLst>
+              <a:ext uri="{FF2B5EF4-FFF2-40B4-BE49-F238E27FC236}">
+                <a16:creationId xmlns:a16="http://schemas.microsoft.com/office/drawing/2014/main" id="{34264946-0944-4AF5-9ED4-212A6BB08763}"/>
+              </a:ext>
+            </a:extLst>
+          </p:cNvPr>
+          <p:cNvSpPr>
+            <a:spLocks noGrp="1"/>
+          </p:cNvSpPr>
+          <p:nvPr>
+            <p:ph idx="1"/>
+          </p:nvPr>
+        </p:nvSpPr>
+        <p:spPr/>
+        <p:txBody>
+          <a:bodyPr/>
+          <a:lstStyle/>
+          <a:p>
+            <a:pPr marL="342900" indent="-342900">
+              <a:buFont typeface="+mj-lt"/>
+              <a:buAutoNum type="arabicPeriod"/>
+            </a:pPr>
+            <a:r>
+              <a:rPr lang="en-US" dirty="0"/>
+              <a:t>No Officially supported SDK for Android. </a:t>
+            </a:r>
+          </a:p>
+          <a:p>
+            <a:pPr marL="342900" indent="-342900">
+              <a:buFont typeface="+mj-lt"/>
+              <a:buAutoNum type="arabicPeriod"/>
+            </a:pPr>
+            <a:r>
+              <a:rPr lang="en-US" dirty="0"/>
+              <a:t>Abstract the client the knowledge of </a:t>
+            </a:r>
+            <a:r>
+              <a:rPr lang="en-US" dirty="0" err="1"/>
+              <a:t>hyperledger</a:t>
+            </a:r>
+            <a:r>
+              <a:rPr lang="en-US" dirty="0"/>
+              <a:t> fabric. </a:t>
+            </a:r>
+          </a:p>
+          <a:p>
+            <a:pPr marL="342900" indent="-342900">
+              <a:buFont typeface="+mj-lt"/>
+              <a:buAutoNum type="arabicPeriod"/>
+            </a:pPr>
+            <a:r>
+              <a:rPr lang="en-US" dirty="0"/>
+              <a:t>Standardizing the communication using APIs. </a:t>
+            </a:r>
+          </a:p>
+          <a:p>
+            <a:pPr marL="342900" indent="-342900">
+              <a:buFont typeface="+mj-lt"/>
+              <a:buAutoNum type="arabicPeriod"/>
+            </a:pPr>
+            <a:r>
+              <a:rPr lang="en-US" dirty="0"/>
+              <a:t>Avoid the latency and restrict all the transaction flow on the internal network.</a:t>
+            </a:r>
+          </a:p>
+          <a:p>
+            <a:pPr marL="342900" indent="-342900">
+              <a:buFont typeface="+mj-lt"/>
+              <a:buAutoNum type="arabicPeriod"/>
+            </a:pPr>
+            <a:r>
+              <a:rPr lang="en-US" dirty="0"/>
+              <a:t>The communication will be encrypted using SSL certificate. </a:t>
+            </a:r>
+          </a:p>
+          <a:p>
+            <a:pPr marL="342900" indent="-342900">
+              <a:buFont typeface="+mj-lt"/>
+              <a:buAutoNum type="arabicPeriod"/>
+            </a:pPr>
+            <a:r>
+              <a:rPr lang="en-US" dirty="0"/>
+              <a:t>Avoid the unnecessary SDK Library size on the smartphone. </a:t>
+            </a:r>
+          </a:p>
+        </p:txBody>
+      </p:sp>
+      <p:pic>
+        <p:nvPicPr>
+          <p:cNvPr id="6" name="Content Placeholder 5">
+            <a:extLst>
+              <a:ext uri="{FF2B5EF4-FFF2-40B4-BE49-F238E27FC236}">
+                <a16:creationId xmlns:a16="http://schemas.microsoft.com/office/drawing/2014/main" id="{D2A62930-9611-4D21-99C4-275B3FF6E437}"/>
+              </a:ext>
+            </a:extLst>
+          </p:cNvPr>
+          <p:cNvPicPr>
+            <a:picLocks noGrp="1" noChangeAspect="1"/>
+          </p:cNvPicPr>
+          <p:nvPr>
+            <p:ph idx="10"/>
+          </p:nvPr>
+        </p:nvPicPr>
+        <p:blipFill>
+          <a:blip r:embed="rId2">
+            <a:extLst>
+              <a:ext uri="{28A0092B-C50C-407E-A947-70E740481C1C}">
+                <a14:useLocalDpi xmlns:a14="http://schemas.microsoft.com/office/drawing/2010/main" val="0"/>
+              </a:ext>
+            </a:extLst>
+          </a:blip>
+          <a:stretch>
+            <a:fillRect/>
+          </a:stretch>
+        </p:blipFill>
+        <p:spPr>
+          <a:xfrm>
+            <a:off x="4860032" y="1563638"/>
+            <a:ext cx="4032250" cy="1904947"/>
+          </a:xfrm>
+        </p:spPr>
+      </p:pic>
+    </p:spTree>
+    <p:extLst>
+      <p:ext uri="{BB962C8B-B14F-4D97-AF65-F5344CB8AC3E}">
+        <p14:creationId xmlns:p14="http://schemas.microsoft.com/office/powerpoint/2010/main" val="1096358487"/>
+      </p:ext>
+    </p:extLst>
+  </p:cSld>
+  <p:clrMapOvr>
+    <a:masterClrMapping/>
+  </p:clrMapOvr>
+</p:sld>
+</file>
+
+<file path=ppt/slides/slide3.xml><?xml version="1.0" encoding="utf-8"?>
+<p:sld xmlns:a="http://schemas.openxmlformats.org/drawingml/2006/main" xmlns:r="http://schemas.openxmlformats.org/officeDocument/2006/relationships" xmlns:p="http://schemas.openxmlformats.org/presentationml/2006/main">
+  <p:cSld>
+    <p:spTree>
+      <p:nvGrpSpPr>
+        <p:cNvPr id="1" name=""/>
+        <p:cNvGrpSpPr/>
+        <p:nvPr/>
+      </p:nvGrpSpPr>
+      <p:grpSpPr>
+        <a:xfrm>
+          <a:off x="0" y="0"/>
+          <a:ext cx="0" cy="0"/>
+          <a:chOff x="0" y="0"/>
+          <a:chExt cx="0" cy="0"/>
+        </a:xfrm>
+      </p:grpSpPr>
+      <p:sp>
+        <p:nvSpPr>
+          <p:cNvPr id="20485" name="Rectangle 5"/>
+          <p:cNvSpPr>
+            <a:spLocks noGrp="1" noChangeArrowheads="1"/>
+          </p:cNvSpPr>
+          <p:nvPr>
+            <p:ph type="title"/>
+          </p:nvPr>
+        </p:nvSpPr>
+        <p:spPr/>
+        <p:txBody>
+          <a:bodyPr/>
+          <a:lstStyle/>
+          <a:p>
+            <a:endParaRPr lang="de-DE" dirty="0"/>
+          </a:p>
+        </p:txBody>
+      </p:sp>
+      <p:sp>
+        <p:nvSpPr>
+          <p:cNvPr id="3" name="Text Placeholder 2">
+            <a:extLst>
+              <a:ext uri="{FF2B5EF4-FFF2-40B4-BE49-F238E27FC236}">
+                <a16:creationId xmlns:a16="http://schemas.microsoft.com/office/drawing/2014/main" id="{118B4F6B-2B85-4F93-9C9C-7E9179F16FA9}"/>
+              </a:ext>
+            </a:extLst>
+          </p:cNvPr>
+          <p:cNvSpPr>
+            <a:spLocks noGrp="1"/>
+          </p:cNvSpPr>
+          <p:nvPr>
+            <p:ph type="body" idx="1"/>
+          </p:nvPr>
+        </p:nvSpPr>
+        <p:spPr/>
+        <p:txBody>
+          <a:bodyPr/>
+          <a:lstStyle/>
+          <a:p>
+            <a:endParaRPr lang="en-US" dirty="0"/>
+          </a:p>
+        </p:txBody>
+      </p:sp>
+      <p:sp>
+        <p:nvSpPr>
+          <p:cNvPr id="13" name="Oval 12">
+            <a:extLst>
+              <a:ext uri="{FF2B5EF4-FFF2-40B4-BE49-F238E27FC236}">
+                <a16:creationId xmlns:a16="http://schemas.microsoft.com/office/drawing/2014/main" id="{BAF52EA8-5215-40EF-88FE-425A45601935}"/>
+              </a:ext>
+            </a:extLst>
+          </p:cNvPr>
+          <p:cNvSpPr/>
+          <p:nvPr/>
+        </p:nvSpPr>
+        <p:spPr>
+          <a:xfrm>
+            <a:off x="611560" y="1814513"/>
+            <a:ext cx="757237" cy="757237"/>
+          </a:xfrm>
+          <a:prstGeom prst="ellipse">
+            <a:avLst/>
+          </a:prstGeom>
+          <a:solidFill>
+            <a:srgbClr val="C00000"/>
+          </a:solidFill>
+          <a:ln w="76200">
+            <a:solidFill>
+              <a:schemeClr val="bg1"/>
+            </a:solidFill>
+          </a:ln>
+        </p:spPr>
+        <p:style>
+          <a:lnRef idx="2">
+            <a:schemeClr val="accent1">
+              <a:shade val="50000"/>
+            </a:schemeClr>
+          </a:lnRef>
+          <a:fillRef idx="1">
+            <a:schemeClr val="accent1"/>
+          </a:fillRef>
+          <a:effectRef idx="0">
+            <a:schemeClr val="accent1"/>
+          </a:effectRef>
+          <a:fontRef idx="minor">
+            <a:schemeClr val="lt1"/>
+          </a:fontRef>
+        </p:style>
+        <p:txBody>
+          <a:bodyPr rtlCol="0" anchor="ctr"/>
+          <a:lstStyle/>
+          <a:p>
+            <a:pPr algn="ctr"/>
+            <a:endParaRPr lang="en-US"/>
+          </a:p>
+        </p:txBody>
+      </p:sp>
+      <p:sp>
+        <p:nvSpPr>
           <p:cNvPr id="14" name="TextBox 13">
             <a:extLst>
               <a:ext uri="{FF2B5EF4-FFF2-40B4-BE49-F238E27FC236}">
@@ -8330,7 +10899,7 @@
                 </a:solidFill>
                 <a:latin typeface="Century Gothic" panose="020B0502020202020204" pitchFamily="34" charset="0"/>
               </a:rPr>
-              <a:t>1 Introduction</a:t>
+              <a:t>1- Introduction</a:t>
             </a:r>
           </a:p>
           <a:p>
@@ -8539,6 +11108,649 @@
 </p:sld>
 </file>
 
+<file path=ppt/slides/slide30.xml><?xml version="1.0" encoding="utf-8"?>
+<p:sld xmlns:a="http://schemas.openxmlformats.org/drawingml/2006/main" xmlns:r="http://schemas.openxmlformats.org/officeDocument/2006/relationships" xmlns:p="http://schemas.openxmlformats.org/presentationml/2006/main">
+  <p:cSld>
+    <p:spTree>
+      <p:nvGrpSpPr>
+        <p:cNvPr id="1" name=""/>
+        <p:cNvGrpSpPr/>
+        <p:nvPr/>
+      </p:nvGrpSpPr>
+      <p:grpSpPr>
+        <a:xfrm>
+          <a:off x="0" y="0"/>
+          <a:ext cx="0" cy="0"/>
+          <a:chOff x="0" y="0"/>
+          <a:chExt cx="0" cy="0"/>
+        </a:xfrm>
+      </p:grpSpPr>
+      <p:sp>
+        <p:nvSpPr>
+          <p:cNvPr id="2" name="Title 1"/>
+          <p:cNvSpPr>
+            <a:spLocks noGrp="1"/>
+          </p:cNvSpPr>
+          <p:nvPr>
+            <p:ph type="title"/>
+          </p:nvPr>
+        </p:nvSpPr>
+        <p:spPr>
+          <a:xfrm>
+            <a:off x="431800" y="83344"/>
+            <a:ext cx="8375650" cy="544190"/>
+          </a:xfrm>
+        </p:spPr>
+        <p:txBody>
+          <a:bodyPr/>
+          <a:lstStyle/>
+          <a:p>
+            <a:r>
+              <a:rPr lang="en-US" dirty="0"/>
+              <a:t>Future Work</a:t>
+            </a:r>
+          </a:p>
+        </p:txBody>
+      </p:sp>
+      <p:sp>
+        <p:nvSpPr>
+          <p:cNvPr id="3" name="Content Placeholder 2"/>
+          <p:cNvSpPr>
+            <a:spLocks noGrp="1"/>
+          </p:cNvSpPr>
+          <p:nvPr>
+            <p:ph idx="1"/>
+          </p:nvPr>
+        </p:nvSpPr>
+        <p:spPr>
+          <a:xfrm>
+            <a:off x="323528" y="818244"/>
+            <a:ext cx="7488832" cy="3543016"/>
+          </a:xfrm>
+        </p:spPr>
+        <p:txBody>
+          <a:bodyPr/>
+          <a:lstStyle/>
+          <a:p>
+            <a:pPr marL="342900" indent="-342900">
+              <a:buFont typeface="+mj-lt"/>
+              <a:buAutoNum type="arabicPeriod"/>
+            </a:pPr>
+            <a:r>
+              <a:rPr lang="en-US" sz="1800" dirty="0"/>
+              <a:t>As it’s permissioned we could make a community and adding roles to the users. </a:t>
+            </a:r>
+          </a:p>
+          <a:p>
+            <a:pPr marL="342900" indent="-342900">
+              <a:buFont typeface="+mj-lt"/>
+              <a:buAutoNum type="arabicPeriod"/>
+            </a:pPr>
+            <a:r>
+              <a:rPr lang="en-US" sz="1800" dirty="0"/>
+              <a:t>Such As Researchers, Verifiers and Administrators . </a:t>
+            </a:r>
+          </a:p>
+          <a:p>
+            <a:pPr marL="342900" indent="-342900">
+              <a:buFont typeface="+mj-lt"/>
+              <a:buAutoNum type="arabicPeriod"/>
+            </a:pPr>
+            <a:r>
+              <a:rPr lang="en-US" sz="1800" dirty="0"/>
+              <a:t>Making a community and based on the reputation we grant more privileges to the users, that they could delete posts or ban other users. </a:t>
+            </a:r>
+          </a:p>
+          <a:p>
+            <a:pPr marL="342900" indent="-342900">
+              <a:buFont typeface="+mj-lt"/>
+              <a:buAutoNum type="arabicPeriod"/>
+            </a:pPr>
+            <a:r>
+              <a:rPr lang="en-US" sz="1800" dirty="0"/>
+              <a:t>Preventing users with bad reputation from posting or voting. </a:t>
+            </a:r>
+          </a:p>
+          <a:p>
+            <a:pPr marL="342900" indent="-342900">
+              <a:buFont typeface="+mj-lt"/>
+              <a:buAutoNum type="arabicPeriod"/>
+            </a:pPr>
+            <a:r>
+              <a:rPr lang="en-US" sz="1800" dirty="0"/>
+              <a:t>Integrating machine learning once having more data and resources based on users behaviors. </a:t>
+            </a:r>
+          </a:p>
+          <a:p>
+            <a:endParaRPr lang="en-US" dirty="0"/>
+          </a:p>
+          <a:p>
+            <a:pPr marL="342900" indent="-342900">
+              <a:buFont typeface="+mj-lt"/>
+              <a:buAutoNum type="arabicPeriod"/>
+            </a:pPr>
+            <a:endParaRPr lang="en-US" dirty="0"/>
+          </a:p>
+          <a:p>
+            <a:endParaRPr lang="en-US" dirty="0"/>
+          </a:p>
+          <a:p>
+            <a:endParaRPr lang="en-US" dirty="0"/>
+          </a:p>
+        </p:txBody>
+      </p:sp>
+    </p:spTree>
+    <p:extLst>
+      <p:ext uri="{BB962C8B-B14F-4D97-AF65-F5344CB8AC3E}">
+        <p14:creationId xmlns:p14="http://schemas.microsoft.com/office/powerpoint/2010/main" val="2071561067"/>
+      </p:ext>
+    </p:extLst>
+  </p:cSld>
+  <p:clrMapOvr>
+    <a:masterClrMapping/>
+  </p:clrMapOvr>
+  <mc:AlternateContent xmlns:mc="http://schemas.openxmlformats.org/markup-compatibility/2006" xmlns:p14="http://schemas.microsoft.com/office/powerpoint/2010/main">
+    <mc:Choice Requires="p14">
+      <p:transition spd="med" p14:dur="700">
+        <p:fade/>
+      </p:transition>
+    </mc:Choice>
+    <mc:Fallback xmlns="">
+      <p:transition xmlns:p14="http://schemas.microsoft.com/office/powerpoint/2010/main" spd="med">
+        <p:fade/>
+      </p:transition>
+    </mc:Fallback>
+  </mc:AlternateContent>
+</p:sld>
+</file>
+
+<file path=ppt/slides/slide31.xml><?xml version="1.0" encoding="utf-8"?>
+<p:sld xmlns:a="http://schemas.openxmlformats.org/drawingml/2006/main" xmlns:r="http://schemas.openxmlformats.org/officeDocument/2006/relationships" xmlns:p="http://schemas.openxmlformats.org/presentationml/2006/main">
+  <p:cSld>
+    <p:spTree>
+      <p:nvGrpSpPr>
+        <p:cNvPr id="1" name=""/>
+        <p:cNvGrpSpPr/>
+        <p:nvPr/>
+      </p:nvGrpSpPr>
+      <p:grpSpPr>
+        <a:xfrm>
+          <a:off x="0" y="0"/>
+          <a:ext cx="0" cy="0"/>
+          <a:chOff x="0" y="0"/>
+          <a:chExt cx="0" cy="0"/>
+        </a:xfrm>
+      </p:grpSpPr>
+      <p:sp>
+        <p:nvSpPr>
+          <p:cNvPr id="2" name="Title 1">
+            <a:extLst>
+              <a:ext uri="{FF2B5EF4-FFF2-40B4-BE49-F238E27FC236}">
+                <a16:creationId xmlns:a16="http://schemas.microsoft.com/office/drawing/2014/main" id="{1BC3E400-7CB0-4C4B-9A54-03570601A6B6}"/>
+              </a:ext>
+            </a:extLst>
+          </p:cNvPr>
+          <p:cNvSpPr>
+            <a:spLocks noGrp="1"/>
+          </p:cNvSpPr>
+          <p:nvPr>
+            <p:ph type="title"/>
+          </p:nvPr>
+        </p:nvSpPr>
+        <p:spPr/>
+        <p:txBody>
+          <a:bodyPr/>
+          <a:lstStyle/>
+          <a:p>
+            <a:r>
+              <a:rPr lang="en-US" dirty="0"/>
+              <a:t>Conclusion</a:t>
+            </a:r>
+          </a:p>
+        </p:txBody>
+      </p:sp>
+      <p:sp>
+        <p:nvSpPr>
+          <p:cNvPr id="3" name="Text Placeholder 2">
+            <a:extLst>
+              <a:ext uri="{FF2B5EF4-FFF2-40B4-BE49-F238E27FC236}">
+                <a16:creationId xmlns:a16="http://schemas.microsoft.com/office/drawing/2014/main" id="{372B361B-1B7C-4F0A-97C2-6F089674251D}"/>
+              </a:ext>
+            </a:extLst>
+          </p:cNvPr>
+          <p:cNvSpPr>
+            <a:spLocks noGrp="1"/>
+          </p:cNvSpPr>
+          <p:nvPr>
+            <p:ph type="body" idx="1"/>
+          </p:nvPr>
+        </p:nvSpPr>
+        <p:spPr>
+          <a:xfrm>
+            <a:off x="431800" y="1004888"/>
+            <a:ext cx="8415638" cy="3467100"/>
+          </a:xfrm>
+        </p:spPr>
+        <p:txBody>
+          <a:bodyPr/>
+          <a:lstStyle/>
+          <a:p>
+            <a:pPr marL="285750" indent="-285750">
+              <a:buFont typeface="Arial" panose="020B0604020202020204" pitchFamily="34" charset="0"/>
+              <a:buChar char="•"/>
+            </a:pPr>
+            <a:r>
+              <a:rPr lang="en-US" sz="2000" dirty="0"/>
+              <a:t>A very promising Technology, However it requires more maturity.</a:t>
+            </a:r>
+          </a:p>
+          <a:p>
+            <a:pPr marL="285750" indent="-285750">
+              <a:buFont typeface="Arial" panose="020B0604020202020204" pitchFamily="34" charset="0"/>
+              <a:buChar char="•"/>
+            </a:pPr>
+            <a:r>
+              <a:rPr lang="en-US" sz="2000" dirty="0"/>
+              <a:t>A complex to solution and requires a concrete understanding of different technologies.</a:t>
+            </a:r>
+          </a:p>
+          <a:p>
+            <a:pPr marL="285750" indent="-285750">
+              <a:buFont typeface="Arial" panose="020B0604020202020204" pitchFamily="34" charset="0"/>
+              <a:buChar char="•"/>
+            </a:pPr>
+            <a:r>
+              <a:rPr lang="en-US" sz="2000" dirty="0"/>
+              <a:t>The application could be scaled.</a:t>
+            </a:r>
+          </a:p>
+          <a:p>
+            <a:pPr marL="285750" indent="-285750">
+              <a:buFont typeface="Arial" panose="020B0604020202020204" pitchFamily="34" charset="0"/>
+              <a:buChar char="•"/>
+            </a:pPr>
+            <a:r>
+              <a:rPr lang="en-US" sz="2000" dirty="0"/>
+              <a:t>Easily integrate a more complex business logic.</a:t>
+            </a:r>
+          </a:p>
+        </p:txBody>
+      </p:sp>
+    </p:spTree>
+    <p:extLst>
+      <p:ext uri="{BB962C8B-B14F-4D97-AF65-F5344CB8AC3E}">
+        <p14:creationId xmlns:p14="http://schemas.microsoft.com/office/powerpoint/2010/main" val="3045355715"/>
+      </p:ext>
+    </p:extLst>
+  </p:cSld>
+  <p:clrMapOvr>
+    <a:masterClrMapping/>
+  </p:clrMapOvr>
+</p:sld>
+</file>
+
+<file path=ppt/slides/slide32.xml><?xml version="1.0" encoding="utf-8"?>
+<p:sld xmlns:a="http://schemas.openxmlformats.org/drawingml/2006/main" xmlns:r="http://schemas.openxmlformats.org/officeDocument/2006/relationships" xmlns:p="http://schemas.openxmlformats.org/presentationml/2006/main">
+  <p:cSld>
+    <p:spTree>
+      <p:nvGrpSpPr>
+        <p:cNvPr id="1" name=""/>
+        <p:cNvGrpSpPr/>
+        <p:nvPr/>
+      </p:nvGrpSpPr>
+      <p:grpSpPr>
+        <a:xfrm>
+          <a:off x="0" y="0"/>
+          <a:ext cx="0" cy="0"/>
+          <a:chOff x="0" y="0"/>
+          <a:chExt cx="0" cy="0"/>
+        </a:xfrm>
+      </p:grpSpPr>
+      <p:sp>
+        <p:nvSpPr>
+          <p:cNvPr id="2" name="Title 1">
+            <a:extLst>
+              <a:ext uri="{FF2B5EF4-FFF2-40B4-BE49-F238E27FC236}">
+                <a16:creationId xmlns:a16="http://schemas.microsoft.com/office/drawing/2014/main" id="{86CE09F2-5A5E-4765-8480-3BE94F36E133}"/>
+              </a:ext>
+            </a:extLst>
+          </p:cNvPr>
+          <p:cNvSpPr>
+            <a:spLocks noGrp="1"/>
+          </p:cNvSpPr>
+          <p:nvPr>
+            <p:ph type="title"/>
+          </p:nvPr>
+        </p:nvSpPr>
+        <p:spPr/>
+        <p:txBody>
+          <a:bodyPr/>
+          <a:lstStyle/>
+          <a:p>
+            <a:endParaRPr lang="en-US" dirty="0"/>
+          </a:p>
+        </p:txBody>
+      </p:sp>
+      <p:sp>
+        <p:nvSpPr>
+          <p:cNvPr id="3" name="Content Placeholder 2">
+            <a:extLst>
+              <a:ext uri="{FF2B5EF4-FFF2-40B4-BE49-F238E27FC236}">
+                <a16:creationId xmlns:a16="http://schemas.microsoft.com/office/drawing/2014/main" id="{EEDA7EBA-8355-487D-BCD0-CB4F8498ACBF}"/>
+              </a:ext>
+            </a:extLst>
+          </p:cNvPr>
+          <p:cNvSpPr>
+            <a:spLocks noGrp="1"/>
+          </p:cNvSpPr>
+          <p:nvPr>
+            <p:ph idx="1"/>
+          </p:nvPr>
+        </p:nvSpPr>
+        <p:spPr/>
+        <p:txBody>
+          <a:bodyPr/>
+          <a:lstStyle/>
+          <a:p>
+            <a:endParaRPr lang="en-US" dirty="0"/>
+          </a:p>
+        </p:txBody>
+      </p:sp>
+      <p:sp>
+        <p:nvSpPr>
+          <p:cNvPr id="4" name="Oval 3">
+            <a:extLst>
+              <a:ext uri="{FF2B5EF4-FFF2-40B4-BE49-F238E27FC236}">
+                <a16:creationId xmlns:a16="http://schemas.microsoft.com/office/drawing/2014/main" id="{4849ECFB-C863-48E4-B2F3-E3B46333BD1A}"/>
+              </a:ext>
+            </a:extLst>
+          </p:cNvPr>
+          <p:cNvSpPr/>
+          <p:nvPr/>
+        </p:nvSpPr>
+        <p:spPr>
+          <a:xfrm>
+            <a:off x="611560" y="1814513"/>
+            <a:ext cx="757237" cy="757237"/>
+          </a:xfrm>
+          <a:prstGeom prst="ellipse">
+            <a:avLst/>
+          </a:prstGeom>
+          <a:solidFill>
+            <a:srgbClr val="C00000"/>
+          </a:solidFill>
+          <a:ln w="76200">
+            <a:solidFill>
+              <a:schemeClr val="bg1"/>
+            </a:solidFill>
+          </a:ln>
+        </p:spPr>
+        <p:style>
+          <a:lnRef idx="2">
+            <a:schemeClr val="accent1">
+              <a:shade val="50000"/>
+            </a:schemeClr>
+          </a:lnRef>
+          <a:fillRef idx="1">
+            <a:schemeClr val="accent1"/>
+          </a:fillRef>
+          <a:effectRef idx="0">
+            <a:schemeClr val="accent1"/>
+          </a:effectRef>
+          <a:fontRef idx="minor">
+            <a:schemeClr val="lt1"/>
+          </a:fontRef>
+        </p:style>
+        <p:txBody>
+          <a:bodyPr rtlCol="0" anchor="ctr"/>
+          <a:lstStyle/>
+          <a:p>
+            <a:pPr algn="ctr"/>
+            <a:endParaRPr lang="en-US"/>
+          </a:p>
+        </p:txBody>
+      </p:sp>
+      <p:sp>
+        <p:nvSpPr>
+          <p:cNvPr id="5" name="TextBox 4">
+            <a:extLst>
+              <a:ext uri="{FF2B5EF4-FFF2-40B4-BE49-F238E27FC236}">
+                <a16:creationId xmlns:a16="http://schemas.microsoft.com/office/drawing/2014/main" id="{96F97057-EF6B-412D-A1DB-408189A51708}"/>
+              </a:ext>
+            </a:extLst>
+          </p:cNvPr>
+          <p:cNvSpPr txBox="1"/>
+          <p:nvPr/>
+        </p:nvSpPr>
+        <p:spPr>
+          <a:xfrm>
+            <a:off x="1725461" y="1916132"/>
+            <a:ext cx="6911439" cy="553998"/>
+          </a:xfrm>
+          <a:prstGeom prst="rect">
+            <a:avLst/>
+          </a:prstGeom>
+          <a:noFill/>
+        </p:spPr>
+        <p:txBody>
+          <a:bodyPr wrap="square" rtlCol="0">
+            <a:spAutoFit/>
+          </a:bodyPr>
+          <a:lstStyle/>
+          <a:p>
+            <a:r>
+              <a:rPr lang="en-US" b="1" dirty="0">
+                <a:solidFill>
+                  <a:srgbClr val="C00000"/>
+                </a:solidFill>
+                <a:latin typeface="Century Gothic" panose="020B0502020202020204" pitchFamily="34" charset="0"/>
+              </a:rPr>
+              <a:t>5- Demo </a:t>
+            </a:r>
+          </a:p>
+          <a:p>
+            <a:r>
+              <a:rPr lang="en-US" sz="1200" dirty="0">
+                <a:latin typeface="Century Gothic" panose="020B0502020202020204" pitchFamily="34" charset="0"/>
+              </a:rPr>
+              <a:t>A live demonstration for the application capability. </a:t>
+            </a:r>
+          </a:p>
+        </p:txBody>
+      </p:sp>
+    </p:spTree>
+    <p:extLst>
+      <p:ext uri="{BB962C8B-B14F-4D97-AF65-F5344CB8AC3E}">
+        <p14:creationId xmlns:p14="http://schemas.microsoft.com/office/powerpoint/2010/main" val="202084612"/>
+      </p:ext>
+    </p:extLst>
+  </p:cSld>
+  <p:clrMapOvr>
+    <a:masterClrMapping/>
+  </p:clrMapOvr>
+  <p:timing>
+    <p:tnLst>
+      <p:par>
+        <p:cTn id="1" dur="indefinite" restart="never" nodeType="tmRoot">
+          <p:childTnLst>
+            <p:seq concurrent="1" nextAc="seek">
+              <p:cTn id="2" dur="indefinite" nodeType="mainSeq">
+                <p:childTnLst>
+                  <p:par>
+                    <p:cTn id="3" fill="hold">
+                      <p:stCondLst>
+                        <p:cond delay="indefinite"/>
+                        <p:cond evt="onBegin" delay="0">
+                          <p:tn val="2"/>
+                        </p:cond>
+                      </p:stCondLst>
+                      <p:childTnLst>
+                        <p:par>
+                          <p:cTn id="4" fill="hold">
+                            <p:stCondLst>
+                              <p:cond delay="0"/>
+                            </p:stCondLst>
+                            <p:childTnLst>
+                              <p:par>
+                                <p:cTn id="5" presetID="53" presetClass="entr" presetSubtype="16" fill="hold" grpId="0" nodeType="afterEffect">
+                                  <p:stCondLst>
+                                    <p:cond delay="500"/>
+                                  </p:stCondLst>
+                                  <p:childTnLst>
+                                    <p:set>
+                                      <p:cBhvr>
+                                        <p:cTn id="6" dur="1" fill="hold">
+                                          <p:stCondLst>
+                                            <p:cond delay="0"/>
+                                          </p:stCondLst>
+                                        </p:cTn>
+                                        <p:tgtEl>
+                                          <p:spTgt spid="4"/>
+                                        </p:tgtEl>
+                                        <p:attrNameLst>
+                                          <p:attrName>style.visibility</p:attrName>
+                                        </p:attrNameLst>
+                                      </p:cBhvr>
+                                      <p:to>
+                                        <p:strVal val="visible"/>
+                                      </p:to>
+                                    </p:set>
+                                    <p:anim calcmode="lin" valueType="num">
+                                      <p:cBhvr>
+                                        <p:cTn id="7" dur="500" fill="hold"/>
+                                        <p:tgtEl>
+                                          <p:spTgt spid="4"/>
+                                        </p:tgtEl>
+                                        <p:attrNameLst>
+                                          <p:attrName>ppt_w</p:attrName>
+                                        </p:attrNameLst>
+                                      </p:cBhvr>
+                                      <p:tavLst>
+                                        <p:tav tm="0">
+                                          <p:val>
+                                            <p:fltVal val="0"/>
+                                          </p:val>
+                                        </p:tav>
+                                        <p:tav tm="100000">
+                                          <p:val>
+                                            <p:strVal val="#ppt_w"/>
+                                          </p:val>
+                                        </p:tav>
+                                      </p:tavLst>
+                                    </p:anim>
+                                    <p:anim calcmode="lin" valueType="num">
+                                      <p:cBhvr>
+                                        <p:cTn id="8" dur="500" fill="hold"/>
+                                        <p:tgtEl>
+                                          <p:spTgt spid="4"/>
+                                        </p:tgtEl>
+                                        <p:attrNameLst>
+                                          <p:attrName>ppt_h</p:attrName>
+                                        </p:attrNameLst>
+                                      </p:cBhvr>
+                                      <p:tavLst>
+                                        <p:tav tm="0">
+                                          <p:val>
+                                            <p:fltVal val="0"/>
+                                          </p:val>
+                                        </p:tav>
+                                        <p:tav tm="100000">
+                                          <p:val>
+                                            <p:strVal val="#ppt_h"/>
+                                          </p:val>
+                                        </p:tav>
+                                      </p:tavLst>
+                                    </p:anim>
+                                    <p:animEffect transition="in" filter="fade">
+                                      <p:cBhvr>
+                                        <p:cTn id="9" dur="500"/>
+                                        <p:tgtEl>
+                                          <p:spTgt spid="4"/>
+                                        </p:tgtEl>
+                                      </p:cBhvr>
+                                    </p:animEffect>
+                                  </p:childTnLst>
+                                </p:cTn>
+                              </p:par>
+                            </p:childTnLst>
+                          </p:cTn>
+                        </p:par>
+                        <p:par>
+                          <p:cTn id="10" fill="hold">
+                            <p:stCondLst>
+                              <p:cond delay="1000"/>
+                            </p:stCondLst>
+                            <p:childTnLst>
+                              <p:par>
+                                <p:cTn id="11" presetID="16" presetClass="entr" presetSubtype="21" fill="hold" grpId="0" nodeType="afterEffect">
+                                  <p:stCondLst>
+                                    <p:cond delay="0"/>
+                                  </p:stCondLst>
+                                  <p:childTnLst>
+                                    <p:set>
+                                      <p:cBhvr>
+                                        <p:cTn id="12" dur="1" fill="hold">
+                                          <p:stCondLst>
+                                            <p:cond delay="0"/>
+                                          </p:stCondLst>
+                                        </p:cTn>
+                                        <p:tgtEl>
+                                          <p:spTgt spid="5"/>
+                                        </p:tgtEl>
+                                        <p:attrNameLst>
+                                          <p:attrName>style.visibility</p:attrName>
+                                        </p:attrNameLst>
+                                      </p:cBhvr>
+                                      <p:to>
+                                        <p:strVal val="visible"/>
+                                      </p:to>
+                                    </p:set>
+                                    <p:animEffect transition="in" filter="barn(inVertical)">
+                                      <p:cBhvr>
+                                        <p:cTn id="13" dur="500"/>
+                                        <p:tgtEl>
+                                          <p:spTgt spid="5"/>
+                                        </p:tgtEl>
+                                      </p:cBhvr>
+                                    </p:animEffect>
+                                  </p:childTnLst>
+                                </p:cTn>
+                              </p:par>
+                            </p:childTnLst>
+                          </p:cTn>
+                        </p:par>
+                      </p:childTnLst>
+                    </p:cTn>
+                  </p:par>
+                </p:childTnLst>
+              </p:cTn>
+              <p:prevCondLst>
+                <p:cond evt="onPrev" delay="0">
+                  <p:tgtEl>
+                    <p:sldTgt/>
+                  </p:tgtEl>
+                </p:cond>
+              </p:prevCondLst>
+              <p:nextCondLst>
+                <p:cond evt="onNext" delay="0">
+                  <p:tgtEl>
+                    <p:sldTgt/>
+                  </p:tgtEl>
+                </p:cond>
+              </p:nextCondLst>
+            </p:seq>
+          </p:childTnLst>
+        </p:cTn>
+      </p:par>
+    </p:tnLst>
+    <p:bldLst>
+      <p:bldP spid="4" grpId="0" animBg="1"/>
+      <p:bldP spid="5" grpId="0"/>
+    </p:bldLst>
+  </p:timing>
+</p:sld>
+</file>
+
 <file path=ppt/slides/slide4.xml><?xml version="1.0" encoding="utf-8"?>
 <p:sld xmlns:a="http://schemas.openxmlformats.org/drawingml/2006/main" xmlns:r="http://schemas.openxmlformats.org/officeDocument/2006/relationships" xmlns:p="http://schemas.openxmlformats.org/presentationml/2006/main">
   <p:cSld>
@@ -8595,8 +11807,8 @@
         </p:nvSpPr>
         <p:spPr>
           <a:xfrm>
-            <a:off x="323528" y="818244"/>
-            <a:ext cx="2736304" cy="3543016"/>
+            <a:off x="323527" y="818244"/>
+            <a:ext cx="2848417" cy="3543016"/>
           </a:xfrm>
         </p:spPr>
         <p:txBody>
@@ -8643,7 +11855,7 @@
             </a:r>
             <a:r>
               <a:rPr lang="en-US" dirty="0" err="1"/>
-              <a:t>Chaincode</a:t>
+              <a:t>chaincode</a:t>
             </a:r>
             <a:r>
               <a:rPr lang="en-US" dirty="0"/>
@@ -8690,7 +11902,7 @@
           <p:nvPr/>
         </p:nvPicPr>
         <p:blipFill>
-          <a:blip r:embed="rId2">
+          <a:blip r:embed="rId3">
             <a:extLst>
               <a:ext uri="{28A0092B-C50C-407E-A947-70E740481C1C}">
                 <a14:useLocalDpi xmlns:a14="http://schemas.microsoft.com/office/drawing/2010/main" val="0"/>
@@ -8886,7 +12098,7 @@
                 </a:solidFill>
                 <a:latin typeface="Century Gothic" panose="020B0502020202020204" pitchFamily="34" charset="0"/>
               </a:rPr>
-              <a:t>2 Blockchain and Hyperledger Fabric Background</a:t>
+              <a:t>2- Blockchain and Hyperledger Fabric Background</a:t>
             </a:r>
           </a:p>
           <a:p>
@@ -8894,7 +12106,7 @@
               <a:rPr lang="en-US" sz="1200" dirty="0">
                 <a:latin typeface="Century Gothic" panose="020B0502020202020204" pitchFamily="34" charset="0"/>
               </a:rPr>
-              <a:t>Discussing the prerequisite background</a:t>
+              <a:t>Discussing the prerequisite background knowledge</a:t>
             </a:r>
           </a:p>
         </p:txBody>
@@ -9152,7 +12364,7 @@
         <p:spPr>
           <a:xfrm>
             <a:off x="323528" y="818244"/>
-            <a:ext cx="2736304" cy="3543016"/>
+            <a:ext cx="2808312" cy="3543016"/>
           </a:xfrm>
         </p:spPr>
         <p:txBody>
@@ -9175,7 +12387,7 @@
             </a:pPr>
             <a:r>
               <a:rPr lang="en-US" sz="1400" dirty="0"/>
-              <a:t>Once data is recorded, it becomes very difficult to tamper. </a:t>
+              <a:t>Once data is recorded, it becomes very difficult to be tampered. </a:t>
             </a:r>
           </a:p>
           <a:p>
@@ -9195,7 +12407,7 @@
             </a:pPr>
             <a:r>
               <a:rPr lang="en-US" sz="1400" dirty="0"/>
-              <a:t> No central authority.</a:t>
+              <a:t>Decentralized, no central management authority.</a:t>
             </a:r>
           </a:p>
           <a:p>
@@ -9241,7 +12453,7 @@
           <p:nvPr/>
         </p:nvPicPr>
         <p:blipFill>
-          <a:blip r:embed="rId2">
+          <a:blip r:embed="rId3">
             <a:extLst>
               <a:ext uri="{28A0092B-C50C-407E-A947-70E740481C1C}">
                 <a14:useLocalDpi xmlns:a14="http://schemas.microsoft.com/office/drawing/2010/main" val="0"/>
@@ -9405,7 +12617,17 @@
             </a:pPr>
             <a:r>
               <a:rPr lang="en-US" sz="1800" dirty="0"/>
-              <a:t>Focusing on privacy and confidentiality by introducing the channel concept.</a:t>
+              <a:t>Focusing on privacy and confidentiality.</a:t>
+            </a:r>
+          </a:p>
+          <a:p>
+            <a:pPr marL="285750" indent="-285750">
+              <a:buFont typeface="Arial" panose="020B0604020202020204" pitchFamily="34" charset="0"/>
+              <a:buChar char="•"/>
+            </a:pPr>
+            <a:r>
+              <a:rPr lang="en-US" sz="1800" dirty="0"/>
+              <a:t>Modular Design</a:t>
             </a:r>
           </a:p>
           <a:p>
@@ -10250,264 +13472,6 @@
               <a:rPr lang="en-US" b="1" kern="0" dirty="0"/>
               <a:t> </a:t>
             </a:r>
-            <a:endParaRPr lang="en-US" kern="0" dirty="0"/>
-          </a:p>
-          <a:p>
-            <a:endParaRPr lang="en-US" kern="0" dirty="0"/>
-          </a:p>
-        </p:txBody>
-      </p:sp>
-      <p:pic>
-        <p:nvPicPr>
-          <p:cNvPr id="14" name="Picture 13">
-            <a:extLst>
-              <a:ext uri="{FF2B5EF4-FFF2-40B4-BE49-F238E27FC236}">
-                <a16:creationId xmlns:a16="http://schemas.microsoft.com/office/drawing/2014/main" id="{C4CED0E9-BDF3-4277-AD12-2A7D7CDA0C33}"/>
-              </a:ext>
-            </a:extLst>
-          </p:cNvPr>
-          <p:cNvPicPr>
-            <a:picLocks noChangeAspect="1"/>
-          </p:cNvPicPr>
-          <p:nvPr/>
-        </p:nvPicPr>
-        <p:blipFill>
-          <a:blip r:embed="rId6"/>
-          <a:stretch>
-            <a:fillRect/>
-          </a:stretch>
-        </p:blipFill>
-        <p:spPr>
-          <a:xfrm>
-            <a:off x="1040590" y="3119733"/>
-            <a:ext cx="1087939" cy="1103120"/>
-          </a:xfrm>
-          <a:prstGeom prst="rect">
-            <a:avLst/>
-          </a:prstGeom>
-        </p:spPr>
-      </p:pic>
-      <p:sp>
-        <p:nvSpPr>
-          <p:cNvPr id="15" name="Content Placeholder 2">
-            <a:extLst>
-              <a:ext uri="{FF2B5EF4-FFF2-40B4-BE49-F238E27FC236}">
-                <a16:creationId xmlns:a16="http://schemas.microsoft.com/office/drawing/2014/main" id="{76AEB0B2-1878-4DA9-9906-DC5C8AE2C59D}"/>
-              </a:ext>
-            </a:extLst>
-          </p:cNvPr>
-          <p:cNvSpPr txBox="1">
-            <a:spLocks/>
-          </p:cNvSpPr>
-          <p:nvPr/>
-        </p:nvSpPr>
-        <p:spPr bwMode="auto">
-          <a:xfrm>
-            <a:off x="2215527" y="3365262"/>
-            <a:ext cx="2212458" cy="936104"/>
-          </a:xfrm>
-          <a:prstGeom prst="rect">
-            <a:avLst/>
-          </a:prstGeom>
-          <a:noFill/>
-          <a:ln w="9525">
-            <a:noFill/>
-            <a:miter lim="800000"/>
-            <a:headEnd/>
-            <a:tailEnd/>
-          </a:ln>
-          <a:effectLst/>
-        </p:spPr>
-        <p:txBody>
-          <a:bodyPr vert="horz" wrap="square" lIns="0" tIns="0" rIns="0" bIns="0" numCol="1" anchor="t" anchorCtr="0" compatLnSpc="1">
-            <a:prstTxWarp prst="textNoShape">
-              <a:avLst/>
-            </a:prstTxWarp>
-          </a:bodyPr>
-          <a:lstStyle>
-            <a:lvl1pPr algn="l" rtl="0" eaLnBrk="1" fontAlgn="base" hangingPunct="1">
-              <a:spcBef>
-                <a:spcPct val="20000"/>
-              </a:spcBef>
-              <a:spcAft>
-                <a:spcPct val="0"/>
-              </a:spcAft>
-              <a:defRPr sz="1600">
-                <a:solidFill>
-                  <a:schemeClr val="tx1"/>
-                </a:solidFill>
-                <a:latin typeface="+mn-lt"/>
-                <a:ea typeface="+mn-ea"/>
-                <a:cs typeface="+mn-cs"/>
-              </a:defRPr>
-            </a:lvl1pPr>
-            <a:lvl2pPr marL="190500" indent="-188913" algn="l" rtl="0" eaLnBrk="1" fontAlgn="base" hangingPunct="1">
-              <a:spcBef>
-                <a:spcPct val="20000"/>
-              </a:spcBef>
-              <a:spcAft>
-                <a:spcPct val="0"/>
-              </a:spcAft>
-              <a:buClr>
-                <a:schemeClr val="tx1"/>
-              </a:buClr>
-              <a:buFont typeface="Wingdings" pitchFamily="2" charset="2"/>
-              <a:buChar char="§"/>
-              <a:defRPr sz="1600">
-                <a:solidFill>
-                  <a:schemeClr val="tx1"/>
-                </a:solidFill>
-                <a:latin typeface="+mn-lt"/>
-              </a:defRPr>
-            </a:lvl2pPr>
-            <a:lvl3pPr marL="361950" indent="-169863" algn="l" rtl="0" eaLnBrk="1" fontAlgn="base" hangingPunct="1">
-              <a:spcBef>
-                <a:spcPct val="20000"/>
-              </a:spcBef>
-              <a:spcAft>
-                <a:spcPct val="0"/>
-              </a:spcAft>
-              <a:buClr>
-                <a:schemeClr val="tx1"/>
-              </a:buClr>
-              <a:buFont typeface="Wingdings" pitchFamily="2" charset="2"/>
-              <a:buChar char="§"/>
-              <a:defRPr sz="1600">
-                <a:solidFill>
-                  <a:schemeClr val="tx1"/>
-                </a:solidFill>
-                <a:latin typeface="+mn-lt"/>
-              </a:defRPr>
-            </a:lvl3pPr>
-            <a:lvl4pPr marL="542925" indent="-179388" algn="l" rtl="0" eaLnBrk="1" fontAlgn="base" hangingPunct="1">
-              <a:spcBef>
-                <a:spcPct val="20000"/>
-              </a:spcBef>
-              <a:spcAft>
-                <a:spcPct val="0"/>
-              </a:spcAft>
-              <a:buClr>
-                <a:schemeClr val="tx1"/>
-              </a:buClr>
-              <a:buFont typeface="Wingdings" pitchFamily="2" charset="2"/>
-              <a:buChar char="§"/>
-              <a:defRPr sz="1600">
-                <a:solidFill>
-                  <a:schemeClr val="tx1"/>
-                </a:solidFill>
-                <a:latin typeface="+mn-lt"/>
-              </a:defRPr>
-            </a:lvl4pPr>
-            <a:lvl5pPr marL="742950" indent="-198438" algn="l" rtl="0" eaLnBrk="1" fontAlgn="base" hangingPunct="1">
-              <a:spcBef>
-                <a:spcPct val="20000"/>
-              </a:spcBef>
-              <a:spcAft>
-                <a:spcPct val="0"/>
-              </a:spcAft>
-              <a:buClr>
-                <a:schemeClr val="tx1"/>
-              </a:buClr>
-              <a:buFont typeface="Wingdings" pitchFamily="2" charset="2"/>
-              <a:buChar char="§"/>
-              <a:defRPr sz="1600">
-                <a:solidFill>
-                  <a:schemeClr val="tx1"/>
-                </a:solidFill>
-                <a:latin typeface="+mn-lt"/>
-              </a:defRPr>
-            </a:lvl5pPr>
-            <a:lvl6pPr marL="1200150" indent="-198438" algn="l" rtl="0" eaLnBrk="1" fontAlgn="base" hangingPunct="1">
-              <a:spcBef>
-                <a:spcPct val="20000"/>
-              </a:spcBef>
-              <a:spcAft>
-                <a:spcPct val="0"/>
-              </a:spcAft>
-              <a:buFont typeface="Wingdings" pitchFamily="2" charset="2"/>
-              <a:buChar char="§"/>
-              <a:defRPr sz="1600">
-                <a:solidFill>
-                  <a:schemeClr val="tx1"/>
-                </a:solidFill>
-                <a:latin typeface="+mn-lt"/>
-              </a:defRPr>
-            </a:lvl6pPr>
-            <a:lvl7pPr marL="1657350" indent="-198438" algn="l" rtl="0" eaLnBrk="1" fontAlgn="base" hangingPunct="1">
-              <a:spcBef>
-                <a:spcPct val="20000"/>
-              </a:spcBef>
-              <a:spcAft>
-                <a:spcPct val="0"/>
-              </a:spcAft>
-              <a:buFont typeface="Wingdings" pitchFamily="2" charset="2"/>
-              <a:buChar char="§"/>
-              <a:defRPr sz="1600">
-                <a:solidFill>
-                  <a:schemeClr val="tx1"/>
-                </a:solidFill>
-                <a:latin typeface="+mn-lt"/>
-              </a:defRPr>
-            </a:lvl7pPr>
-            <a:lvl8pPr marL="2114550" indent="-198438" algn="l" rtl="0" eaLnBrk="1" fontAlgn="base" hangingPunct="1">
-              <a:spcBef>
-                <a:spcPct val="20000"/>
-              </a:spcBef>
-              <a:spcAft>
-                <a:spcPct val="0"/>
-              </a:spcAft>
-              <a:buFont typeface="Wingdings" pitchFamily="2" charset="2"/>
-              <a:buChar char="§"/>
-              <a:defRPr sz="1600">
-                <a:solidFill>
-                  <a:schemeClr val="tx1"/>
-                </a:solidFill>
-                <a:latin typeface="+mn-lt"/>
-              </a:defRPr>
-            </a:lvl8pPr>
-            <a:lvl9pPr marL="2571750" indent="-198438" algn="l" rtl="0" eaLnBrk="1" fontAlgn="base" hangingPunct="1">
-              <a:spcBef>
-                <a:spcPct val="20000"/>
-              </a:spcBef>
-              <a:spcAft>
-                <a:spcPct val="0"/>
-              </a:spcAft>
-              <a:buFont typeface="Wingdings" pitchFamily="2" charset="2"/>
-              <a:buChar char="§"/>
-              <a:defRPr sz="1600">
-                <a:solidFill>
-                  <a:schemeClr val="tx1"/>
-                </a:solidFill>
-                <a:latin typeface="+mn-lt"/>
-              </a:defRPr>
-            </a:lvl9pPr>
-          </a:lstStyle>
-          <a:p>
-            <a:r>
-              <a:rPr lang="en-US" b="1" kern="0" dirty="0"/>
-              <a:t>Channel</a:t>
-            </a:r>
-            <a:r>
-              <a:rPr lang="en-US" kern="0" dirty="0"/>
-              <a:t>: </a:t>
-            </a:r>
-            <a:r>
-              <a:rPr lang="en-US" sz="1400" kern="0" dirty="0"/>
-              <a:t>Completely isolated instance of Hyperledger Fabric</a:t>
-            </a:r>
-          </a:p>
-          <a:p>
-            <a:pPr marL="285750" indent="-285750">
-              <a:buFont typeface="Arial" panose="020B0604020202020204" pitchFamily="34" charset="0"/>
-              <a:buChar char="•"/>
-            </a:pPr>
-            <a:endParaRPr lang="en-US" kern="0" dirty="0"/>
-          </a:p>
-          <a:p>
-            <a:pPr marL="285750" indent="-285750">
-              <a:buFont typeface="Arial" panose="020B0604020202020204" pitchFamily="34" charset="0"/>
-              <a:buChar char="•"/>
-            </a:pPr>
             <a:endParaRPr lang="en-US" kern="0" dirty="0"/>
           </a:p>
           <a:p>

--- a/FakeNewsDetection.pptx
+++ b/FakeNewsDetection.pptx
@@ -261,7 +261,7 @@
           <a:p>
             <a:fld id="{72CE52FD-EEC5-4B15-8F5D-7ED48CDD5B6D}" type="datetimeFigureOut">
               <a:rPr lang="en-US" smtClean="0"/>
-              <a:t>6/29/2019</a:t>
+              <a:t>7/2/2019</a:t>
             </a:fld>
             <a:endParaRPr lang="en-US" dirty="0"/>
           </a:p>
@@ -7474,7 +7474,7 @@
           <a:p>
             <a:fld id="{0B460F1A-09A3-453D-8113-CDDCFA249950}" type="datetimeFigureOut">
               <a:rPr lang="en-US" smtClean="0"/>
-              <a:t>6/29/2019</a:t>
+              <a:t>7/2/2019</a:t>
             </a:fld>
             <a:endParaRPr lang="en-US"/>
           </a:p>
@@ -7806,7 +7806,7 @@
             </a:r>
             <a:r>
               <a:rPr lang="de-DE" sz="800" dirty="0"/>
-              <a:t> | Seite</a:t>
+              <a:t> | Page</a:t>
             </a:r>
             <a:r>
               <a:rPr lang="de-DE" sz="800" baseline="0" dirty="0"/>
@@ -11937,7 +11937,7 @@
             </a:pPr>
             <a:r>
               <a:rPr lang="en-US" sz="1800" dirty="0"/>
-              <a:t>Fabric CA Server Will be responsible for enrolling users.</a:t>
+              <a:t>Fabric-CA Server will be responsible for enrolling users.</a:t>
             </a:r>
           </a:p>
           <a:p>
@@ -11972,7 +11972,7 @@
             <a:pPr lvl="3"/>
             <a:r>
               <a:rPr lang="en-US" sz="1800" dirty="0"/>
-              <a:t>Users private key. </a:t>
+              <a:t>Users’ private key. </a:t>
             </a:r>
           </a:p>
         </p:txBody>
@@ -14442,8 +14442,14 @@
               <a:buChar char="•"/>
             </a:pPr>
             <a:r>
-              <a:rPr lang="en-US" sz="2000" dirty="0"/>
-              <a:t>Fake news or fabricated content deceitfully presented as real news. </a:t>
+              <a:rPr lang="en-US" sz="1800" dirty="0"/>
+              <a:t>Fake news or fabricated content deceitfully presented as real news.</a:t>
+            </a:r>
+          </a:p>
+          <a:p>
+            <a:r>
+              <a:rPr lang="en-US" sz="1800" dirty="0"/>
+              <a:t> </a:t>
             </a:r>
           </a:p>
           <a:p>
@@ -14452,9 +14458,12 @@
               <a:buChar char="•"/>
             </a:pPr>
             <a:r>
-              <a:rPr lang="en-US" sz="2000" dirty="0"/>
+              <a:rPr lang="en-US" sz="1800" dirty="0"/>
               <a:t>Outperforming actual news stories.</a:t>
             </a:r>
+          </a:p>
+          <a:p>
+            <a:endParaRPr lang="en-US" sz="1800" dirty="0"/>
           </a:p>
           <a:p>
             <a:pPr marL="285750" indent="-285750">
@@ -14462,9 +14471,12 @@
               <a:buChar char="•"/>
             </a:pPr>
             <a:r>
-              <a:rPr lang="en-US" sz="2000" dirty="0"/>
+              <a:rPr lang="en-US" sz="1800" dirty="0"/>
               <a:t>Biasing the public opinion.</a:t>
             </a:r>
+          </a:p>
+          <a:p>
+            <a:endParaRPr lang="en-US" sz="1800" dirty="0"/>
           </a:p>
           <a:p>
             <a:pPr marL="285750" indent="-285750">
@@ -14472,7 +14484,7 @@
               <a:buChar char="•"/>
             </a:pPr>
             <a:r>
-              <a:rPr lang="en-US" sz="2000" dirty="0"/>
+              <a:rPr lang="en-US" sz="1800" dirty="0"/>
               <a:t>No incentive to be honest.</a:t>
             </a:r>
           </a:p>
@@ -15184,7 +15196,7 @@
               <a:buChar char="•"/>
             </a:pPr>
             <a:r>
-              <a:rPr lang="en-US" dirty="0"/>
+              <a:rPr lang="en-US" sz="1800" dirty="0"/>
               <a:t>For more efficient storage we store only the hash of the media file in the blockchain. </a:t>
             </a:r>
           </a:p>
@@ -15194,11 +15206,11 @@
               <a:buChar char="•"/>
             </a:pPr>
             <a:r>
-              <a:rPr lang="en-US" dirty="0"/>
+              <a:rPr lang="en-US" sz="1800" dirty="0"/>
               <a:t>We are hashing the content using </a:t>
             </a:r>
             <a:r>
-              <a:rPr lang="en-US" altLang="en-US" b="1" dirty="0">
+              <a:rPr lang="en-US" altLang="en-US" sz="1800" b="1" dirty="0">
                 <a:solidFill>
                   <a:srgbClr val="008000"/>
                 </a:solidFill>
@@ -15213,7 +15225,7 @@
               <a:buChar char="•"/>
             </a:pPr>
             <a:r>
-              <a:rPr lang="en-US" dirty="0"/>
+              <a:rPr lang="en-US" sz="1800" dirty="0"/>
               <a:t>Serving the content from a CDN like amazon S3.</a:t>
             </a:r>
           </a:p>
@@ -15390,12 +15402,12 @@
               <a:buChar char="•"/>
             </a:pPr>
             <a:r>
-              <a:rPr lang="en-US" dirty="0"/>
+              <a:rPr lang="en-US" sz="1800" dirty="0"/>
               <a:t>Automatically fetching the nearby events from the blockchain based on the location.</a:t>
             </a:r>
           </a:p>
           <a:p>
-            <a:endParaRPr lang="en-US" dirty="0"/>
+            <a:endParaRPr lang="en-US" sz="1800" dirty="0"/>
           </a:p>
           <a:p>
             <a:pPr marL="285750" indent="-285750">
@@ -15403,13 +15415,13 @@
               <a:buChar char="•"/>
             </a:pPr>
             <a:r>
-              <a:rPr lang="en-US" dirty="0"/>
+              <a:rPr lang="en-US" sz="1800" dirty="0"/>
               <a:t>Displaying the events like Facebook or Instagram news feed in a chronological order.</a:t>
             </a:r>
           </a:p>
           <a:p>
             <a:r>
-              <a:rPr lang="en-US" dirty="0"/>
+              <a:rPr lang="en-US" sz="1800" dirty="0"/>
               <a:t> </a:t>
             </a:r>
           </a:p>
@@ -15419,7 +15431,7 @@
               <a:buChar char="•"/>
             </a:pPr>
             <a:r>
-              <a:rPr lang="en-US" dirty="0"/>
+              <a:rPr lang="en-US" sz="1800" dirty="0"/>
               <a:t>Translating the latitude/longitude into a city name using Geocoder </a:t>
             </a:r>
           </a:p>
@@ -15553,12 +15565,12 @@
               <a:buChar char="•"/>
             </a:pPr>
             <a:r>
-              <a:rPr lang="en-US" sz="2000" dirty="0"/>
+              <a:rPr lang="en-US" sz="1800" dirty="0"/>
               <a:t>The users could simply rank the events by voting them up/down.</a:t>
             </a:r>
           </a:p>
           <a:p>
-            <a:endParaRPr lang="en-US" sz="2000" dirty="0"/>
+            <a:endParaRPr lang="en-US" sz="1800" dirty="0"/>
           </a:p>
           <a:p>
             <a:pPr marL="285750" indent="-285750">
@@ -15566,8 +15578,8 @@
               <a:buChar char="•"/>
             </a:pPr>
             <a:r>
-              <a:rPr lang="en-US" sz="2000" dirty="0"/>
-              <a:t>In addition, they could also add photos and comments. </a:t>
+              <a:rPr lang="en-US" sz="1800" dirty="0"/>
+              <a:t>In addition, they could add photos and comments. </a:t>
             </a:r>
           </a:p>
           <a:p>
@@ -15719,7 +15731,7 @@
             </a:pPr>
             <a:r>
               <a:rPr lang="en-US" dirty="0"/>
-              <a:t>Assuming that the location wasn’t manipulated.</a:t>
+              <a:t>Assuming that the location was not manipulated.</a:t>
             </a:r>
           </a:p>
           <a:p>
@@ -15906,7 +15918,7 @@
             </a:pPr>
             <a:r>
               <a:rPr lang="en-US" dirty="0"/>
-              <a:t>The algorithm considers the users rank and location trustworthiness(How Close). </a:t>
+              <a:t>The algorithm considers the users rank and location trustworthiness (How Close). </a:t>
             </a:r>
           </a:p>
           <a:p>
@@ -17034,7 +17046,7 @@
               <a:buAutoNum type="arabicPeriod"/>
             </a:pPr>
             <a:r>
-              <a:rPr lang="en-US" sz="2400" dirty="0"/>
+              <a:rPr lang="en-US" sz="1800" dirty="0"/>
               <a:t>Different actors such as, Researchers, Verifiers and Administrators . </a:t>
             </a:r>
           </a:p>
@@ -17043,10 +17055,7 @@
               <a:buFont typeface="+mj-lt"/>
               <a:buAutoNum type="arabicPeriod"/>
             </a:pPr>
-            <a:r>
-              <a:rPr lang="en-US" sz="2400" dirty="0"/>
-              <a:t>Making a community and based on the reputation we grant more privileges to the users, that they could delete posts or ban other users. </a:t>
-            </a:r>
+            <a:endParaRPr lang="en-US" sz="1800" dirty="0"/>
           </a:p>
           <a:p>
             <a:pPr marL="342900" indent="-342900">
@@ -17054,7 +17063,24 @@
               <a:buAutoNum type="arabicPeriod"/>
             </a:pPr>
             <a:r>
-              <a:rPr lang="en-US" sz="2400" dirty="0"/>
+              <a:rPr lang="en-US" sz="1800" dirty="0"/>
+              <a:t>Making a community and based on the reputation we grant more privileges to the users, that they could delete posts or ban other users. </a:t>
+            </a:r>
+          </a:p>
+          <a:p>
+            <a:pPr marL="342900" indent="-342900">
+              <a:buFont typeface="+mj-lt"/>
+              <a:buAutoNum type="arabicPeriod"/>
+            </a:pPr>
+            <a:endParaRPr lang="en-US" sz="1800" dirty="0"/>
+          </a:p>
+          <a:p>
+            <a:pPr marL="342900" indent="-342900">
+              <a:buFont typeface="+mj-lt"/>
+              <a:buAutoNum type="arabicPeriod"/>
+            </a:pPr>
+            <a:r>
+              <a:rPr lang="en-US" sz="1800" dirty="0"/>
               <a:t>Preventing users with bad reputation from posting or voting. </a:t>
             </a:r>
           </a:p>
@@ -17170,9 +17196,12 @@
               <a:buChar char="•"/>
             </a:pPr>
             <a:r>
-              <a:rPr lang="en-US" sz="2400" dirty="0"/>
+              <a:rPr lang="en-US" sz="1800" dirty="0"/>
               <a:t>We implemented an application for fake news detection based on Hyperledger Fabric.</a:t>
             </a:r>
+          </a:p>
+          <a:p>
+            <a:endParaRPr lang="en-US" sz="1800" dirty="0"/>
           </a:p>
           <a:p>
             <a:pPr marL="285750" indent="-285750">
@@ -17180,9 +17209,12 @@
               <a:buChar char="•"/>
             </a:pPr>
             <a:r>
-              <a:rPr lang="en-US" sz="2400" dirty="0"/>
+              <a:rPr lang="en-US" sz="1800" dirty="0"/>
               <a:t>Hyperledger Fabric is a complex solution and requires a concrete understanding of different technologies.</a:t>
             </a:r>
+          </a:p>
+          <a:p>
+            <a:endParaRPr lang="en-US" sz="1800" dirty="0"/>
           </a:p>
           <a:p>
             <a:pPr marL="285750" indent="-285750">
@@ -17190,7 +17222,7 @@
               <a:buChar char="•"/>
             </a:pPr>
             <a:r>
-              <a:rPr lang="en-US" sz="2400" dirty="0"/>
+              <a:rPr lang="en-US" sz="1800" dirty="0"/>
               <a:t>The application could be scaled, furthermore easily adopting more complex business logic.</a:t>
             </a:r>
           </a:p>
@@ -19812,7 +19844,7 @@
         </p:nvSpPr>
         <p:spPr>
           <a:xfrm>
-            <a:off x="251520" y="2283718"/>
+            <a:off x="4056397" y="3426477"/>
             <a:ext cx="2491651" cy="720080"/>
           </a:xfrm>
         </p:spPr>
@@ -19828,6 +19860,8 @@
               <a:rPr lang="en-US" dirty="0"/>
               <a:t>: </a:t>
             </a:r>
+          </a:p>
+          <a:p>
             <a:r>
               <a:rPr lang="en-US" sz="1200" dirty="0"/>
               <a:t>Order the transaction and create the blocks.</a:t>
@@ -20075,6 +20109,8 @@
               <a:rPr lang="en-US" b="1" kern="0" dirty="0"/>
               <a:t>Peers: </a:t>
             </a:r>
+          </a:p>
+          <a:p>
             <a:r>
               <a:rPr lang="en-US" sz="1200" kern="0" dirty="0"/>
               <a:t>Network nodes host the ledger and the smart contract.</a:t>
@@ -20125,7 +20161,7 @@
         </p:blipFill>
         <p:spPr>
           <a:xfrm>
-            <a:off x="1115616" y="996943"/>
+            <a:off x="2863456" y="3219822"/>
             <a:ext cx="1173711" cy="1079301"/>
           </a:xfrm>
           <a:prstGeom prst="rect">
@@ -20408,7 +20444,7 @@
         </p:blipFill>
         <p:spPr>
           <a:xfrm>
-            <a:off x="3050948" y="3147814"/>
+            <a:off x="683568" y="1072284"/>
             <a:ext cx="1025881" cy="1009694"/>
           </a:xfrm>
           <a:prstGeom prst="rect">
@@ -20432,8 +20468,8 @@
         </p:nvSpPr>
         <p:spPr bwMode="auto">
           <a:xfrm>
-            <a:off x="4247964" y="3405189"/>
-            <a:ext cx="3492388" cy="936104"/>
+            <a:off x="107505" y="2283718"/>
+            <a:ext cx="2517262" cy="936104"/>
           </a:xfrm>
           <a:prstGeom prst="rect">
             <a:avLst/>
@@ -20618,8 +20654,10 @@
             </a:r>
             <a:r>
               <a:rPr lang="en-US" kern="0" dirty="0"/>
-              <a:t>: </a:t>
-            </a:r>
+              <a:t>:</a:t>
+            </a:r>
+          </a:p>
+          <a:p>
             <a:r>
               <a:rPr lang="en-US" sz="1200" kern="0" dirty="0"/>
               <a:t>It stores the information, and comprises of the blockchain and the world state</a:t>

--- a/FakeNewsDetection.pptx
+++ b/FakeNewsDetection.pptx
@@ -261,7 +261,7 @@
           <a:p>
             <a:fld id="{72CE52FD-EEC5-4B15-8F5D-7ED48CDD5B6D}" type="datetimeFigureOut">
               <a:rPr lang="en-US" smtClean="0"/>
-              <a:t>7/2/2019</a:t>
+              <a:t>7/4/2019</a:t>
             </a:fld>
             <a:endParaRPr lang="en-US" dirty="0"/>
           </a:p>
@@ -7474,7 +7474,7 @@
           <a:p>
             <a:fld id="{0B460F1A-09A3-453D-8113-CDDCFA249950}" type="datetimeFigureOut">
               <a:rPr lang="en-US" smtClean="0"/>
-              <a:t>7/2/2019</a:t>
+              <a:t>7/4/2019</a:t>
             </a:fld>
             <a:endParaRPr lang="en-US"/>
           </a:p>
@@ -15874,8 +15874,8 @@
         </p:nvSpPr>
         <p:spPr>
           <a:xfrm>
-            <a:off x="251968" y="900000"/>
-            <a:ext cx="4464048" cy="3420000"/>
+            <a:off x="251968" y="1131590"/>
+            <a:ext cx="4464048" cy="2736304"/>
           </a:xfrm>
         </p:spPr>
         <p:txBody>
@@ -15887,7 +15887,7 @@
               <a:buChar char="•"/>
             </a:pPr>
             <a:r>
-              <a:rPr lang="en-US" dirty="0"/>
+              <a:rPr lang="en-US" sz="1800" dirty="0"/>
               <a:t>Every user starts with 0 reputation score.</a:t>
             </a:r>
           </a:p>
@@ -15897,7 +15897,7 @@
               <a:buChar char="•"/>
             </a:pPr>
             <a:r>
-              <a:rPr lang="en-US" dirty="0"/>
+              <a:rPr lang="en-US" sz="1800" dirty="0"/>
               <a:t>Adding an event will increase his score by +1. </a:t>
             </a:r>
           </a:p>
@@ -15907,8 +15907,8 @@
               <a:buChar char="•"/>
             </a:pPr>
             <a:r>
-              <a:rPr lang="en-US" dirty="0"/>
-              <a:t>When other people rate his event this will directly reflect the user’s reputation score.</a:t>
+              <a:rPr lang="en-US" sz="1800" dirty="0"/>
+              <a:t>The algorithm considers the users rank and location trustworthiness (How Close). </a:t>
             </a:r>
           </a:p>
           <a:p>
@@ -15917,18 +15917,8 @@
               <a:buChar char="•"/>
             </a:pPr>
             <a:r>
-              <a:rPr lang="en-US" dirty="0"/>
-              <a:t>The algorithm considers the users rank and location trustworthiness (How Close). </a:t>
-            </a:r>
-          </a:p>
-          <a:p>
-            <a:pPr marL="285750" indent="-285750">
-              <a:buFont typeface="Arial" panose="020B0604020202020204" pitchFamily="34" charset="0"/>
-              <a:buChar char="•"/>
-            </a:pPr>
-            <a:r>
-              <a:rPr lang="en-US" dirty="0"/>
-              <a:t>What easily influences the user’s reputation. Is getting good/bad reviews from the highly ranked users. </a:t>
+              <a:rPr lang="en-US" sz="1800" dirty="0"/>
+              <a:t>What easily influences the user’s reputation is getting good/bad reviews from the highly ranked users. </a:t>
             </a:r>
           </a:p>
           <a:p>
@@ -17223,7 +17213,7 @@
             </a:pPr>
             <a:r>
               <a:rPr lang="en-US" sz="1800" dirty="0"/>
-              <a:t>The application could be scaled, furthermore easily adopting more complex business logic.</a:t>
+              <a:t>The application could be scaled and easily adopting more complex business logic.</a:t>
             </a:r>
           </a:p>
         </p:txBody>
